--- a/monografia.pptx
+++ b/monografia.pptx
@@ -1,11 +1,26 @@
 
 <file path=ppt/presentation.xml><?xml version="1.0" encoding="utf-8"?>
-<p:presentation xmlns:a="http://schemas.openxmlformats.org/drawingml/2006/main" xmlns:r="http://schemas.openxmlformats.org/officeDocument/2006/relationships" xmlns:p="http://schemas.openxmlformats.org/presentationml/2006/main" autoCompressPictures="0">
+<p:presentation xmlns:a="http://schemas.openxmlformats.org/drawingml/2006/main" xmlns:r="http://schemas.openxmlformats.org/officeDocument/2006/relationships" xmlns:p="http://schemas.openxmlformats.org/presentationml/2006/main" autoCompressPictures="0" bookmarkIdSeed="26">
   <p:sldMasterIdLst>
     <p:sldMasterId id="2147483648" r:id="rId1"/>
   </p:sldMasterIdLst>
   <p:sldIdLst>
     <p:sldId id="256" r:id="rId2"/>
+    <p:sldId id="257" r:id="rId3"/>
+    <p:sldId id="258" r:id="rId4"/>
+    <p:sldId id="259" r:id="rId5"/>
+    <p:sldId id="260" r:id="rId6"/>
+    <p:sldId id="261" r:id="rId7"/>
+    <p:sldId id="262" r:id="rId8"/>
+    <p:sldId id="269" r:id="rId9"/>
+    <p:sldId id="270" r:id="rId10"/>
+    <p:sldId id="263" r:id="rId11"/>
+    <p:sldId id="264" r:id="rId12"/>
+    <p:sldId id="265" r:id="rId13"/>
+    <p:sldId id="266" r:id="rId14"/>
+    <p:sldId id="267" r:id="rId15"/>
+    <p:sldId id="268" r:id="rId16"/>
+    <p:sldId id="271" r:id="rId17"/>
   </p:sldIdLst>
   <p:sldSz cx="12192000" cy="6858000"/>
   <p:notesSz cx="6858000" cy="9144000"/>
@@ -104,6 +119,11 @@
       </a:defRPr>
     </a:lvl9pPr>
   </p:defaultTextStyle>
+  <p:extLst>
+    <p:ext uri="{EFAFB233-063F-42B5-8137-9DF3F51BA10A}">
+      <p15:sldGuideLst xmlns:p15="http://schemas.microsoft.com/office/powerpoint/2012/main"/>
+    </p:ext>
+  </p:extLst>
 </p:presentation>
 </file>
 
@@ -4383,7 +4403,7 @@
           <a:p>
             <a:fld id="{48A87A34-81AB-432B-8DAE-1953F412C126}" type="datetimeFigureOut">
               <a:rPr lang="en-US" dirty="0"/>
-              <a:t>3/19/2019</a:t>
+              <a:t>3/21/2019</a:t>
             </a:fld>
             <a:endParaRPr lang="en-US" dirty="0"/>
           </a:p>
@@ -4645,7 +4665,7 @@
           <a:p>
             <a:fld id="{48A87A34-81AB-432B-8DAE-1953F412C126}" type="datetimeFigureOut">
               <a:rPr lang="en-US" dirty="0"/>
-              <a:t>3/19/2019</a:t>
+              <a:t>3/21/2019</a:t>
             </a:fld>
             <a:endParaRPr lang="en-US" dirty="0"/>
           </a:p>
@@ -4836,7 +4856,7 @@
           <a:p>
             <a:fld id="{48A87A34-81AB-432B-8DAE-1953F412C126}" type="datetimeFigureOut">
               <a:rPr lang="en-US" dirty="0"/>
-              <a:t>3/19/2019</a:t>
+              <a:t>3/21/2019</a:t>
             </a:fld>
             <a:endParaRPr lang="en-US" dirty="0"/>
           </a:p>
@@ -5094,7 +5114,7 @@
           <a:p>
             <a:fld id="{48A87A34-81AB-432B-8DAE-1953F412C126}" type="datetimeFigureOut">
               <a:rPr lang="en-US" dirty="0"/>
-              <a:t>3/19/2019</a:t>
+              <a:t>3/21/2019</a:t>
             </a:fld>
             <a:endParaRPr lang="en-US" dirty="0"/>
           </a:p>
@@ -5523,7 +5543,7 @@
           <a:p>
             <a:fld id="{48A87A34-81AB-432B-8DAE-1953F412C126}" type="datetimeFigureOut">
               <a:rPr lang="en-US" dirty="0"/>
-              <a:t>3/19/2019</a:t>
+              <a:t>3/21/2019</a:t>
             </a:fld>
             <a:endParaRPr lang="en-US" dirty="0"/>
           </a:p>
@@ -6064,7 +6084,7 @@
           <a:p>
             <a:fld id="{48A87A34-81AB-432B-8DAE-1953F412C126}" type="datetimeFigureOut">
               <a:rPr lang="en-US" dirty="0"/>
-              <a:t>3/19/2019</a:t>
+              <a:t>3/21/2019</a:t>
             </a:fld>
             <a:endParaRPr lang="en-US" dirty="0"/>
           </a:p>
@@ -6779,7 +6799,7 @@
           <a:p>
             <a:fld id="{48A87A34-81AB-432B-8DAE-1953F412C126}" type="datetimeFigureOut">
               <a:rPr lang="en-US" dirty="0"/>
-              <a:t>3/19/2019</a:t>
+              <a:t>3/21/2019</a:t>
             </a:fld>
             <a:endParaRPr lang="en-US" dirty="0"/>
           </a:p>
@@ -6944,7 +6964,7 @@
           <a:p>
             <a:fld id="{48A87A34-81AB-432B-8DAE-1953F412C126}" type="datetimeFigureOut">
               <a:rPr lang="en-US" dirty="0"/>
-              <a:t>3/19/2019</a:t>
+              <a:t>3/21/2019</a:t>
             </a:fld>
             <a:endParaRPr lang="en-US" dirty="0"/>
           </a:p>
@@ -7119,7 +7139,7 @@
           <a:p>
             <a:fld id="{48A87A34-81AB-432B-8DAE-1953F412C126}" type="datetimeFigureOut">
               <a:rPr lang="en-US" dirty="0"/>
-              <a:t>3/19/2019</a:t>
+              <a:t>3/21/2019</a:t>
             </a:fld>
             <a:endParaRPr lang="en-US" dirty="0"/>
           </a:p>
@@ -7284,7 +7304,7 @@
           <a:p>
             <a:fld id="{48A87A34-81AB-432B-8DAE-1953F412C126}" type="datetimeFigureOut">
               <a:rPr lang="en-US" dirty="0"/>
-              <a:t>3/19/2019</a:t>
+              <a:t>3/21/2019</a:t>
             </a:fld>
             <a:endParaRPr lang="en-US" dirty="0"/>
           </a:p>
@@ -7529,7 +7549,7 @@
           <a:p>
             <a:fld id="{48A87A34-81AB-432B-8DAE-1953F412C126}" type="datetimeFigureOut">
               <a:rPr lang="en-US" dirty="0"/>
-              <a:t>3/19/2019</a:t>
+              <a:t>3/21/2019</a:t>
             </a:fld>
             <a:endParaRPr lang="en-US" dirty="0"/>
           </a:p>
@@ -7756,7 +7776,7 @@
           <a:p>
             <a:fld id="{48A87A34-81AB-432B-8DAE-1953F412C126}" type="datetimeFigureOut">
               <a:rPr lang="en-US" dirty="0"/>
-              <a:t>3/19/2019</a:t>
+              <a:t>3/21/2019</a:t>
             </a:fld>
             <a:endParaRPr lang="en-US" dirty="0"/>
           </a:p>
@@ -8132,7 +8152,7 @@
           <a:p>
             <a:fld id="{48A87A34-81AB-432B-8DAE-1953F412C126}" type="datetimeFigureOut">
               <a:rPr lang="en-US" dirty="0"/>
-              <a:t>3/19/2019</a:t>
+              <a:t>3/21/2019</a:t>
             </a:fld>
             <a:endParaRPr lang="en-US" dirty="0"/>
           </a:p>
@@ -8245,7 +8265,7 @@
           <a:p>
             <a:fld id="{48A87A34-81AB-432B-8DAE-1953F412C126}" type="datetimeFigureOut">
               <a:rPr lang="en-US" dirty="0"/>
-              <a:t>3/19/2019</a:t>
+              <a:t>3/21/2019</a:t>
             </a:fld>
             <a:endParaRPr lang="en-US" dirty="0"/>
           </a:p>
@@ -8335,7 +8355,7 @@
           <a:p>
             <a:fld id="{48A87A34-81AB-432B-8DAE-1953F412C126}" type="datetimeFigureOut">
               <a:rPr lang="en-US" dirty="0"/>
-              <a:t>3/19/2019</a:t>
+              <a:t>3/21/2019</a:t>
             </a:fld>
             <a:endParaRPr lang="en-US" dirty="0"/>
           </a:p>
@@ -8579,7 +8599,7 @@
           <a:p>
             <a:fld id="{48A87A34-81AB-432B-8DAE-1953F412C126}" type="datetimeFigureOut">
               <a:rPr lang="en-US" dirty="0"/>
-              <a:t>3/19/2019</a:t>
+              <a:t>3/21/2019</a:t>
             </a:fld>
             <a:endParaRPr lang="en-US" dirty="0"/>
           </a:p>
@@ -8854,7 +8874,7 @@
           <a:p>
             <a:fld id="{48A87A34-81AB-432B-8DAE-1953F412C126}" type="datetimeFigureOut">
               <a:rPr lang="en-US" dirty="0"/>
-              <a:t>3/19/2019</a:t>
+              <a:t>3/21/2019</a:t>
             </a:fld>
             <a:endParaRPr lang="en-US" dirty="0"/>
           </a:p>
@@ -11927,7 +11947,7 @@
             <a:fld id="{48A87A34-81AB-432B-8DAE-1953F412C126}" type="datetimeFigureOut">
               <a:rPr lang="en-US" dirty="0"/>
               <a:pPr/>
-              <a:t>3/19/2019</a:t>
+              <a:t>3/21/2019</a:t>
             </a:fld>
             <a:endParaRPr lang="en-US" dirty="0"/>
           </a:p>
@@ -12361,8 +12381,8 @@
         </p:nvSpPr>
         <p:spPr>
           <a:xfrm>
-            <a:off x="1876424" y="1122362"/>
-            <a:ext cx="9805036" cy="3655377"/>
+            <a:off x="1876424" y="3121977"/>
+            <a:ext cx="9805036" cy="1655762"/>
           </a:xfrm>
         </p:spPr>
         <p:txBody>
@@ -12372,10 +12392,10 @@
           <a:lstStyle/>
           <a:p>
             <a:r>
-              <a:rPr lang="es-BO" dirty="0"/>
+              <a:rPr lang="es-BO" sz="2400" dirty="0"/>
               <a:t>PROPUESTA CONFIGURACIÓN DE UN FOS-ERP PARA CONTROL DE INVENTARIOS Y GESTIÓN DE VENTAS EN LA EMPRESA IMPORTADORA, IMPORTBOLIVIA</a:t>
             </a:r>
-            <a:endParaRPr lang="en-GB" dirty="0"/>
+            <a:endParaRPr lang="en-GB" sz="2400" dirty="0"/>
           </a:p>
         </p:txBody>
       </p:sp>
@@ -12397,7 +12417,7 @@
         </p:nvSpPr>
         <p:spPr>
           <a:xfrm>
-            <a:off x="3400425" y="4907757"/>
+            <a:off x="2600325" y="4777739"/>
             <a:ext cx="8791575" cy="1655762"/>
           </a:xfrm>
         </p:spPr>
@@ -12405,8 +12425,9 @@
           <a:bodyPr/>
           <a:lstStyle/>
           <a:p>
+            <a:pPr algn="r"/>
             <a:r>
-              <a:rPr lang="en-US" dirty="0" err="1"/>
+              <a:rPr lang="es-BO" dirty="0"/>
               <a:t>Postulante</a:t>
             </a:r>
             <a:r>
@@ -12432,6 +12453,7229 @@
     <p:extLst>
       <p:ext uri="{BB962C8B-B14F-4D97-AF65-F5344CB8AC3E}">
         <p14:creationId xmlns:p14="http://schemas.microsoft.com/office/powerpoint/2010/main" val="1425212824"/>
+      </p:ext>
+    </p:extLst>
+  </p:cSld>
+  <p:clrMapOvr>
+    <a:masterClrMapping/>
+  </p:clrMapOvr>
+</p:sld>
+</file>
+
+<file path=ppt/slides/slide10.xml><?xml version="1.0" encoding="utf-8"?>
+<p:sld xmlns:a="http://schemas.openxmlformats.org/drawingml/2006/main" xmlns:r="http://schemas.openxmlformats.org/officeDocument/2006/relationships" xmlns:p="http://schemas.openxmlformats.org/presentationml/2006/main">
+  <p:cSld>
+    <p:spTree>
+      <p:nvGrpSpPr>
+        <p:cNvPr id="1" name=""/>
+        <p:cNvGrpSpPr/>
+        <p:nvPr/>
+      </p:nvGrpSpPr>
+      <p:grpSpPr>
+        <a:xfrm>
+          <a:off x="0" y="0"/>
+          <a:ext cx="0" cy="0"/>
+          <a:chOff x="0" y="0"/>
+          <a:chExt cx="0" cy="0"/>
+        </a:xfrm>
+      </p:grpSpPr>
+      <p:sp>
+        <p:nvSpPr>
+          <p:cNvPr id="2" name="Title 1">
+            <a:extLst>
+              <a:ext uri="{FF2B5EF4-FFF2-40B4-BE49-F238E27FC236}">
+                <a16:creationId xmlns:a16="http://schemas.microsoft.com/office/drawing/2014/main" id="{F21BEBEC-488D-45EA-B329-F0BF87EA09EA}"/>
+              </a:ext>
+            </a:extLst>
+          </p:cNvPr>
+          <p:cNvSpPr>
+            <a:spLocks noGrp="1"/>
+          </p:cNvSpPr>
+          <p:nvPr>
+            <p:ph type="title"/>
+          </p:nvPr>
+        </p:nvSpPr>
+        <p:spPr/>
+        <p:txBody>
+          <a:bodyPr/>
+          <a:lstStyle/>
+          <a:p>
+            <a:r>
+              <a:rPr lang="es-BO" dirty="0"/>
+              <a:t>Selección de un ERP</a:t>
+            </a:r>
+          </a:p>
+        </p:txBody>
+      </p:sp>
+      <p:sp>
+        <p:nvSpPr>
+          <p:cNvPr id="3" name="Content Placeholder 2">
+            <a:extLst>
+              <a:ext uri="{FF2B5EF4-FFF2-40B4-BE49-F238E27FC236}">
+                <a16:creationId xmlns:a16="http://schemas.microsoft.com/office/drawing/2014/main" id="{36D9FEAF-DB73-4877-8045-D871533E2149}"/>
+              </a:ext>
+            </a:extLst>
+          </p:cNvPr>
+          <p:cNvSpPr>
+            <a:spLocks noGrp="1"/>
+          </p:cNvSpPr>
+          <p:nvPr>
+            <p:ph idx="1"/>
+          </p:nvPr>
+        </p:nvSpPr>
+        <p:spPr/>
+        <p:txBody>
+          <a:bodyPr/>
+          <a:lstStyle/>
+          <a:p>
+            <a:r>
+              <a:rPr lang="es-BO" dirty="0"/>
+              <a:t>Actividad 1. Análisis de la necesidad.</a:t>
+            </a:r>
+          </a:p>
+          <a:p>
+            <a:pPr lvl="1"/>
+            <a:r>
+              <a:rPr lang="es-BO" dirty="0"/>
+              <a:t>Almacenes, Compras, Ventas, Gestión de Facturas y recibos</a:t>
+            </a:r>
+          </a:p>
+          <a:p>
+            <a:r>
+              <a:rPr lang="es-BO" dirty="0"/>
+              <a:t>Actividad 2. Primera Selección (Odoo, OpenBravo, Tryton)</a:t>
+            </a:r>
+          </a:p>
+          <a:p>
+            <a:r>
+              <a:rPr lang="es-BO" dirty="0"/>
+              <a:t>Actividad 3. Puntuación para selección</a:t>
+            </a:r>
+          </a:p>
+        </p:txBody>
+      </p:sp>
+    </p:spTree>
+    <p:extLst>
+      <p:ext uri="{BB962C8B-B14F-4D97-AF65-F5344CB8AC3E}">
+        <p14:creationId xmlns:p14="http://schemas.microsoft.com/office/powerpoint/2010/main" val="2838124141"/>
+      </p:ext>
+    </p:extLst>
+  </p:cSld>
+  <p:clrMapOvr>
+    <a:masterClrMapping/>
+  </p:clrMapOvr>
+</p:sld>
+</file>
+
+<file path=ppt/slides/slide11.xml><?xml version="1.0" encoding="utf-8"?>
+<p:sld xmlns:a="http://schemas.openxmlformats.org/drawingml/2006/main" xmlns:r="http://schemas.openxmlformats.org/officeDocument/2006/relationships" xmlns:p="http://schemas.openxmlformats.org/presentationml/2006/main">
+  <p:cSld>
+    <p:spTree>
+      <p:nvGrpSpPr>
+        <p:cNvPr id="1" name=""/>
+        <p:cNvGrpSpPr/>
+        <p:nvPr/>
+      </p:nvGrpSpPr>
+      <p:grpSpPr>
+        <a:xfrm>
+          <a:off x="0" y="0"/>
+          <a:ext cx="0" cy="0"/>
+          <a:chOff x="0" y="0"/>
+          <a:chExt cx="0" cy="0"/>
+        </a:xfrm>
+      </p:grpSpPr>
+      <p:sp>
+        <p:nvSpPr>
+          <p:cNvPr id="2" name="Title 1">
+            <a:extLst>
+              <a:ext uri="{FF2B5EF4-FFF2-40B4-BE49-F238E27FC236}">
+                <a16:creationId xmlns:a16="http://schemas.microsoft.com/office/drawing/2014/main" id="{5C8571F0-5EE8-41E0-9A93-0734AE397659}"/>
+              </a:ext>
+            </a:extLst>
+          </p:cNvPr>
+          <p:cNvSpPr>
+            <a:spLocks noGrp="1"/>
+          </p:cNvSpPr>
+          <p:nvPr>
+            <p:ph type="title"/>
+          </p:nvPr>
+        </p:nvSpPr>
+        <p:spPr/>
+        <p:txBody>
+          <a:bodyPr/>
+          <a:lstStyle/>
+          <a:p>
+            <a:r>
+              <a:rPr lang="es-BO" dirty="0"/>
+              <a:t>Actividad 3 - puntuación</a:t>
+            </a:r>
+          </a:p>
+        </p:txBody>
+      </p:sp>
+      <p:graphicFrame>
+        <p:nvGraphicFramePr>
+          <p:cNvPr id="5" name="Table 4">
+            <a:extLst>
+              <a:ext uri="{FF2B5EF4-FFF2-40B4-BE49-F238E27FC236}">
+                <a16:creationId xmlns:a16="http://schemas.microsoft.com/office/drawing/2014/main" id="{D31E6714-5346-4590-8907-66041BEDF85F}"/>
+              </a:ext>
+            </a:extLst>
+          </p:cNvPr>
+          <p:cNvGraphicFramePr>
+            <a:graphicFrameLocks noGrp="1"/>
+          </p:cNvGraphicFramePr>
+          <p:nvPr>
+            <p:extLst>
+              <p:ext uri="{D42A27DB-BD31-4B8C-83A1-F6EECF244321}">
+                <p14:modId xmlns:p14="http://schemas.microsoft.com/office/powerpoint/2010/main" val="828619526"/>
+              </p:ext>
+            </p:extLst>
+          </p:nvPr>
+        </p:nvGraphicFramePr>
+        <p:xfrm>
+          <a:off x="1141412" y="3120608"/>
+          <a:ext cx="9419138" cy="2413920"/>
+        </p:xfrm>
+        <a:graphic>
+          <a:graphicData uri="http://schemas.openxmlformats.org/drawingml/2006/table">
+            <a:tbl>
+              <a:tblPr>
+                <a:tableStyleId>{5C22544A-7EE6-4342-B048-85BDC9FD1C3A}</a:tableStyleId>
+              </a:tblPr>
+              <a:tblGrid>
+                <a:gridCol w="3253370">
+                  <a:extLst>
+                    <a:ext uri="{9D8B030D-6E8A-4147-A177-3AD203B41FA5}">
+                      <a16:colId xmlns:a16="http://schemas.microsoft.com/office/drawing/2014/main" val="1222340206"/>
+                    </a:ext>
+                  </a:extLst>
+                </a:gridCol>
+                <a:gridCol w="2055256">
+                  <a:extLst>
+                    <a:ext uri="{9D8B030D-6E8A-4147-A177-3AD203B41FA5}">
+                      <a16:colId xmlns:a16="http://schemas.microsoft.com/office/drawing/2014/main" val="682882790"/>
+                    </a:ext>
+                  </a:extLst>
+                </a:gridCol>
+                <a:gridCol w="2055256">
+                  <a:extLst>
+                    <a:ext uri="{9D8B030D-6E8A-4147-A177-3AD203B41FA5}">
+                      <a16:colId xmlns:a16="http://schemas.microsoft.com/office/drawing/2014/main" val="1753269594"/>
+                    </a:ext>
+                  </a:extLst>
+                </a:gridCol>
+                <a:gridCol w="2055256">
+                  <a:extLst>
+                    <a:ext uri="{9D8B030D-6E8A-4147-A177-3AD203B41FA5}">
+                      <a16:colId xmlns:a16="http://schemas.microsoft.com/office/drawing/2014/main" val="3766130843"/>
+                    </a:ext>
+                  </a:extLst>
+                </a:gridCol>
+              </a:tblGrid>
+              <a:tr h="603480">
+                <a:tc>
+                  <a:txBody>
+                    <a:bodyPr/>
+                    <a:lstStyle/>
+                    <a:p>
+                      <a:pPr algn="just">
+                        <a:spcAft>
+                          <a:spcPts val="0"/>
+                        </a:spcAft>
+                      </a:pPr>
+                      <a:br>
+                        <a:rPr lang="es-BO" sz="1600">
+                          <a:effectLst/>
+                        </a:rPr>
+                      </a:br>
+                      <a:r>
+                        <a:rPr lang="es-BO" sz="1600">
+                          <a:effectLst/>
+                        </a:rPr>
+                        <a:t>Aspecto</a:t>
+                      </a:r>
+                      <a:endParaRPr lang="en-GB" sz="1600">
+                        <a:effectLst/>
+                        <a:latin typeface="Arial" panose="020B0604020202020204" pitchFamily="34" charset="0"/>
+                        <a:ea typeface="Times New Roman" panose="02020603050405020304" pitchFamily="18" charset="0"/>
+                        <a:cs typeface="Times New Roman" panose="02020603050405020304" pitchFamily="18" charset="0"/>
+                      </a:endParaRPr>
+                    </a:p>
+                  </a:txBody>
+                  <a:tcPr marL="57785" marR="57785" marT="0" marB="0"/>
+                </a:tc>
+                <a:tc>
+                  <a:txBody>
+                    <a:bodyPr/>
+                    <a:lstStyle/>
+                    <a:p>
+                      <a:pPr algn="just">
+                        <a:spcAft>
+                          <a:spcPts val="0"/>
+                        </a:spcAft>
+                      </a:pPr>
+                      <a:r>
+                        <a:rPr lang="es-BO" sz="1600">
+                          <a:effectLst/>
+                        </a:rPr>
+                        <a:t>Odoo</a:t>
+                      </a:r>
+                      <a:endParaRPr lang="en-GB" sz="1600">
+                        <a:effectLst/>
+                        <a:latin typeface="Arial" panose="020B0604020202020204" pitchFamily="34" charset="0"/>
+                        <a:ea typeface="Times New Roman" panose="02020603050405020304" pitchFamily="18" charset="0"/>
+                        <a:cs typeface="Times New Roman" panose="02020603050405020304" pitchFamily="18" charset="0"/>
+                      </a:endParaRPr>
+                    </a:p>
+                  </a:txBody>
+                  <a:tcPr marL="57785" marR="57785" marT="0" marB="0"/>
+                </a:tc>
+                <a:tc>
+                  <a:txBody>
+                    <a:bodyPr/>
+                    <a:lstStyle/>
+                    <a:p>
+                      <a:pPr algn="just">
+                        <a:spcAft>
+                          <a:spcPts val="0"/>
+                        </a:spcAft>
+                      </a:pPr>
+                      <a:r>
+                        <a:rPr lang="es-BO" sz="1600">
+                          <a:effectLst/>
+                        </a:rPr>
+                        <a:t>OpenBravo</a:t>
+                      </a:r>
+                      <a:endParaRPr lang="en-GB" sz="1600">
+                        <a:effectLst/>
+                        <a:latin typeface="Arial" panose="020B0604020202020204" pitchFamily="34" charset="0"/>
+                        <a:ea typeface="Times New Roman" panose="02020603050405020304" pitchFamily="18" charset="0"/>
+                        <a:cs typeface="Times New Roman" panose="02020603050405020304" pitchFamily="18" charset="0"/>
+                      </a:endParaRPr>
+                    </a:p>
+                  </a:txBody>
+                  <a:tcPr marL="57785" marR="57785" marT="0" marB="0"/>
+                </a:tc>
+                <a:tc>
+                  <a:txBody>
+                    <a:bodyPr/>
+                    <a:lstStyle/>
+                    <a:p>
+                      <a:pPr algn="just">
+                        <a:spcAft>
+                          <a:spcPts val="0"/>
+                        </a:spcAft>
+                      </a:pPr>
+                      <a:r>
+                        <a:rPr lang="es-BO" sz="1600">
+                          <a:effectLst/>
+                        </a:rPr>
+                        <a:t>Tryton</a:t>
+                      </a:r>
+                      <a:endParaRPr lang="en-GB" sz="1600">
+                        <a:effectLst/>
+                        <a:latin typeface="Arial" panose="020B0604020202020204" pitchFamily="34" charset="0"/>
+                        <a:ea typeface="Times New Roman" panose="02020603050405020304" pitchFamily="18" charset="0"/>
+                        <a:cs typeface="Times New Roman" panose="02020603050405020304" pitchFamily="18" charset="0"/>
+                      </a:endParaRPr>
+                    </a:p>
+                  </a:txBody>
+                  <a:tcPr marL="57785" marR="57785" marT="0" marB="0"/>
+                </a:tc>
+                <a:extLst>
+                  <a:ext uri="{0D108BD9-81ED-4DB2-BD59-A6C34878D82A}">
+                    <a16:rowId xmlns:a16="http://schemas.microsoft.com/office/drawing/2014/main" val="1024486020"/>
+                  </a:ext>
+                </a:extLst>
+              </a:tr>
+              <a:tr h="301740">
+                <a:tc>
+                  <a:txBody>
+                    <a:bodyPr/>
+                    <a:lstStyle/>
+                    <a:p>
+                      <a:pPr algn="just">
+                        <a:spcAft>
+                          <a:spcPts val="0"/>
+                        </a:spcAft>
+                      </a:pPr>
+                      <a:r>
+                        <a:rPr lang="es-BO" sz="1600">
+                          <a:effectLst/>
+                        </a:rPr>
+                        <a:t>Almacenes</a:t>
+                      </a:r>
+                      <a:endParaRPr lang="en-GB" sz="1600">
+                        <a:effectLst/>
+                        <a:latin typeface="Arial" panose="020B0604020202020204" pitchFamily="34" charset="0"/>
+                        <a:ea typeface="Times New Roman" panose="02020603050405020304" pitchFamily="18" charset="0"/>
+                        <a:cs typeface="Times New Roman" panose="02020603050405020304" pitchFamily="18" charset="0"/>
+                      </a:endParaRPr>
+                    </a:p>
+                  </a:txBody>
+                  <a:tcPr marL="57785" marR="57785" marT="0" marB="0"/>
+                </a:tc>
+                <a:tc>
+                  <a:txBody>
+                    <a:bodyPr/>
+                    <a:lstStyle/>
+                    <a:p>
+                      <a:pPr algn="just">
+                        <a:spcAft>
+                          <a:spcPts val="0"/>
+                        </a:spcAft>
+                      </a:pPr>
+                      <a:r>
+                        <a:rPr lang="es-BO" sz="1600">
+                          <a:effectLst/>
+                        </a:rPr>
+                        <a:t>4</a:t>
+                      </a:r>
+                      <a:endParaRPr lang="en-GB" sz="1600">
+                        <a:effectLst/>
+                        <a:latin typeface="Arial" panose="020B0604020202020204" pitchFamily="34" charset="0"/>
+                        <a:ea typeface="Times New Roman" panose="02020603050405020304" pitchFamily="18" charset="0"/>
+                        <a:cs typeface="Times New Roman" panose="02020603050405020304" pitchFamily="18" charset="0"/>
+                      </a:endParaRPr>
+                    </a:p>
+                  </a:txBody>
+                  <a:tcPr marL="57785" marR="57785" marT="0" marB="0"/>
+                </a:tc>
+                <a:tc>
+                  <a:txBody>
+                    <a:bodyPr/>
+                    <a:lstStyle/>
+                    <a:p>
+                      <a:pPr algn="just">
+                        <a:spcAft>
+                          <a:spcPts val="0"/>
+                        </a:spcAft>
+                      </a:pPr>
+                      <a:r>
+                        <a:rPr lang="es-BO" sz="1600">
+                          <a:effectLst/>
+                        </a:rPr>
+                        <a:t>3</a:t>
+                      </a:r>
+                      <a:endParaRPr lang="en-GB" sz="1600">
+                        <a:effectLst/>
+                        <a:latin typeface="Arial" panose="020B0604020202020204" pitchFamily="34" charset="0"/>
+                        <a:ea typeface="Times New Roman" panose="02020603050405020304" pitchFamily="18" charset="0"/>
+                        <a:cs typeface="Times New Roman" panose="02020603050405020304" pitchFamily="18" charset="0"/>
+                      </a:endParaRPr>
+                    </a:p>
+                  </a:txBody>
+                  <a:tcPr marL="57785" marR="57785" marT="0" marB="0"/>
+                </a:tc>
+                <a:tc>
+                  <a:txBody>
+                    <a:bodyPr/>
+                    <a:lstStyle/>
+                    <a:p>
+                      <a:pPr algn="just">
+                        <a:spcAft>
+                          <a:spcPts val="0"/>
+                        </a:spcAft>
+                      </a:pPr>
+                      <a:r>
+                        <a:rPr lang="es-BO" sz="1600">
+                          <a:effectLst/>
+                        </a:rPr>
+                        <a:t>4</a:t>
+                      </a:r>
+                      <a:endParaRPr lang="en-GB" sz="1600">
+                        <a:effectLst/>
+                        <a:latin typeface="Arial" panose="020B0604020202020204" pitchFamily="34" charset="0"/>
+                        <a:ea typeface="Times New Roman" panose="02020603050405020304" pitchFamily="18" charset="0"/>
+                        <a:cs typeface="Times New Roman" panose="02020603050405020304" pitchFamily="18" charset="0"/>
+                      </a:endParaRPr>
+                    </a:p>
+                  </a:txBody>
+                  <a:tcPr marL="57785" marR="57785" marT="0" marB="0"/>
+                </a:tc>
+                <a:extLst>
+                  <a:ext uri="{0D108BD9-81ED-4DB2-BD59-A6C34878D82A}">
+                    <a16:rowId xmlns:a16="http://schemas.microsoft.com/office/drawing/2014/main" val="1384209106"/>
+                  </a:ext>
+                </a:extLst>
+              </a:tr>
+              <a:tr h="301740">
+                <a:tc>
+                  <a:txBody>
+                    <a:bodyPr/>
+                    <a:lstStyle/>
+                    <a:p>
+                      <a:pPr algn="just">
+                        <a:spcAft>
+                          <a:spcPts val="0"/>
+                        </a:spcAft>
+                      </a:pPr>
+                      <a:r>
+                        <a:rPr lang="es-BO" sz="1600">
+                          <a:effectLst/>
+                        </a:rPr>
+                        <a:t>Compras</a:t>
+                      </a:r>
+                      <a:endParaRPr lang="en-GB" sz="1600">
+                        <a:effectLst/>
+                        <a:latin typeface="Arial" panose="020B0604020202020204" pitchFamily="34" charset="0"/>
+                        <a:ea typeface="Times New Roman" panose="02020603050405020304" pitchFamily="18" charset="0"/>
+                        <a:cs typeface="Times New Roman" panose="02020603050405020304" pitchFamily="18" charset="0"/>
+                      </a:endParaRPr>
+                    </a:p>
+                  </a:txBody>
+                  <a:tcPr marL="57785" marR="57785" marT="0" marB="0"/>
+                </a:tc>
+                <a:tc>
+                  <a:txBody>
+                    <a:bodyPr/>
+                    <a:lstStyle/>
+                    <a:p>
+                      <a:pPr algn="just">
+                        <a:spcAft>
+                          <a:spcPts val="0"/>
+                        </a:spcAft>
+                      </a:pPr>
+                      <a:r>
+                        <a:rPr lang="es-BO" sz="1600">
+                          <a:effectLst/>
+                        </a:rPr>
+                        <a:t>4</a:t>
+                      </a:r>
+                      <a:endParaRPr lang="en-GB" sz="1600">
+                        <a:effectLst/>
+                        <a:latin typeface="Arial" panose="020B0604020202020204" pitchFamily="34" charset="0"/>
+                        <a:ea typeface="Times New Roman" panose="02020603050405020304" pitchFamily="18" charset="0"/>
+                        <a:cs typeface="Times New Roman" panose="02020603050405020304" pitchFamily="18" charset="0"/>
+                      </a:endParaRPr>
+                    </a:p>
+                  </a:txBody>
+                  <a:tcPr marL="57785" marR="57785" marT="0" marB="0"/>
+                </a:tc>
+                <a:tc>
+                  <a:txBody>
+                    <a:bodyPr/>
+                    <a:lstStyle/>
+                    <a:p>
+                      <a:pPr algn="just">
+                        <a:spcAft>
+                          <a:spcPts val="0"/>
+                        </a:spcAft>
+                      </a:pPr>
+                      <a:r>
+                        <a:rPr lang="es-BO" sz="1600">
+                          <a:effectLst/>
+                        </a:rPr>
+                        <a:t>3</a:t>
+                      </a:r>
+                      <a:endParaRPr lang="en-GB" sz="1600">
+                        <a:effectLst/>
+                        <a:latin typeface="Arial" panose="020B0604020202020204" pitchFamily="34" charset="0"/>
+                        <a:ea typeface="Times New Roman" panose="02020603050405020304" pitchFamily="18" charset="0"/>
+                        <a:cs typeface="Times New Roman" panose="02020603050405020304" pitchFamily="18" charset="0"/>
+                      </a:endParaRPr>
+                    </a:p>
+                  </a:txBody>
+                  <a:tcPr marL="57785" marR="57785" marT="0" marB="0"/>
+                </a:tc>
+                <a:tc>
+                  <a:txBody>
+                    <a:bodyPr/>
+                    <a:lstStyle/>
+                    <a:p>
+                      <a:pPr algn="just">
+                        <a:spcAft>
+                          <a:spcPts val="0"/>
+                        </a:spcAft>
+                      </a:pPr>
+                      <a:r>
+                        <a:rPr lang="es-BO" sz="1600">
+                          <a:effectLst/>
+                        </a:rPr>
+                        <a:t>4</a:t>
+                      </a:r>
+                      <a:endParaRPr lang="en-GB" sz="1600">
+                        <a:effectLst/>
+                        <a:latin typeface="Arial" panose="020B0604020202020204" pitchFamily="34" charset="0"/>
+                        <a:ea typeface="Times New Roman" panose="02020603050405020304" pitchFamily="18" charset="0"/>
+                        <a:cs typeface="Times New Roman" panose="02020603050405020304" pitchFamily="18" charset="0"/>
+                      </a:endParaRPr>
+                    </a:p>
+                  </a:txBody>
+                  <a:tcPr marL="57785" marR="57785" marT="0" marB="0"/>
+                </a:tc>
+                <a:extLst>
+                  <a:ext uri="{0D108BD9-81ED-4DB2-BD59-A6C34878D82A}">
+                    <a16:rowId xmlns:a16="http://schemas.microsoft.com/office/drawing/2014/main" val="726778809"/>
+                  </a:ext>
+                </a:extLst>
+              </a:tr>
+              <a:tr h="301740">
+                <a:tc>
+                  <a:txBody>
+                    <a:bodyPr/>
+                    <a:lstStyle/>
+                    <a:p>
+                      <a:pPr algn="just">
+                        <a:spcAft>
+                          <a:spcPts val="0"/>
+                        </a:spcAft>
+                      </a:pPr>
+                      <a:r>
+                        <a:rPr lang="es-BO" sz="1600">
+                          <a:effectLst/>
+                        </a:rPr>
+                        <a:t>Ventas</a:t>
+                      </a:r>
+                      <a:endParaRPr lang="en-GB" sz="1600">
+                        <a:effectLst/>
+                        <a:latin typeface="Arial" panose="020B0604020202020204" pitchFamily="34" charset="0"/>
+                        <a:ea typeface="Times New Roman" panose="02020603050405020304" pitchFamily="18" charset="0"/>
+                        <a:cs typeface="Times New Roman" panose="02020603050405020304" pitchFamily="18" charset="0"/>
+                      </a:endParaRPr>
+                    </a:p>
+                  </a:txBody>
+                  <a:tcPr marL="57785" marR="57785" marT="0" marB="0"/>
+                </a:tc>
+                <a:tc>
+                  <a:txBody>
+                    <a:bodyPr/>
+                    <a:lstStyle/>
+                    <a:p>
+                      <a:pPr algn="just">
+                        <a:spcAft>
+                          <a:spcPts val="0"/>
+                        </a:spcAft>
+                      </a:pPr>
+                      <a:r>
+                        <a:rPr lang="es-BO" sz="1600">
+                          <a:effectLst/>
+                        </a:rPr>
+                        <a:t>4</a:t>
+                      </a:r>
+                      <a:endParaRPr lang="en-GB" sz="1600">
+                        <a:effectLst/>
+                        <a:latin typeface="Arial" panose="020B0604020202020204" pitchFamily="34" charset="0"/>
+                        <a:ea typeface="Times New Roman" panose="02020603050405020304" pitchFamily="18" charset="0"/>
+                        <a:cs typeface="Times New Roman" panose="02020603050405020304" pitchFamily="18" charset="0"/>
+                      </a:endParaRPr>
+                    </a:p>
+                  </a:txBody>
+                  <a:tcPr marL="57785" marR="57785" marT="0" marB="0"/>
+                </a:tc>
+                <a:tc>
+                  <a:txBody>
+                    <a:bodyPr/>
+                    <a:lstStyle/>
+                    <a:p>
+                      <a:pPr algn="just">
+                        <a:spcAft>
+                          <a:spcPts val="0"/>
+                        </a:spcAft>
+                      </a:pPr>
+                      <a:r>
+                        <a:rPr lang="es-BO" sz="1600">
+                          <a:effectLst/>
+                        </a:rPr>
+                        <a:t>4</a:t>
+                      </a:r>
+                      <a:endParaRPr lang="en-GB" sz="1600">
+                        <a:effectLst/>
+                        <a:latin typeface="Arial" panose="020B0604020202020204" pitchFamily="34" charset="0"/>
+                        <a:ea typeface="Times New Roman" panose="02020603050405020304" pitchFamily="18" charset="0"/>
+                        <a:cs typeface="Times New Roman" panose="02020603050405020304" pitchFamily="18" charset="0"/>
+                      </a:endParaRPr>
+                    </a:p>
+                  </a:txBody>
+                  <a:tcPr marL="57785" marR="57785" marT="0" marB="0"/>
+                </a:tc>
+                <a:tc>
+                  <a:txBody>
+                    <a:bodyPr/>
+                    <a:lstStyle/>
+                    <a:p>
+                      <a:pPr algn="just">
+                        <a:spcAft>
+                          <a:spcPts val="0"/>
+                        </a:spcAft>
+                      </a:pPr>
+                      <a:r>
+                        <a:rPr lang="es-BO" sz="1600">
+                          <a:effectLst/>
+                        </a:rPr>
+                        <a:t>4</a:t>
+                      </a:r>
+                      <a:endParaRPr lang="en-GB" sz="1600">
+                        <a:effectLst/>
+                        <a:latin typeface="Arial" panose="020B0604020202020204" pitchFamily="34" charset="0"/>
+                        <a:ea typeface="Times New Roman" panose="02020603050405020304" pitchFamily="18" charset="0"/>
+                        <a:cs typeface="Times New Roman" panose="02020603050405020304" pitchFamily="18" charset="0"/>
+                      </a:endParaRPr>
+                    </a:p>
+                  </a:txBody>
+                  <a:tcPr marL="57785" marR="57785" marT="0" marB="0"/>
+                </a:tc>
+                <a:extLst>
+                  <a:ext uri="{0D108BD9-81ED-4DB2-BD59-A6C34878D82A}">
+                    <a16:rowId xmlns:a16="http://schemas.microsoft.com/office/drawing/2014/main" val="3828127544"/>
+                  </a:ext>
+                </a:extLst>
+              </a:tr>
+              <a:tr h="301740">
+                <a:tc>
+                  <a:txBody>
+                    <a:bodyPr/>
+                    <a:lstStyle/>
+                    <a:p>
+                      <a:pPr algn="just">
+                        <a:spcAft>
+                          <a:spcPts val="0"/>
+                        </a:spcAft>
+                      </a:pPr>
+                      <a:r>
+                        <a:rPr lang="es-BO" sz="1600">
+                          <a:effectLst/>
+                        </a:rPr>
+                        <a:t>Manejo de Stock</a:t>
+                      </a:r>
+                      <a:endParaRPr lang="en-GB" sz="1600">
+                        <a:effectLst/>
+                        <a:latin typeface="Arial" panose="020B0604020202020204" pitchFamily="34" charset="0"/>
+                        <a:ea typeface="Times New Roman" panose="02020603050405020304" pitchFamily="18" charset="0"/>
+                        <a:cs typeface="Times New Roman" panose="02020603050405020304" pitchFamily="18" charset="0"/>
+                      </a:endParaRPr>
+                    </a:p>
+                  </a:txBody>
+                  <a:tcPr marL="57785" marR="57785" marT="0" marB="0"/>
+                </a:tc>
+                <a:tc>
+                  <a:txBody>
+                    <a:bodyPr/>
+                    <a:lstStyle/>
+                    <a:p>
+                      <a:pPr algn="just">
+                        <a:spcAft>
+                          <a:spcPts val="0"/>
+                        </a:spcAft>
+                      </a:pPr>
+                      <a:r>
+                        <a:rPr lang="es-BO" sz="1600">
+                          <a:effectLst/>
+                        </a:rPr>
+                        <a:t>4</a:t>
+                      </a:r>
+                      <a:endParaRPr lang="en-GB" sz="1600">
+                        <a:effectLst/>
+                        <a:latin typeface="Arial" panose="020B0604020202020204" pitchFamily="34" charset="0"/>
+                        <a:ea typeface="Times New Roman" panose="02020603050405020304" pitchFamily="18" charset="0"/>
+                        <a:cs typeface="Times New Roman" panose="02020603050405020304" pitchFamily="18" charset="0"/>
+                      </a:endParaRPr>
+                    </a:p>
+                  </a:txBody>
+                  <a:tcPr marL="57785" marR="57785" marT="0" marB="0"/>
+                </a:tc>
+                <a:tc>
+                  <a:txBody>
+                    <a:bodyPr/>
+                    <a:lstStyle/>
+                    <a:p>
+                      <a:pPr algn="just">
+                        <a:spcAft>
+                          <a:spcPts val="0"/>
+                        </a:spcAft>
+                      </a:pPr>
+                      <a:r>
+                        <a:rPr lang="es-BO" sz="1600">
+                          <a:effectLst/>
+                        </a:rPr>
+                        <a:t>2</a:t>
+                      </a:r>
+                      <a:endParaRPr lang="en-GB" sz="1600">
+                        <a:effectLst/>
+                        <a:latin typeface="Arial" panose="020B0604020202020204" pitchFamily="34" charset="0"/>
+                        <a:ea typeface="Times New Roman" panose="02020603050405020304" pitchFamily="18" charset="0"/>
+                        <a:cs typeface="Times New Roman" panose="02020603050405020304" pitchFamily="18" charset="0"/>
+                      </a:endParaRPr>
+                    </a:p>
+                  </a:txBody>
+                  <a:tcPr marL="57785" marR="57785" marT="0" marB="0"/>
+                </a:tc>
+                <a:tc>
+                  <a:txBody>
+                    <a:bodyPr/>
+                    <a:lstStyle/>
+                    <a:p>
+                      <a:pPr algn="just">
+                        <a:spcAft>
+                          <a:spcPts val="0"/>
+                        </a:spcAft>
+                      </a:pPr>
+                      <a:r>
+                        <a:rPr lang="es-BO" sz="1600">
+                          <a:effectLst/>
+                        </a:rPr>
+                        <a:t>3</a:t>
+                      </a:r>
+                      <a:endParaRPr lang="en-GB" sz="1600">
+                        <a:effectLst/>
+                        <a:latin typeface="Arial" panose="020B0604020202020204" pitchFamily="34" charset="0"/>
+                        <a:ea typeface="Times New Roman" panose="02020603050405020304" pitchFamily="18" charset="0"/>
+                        <a:cs typeface="Times New Roman" panose="02020603050405020304" pitchFamily="18" charset="0"/>
+                      </a:endParaRPr>
+                    </a:p>
+                  </a:txBody>
+                  <a:tcPr marL="57785" marR="57785" marT="0" marB="0"/>
+                </a:tc>
+                <a:extLst>
+                  <a:ext uri="{0D108BD9-81ED-4DB2-BD59-A6C34878D82A}">
+                    <a16:rowId xmlns:a16="http://schemas.microsoft.com/office/drawing/2014/main" val="4154597237"/>
+                  </a:ext>
+                </a:extLst>
+              </a:tr>
+              <a:tr h="301740">
+                <a:tc>
+                  <a:txBody>
+                    <a:bodyPr/>
+                    <a:lstStyle/>
+                    <a:p>
+                      <a:pPr algn="just">
+                        <a:spcAft>
+                          <a:spcPts val="0"/>
+                        </a:spcAft>
+                      </a:pPr>
+                      <a:r>
+                        <a:rPr lang="es-BO" sz="1600">
+                          <a:effectLst/>
+                        </a:rPr>
+                        <a:t>Manejo de facturas</a:t>
+                      </a:r>
+                      <a:endParaRPr lang="en-GB" sz="1600">
+                        <a:effectLst/>
+                        <a:latin typeface="Arial" panose="020B0604020202020204" pitchFamily="34" charset="0"/>
+                        <a:ea typeface="Times New Roman" panose="02020603050405020304" pitchFamily="18" charset="0"/>
+                        <a:cs typeface="Times New Roman" panose="02020603050405020304" pitchFamily="18" charset="0"/>
+                      </a:endParaRPr>
+                    </a:p>
+                  </a:txBody>
+                  <a:tcPr marL="57785" marR="57785" marT="0" marB="0"/>
+                </a:tc>
+                <a:tc>
+                  <a:txBody>
+                    <a:bodyPr/>
+                    <a:lstStyle/>
+                    <a:p>
+                      <a:pPr algn="just">
+                        <a:spcAft>
+                          <a:spcPts val="0"/>
+                        </a:spcAft>
+                      </a:pPr>
+                      <a:r>
+                        <a:rPr lang="es-BO" sz="1600">
+                          <a:effectLst/>
+                        </a:rPr>
+                        <a:t>3</a:t>
+                      </a:r>
+                      <a:endParaRPr lang="en-GB" sz="1600">
+                        <a:effectLst/>
+                        <a:latin typeface="Arial" panose="020B0604020202020204" pitchFamily="34" charset="0"/>
+                        <a:ea typeface="Times New Roman" panose="02020603050405020304" pitchFamily="18" charset="0"/>
+                        <a:cs typeface="Times New Roman" panose="02020603050405020304" pitchFamily="18" charset="0"/>
+                      </a:endParaRPr>
+                    </a:p>
+                  </a:txBody>
+                  <a:tcPr marL="57785" marR="57785" marT="0" marB="0"/>
+                </a:tc>
+                <a:tc>
+                  <a:txBody>
+                    <a:bodyPr/>
+                    <a:lstStyle/>
+                    <a:p>
+                      <a:pPr algn="just">
+                        <a:spcAft>
+                          <a:spcPts val="0"/>
+                        </a:spcAft>
+                      </a:pPr>
+                      <a:r>
+                        <a:rPr lang="es-BO" sz="1600">
+                          <a:effectLst/>
+                        </a:rPr>
+                        <a:t>3</a:t>
+                      </a:r>
+                      <a:endParaRPr lang="en-GB" sz="1600">
+                        <a:effectLst/>
+                        <a:latin typeface="Arial" panose="020B0604020202020204" pitchFamily="34" charset="0"/>
+                        <a:ea typeface="Times New Roman" panose="02020603050405020304" pitchFamily="18" charset="0"/>
+                        <a:cs typeface="Times New Roman" panose="02020603050405020304" pitchFamily="18" charset="0"/>
+                      </a:endParaRPr>
+                    </a:p>
+                  </a:txBody>
+                  <a:tcPr marL="57785" marR="57785" marT="0" marB="0"/>
+                </a:tc>
+                <a:tc>
+                  <a:txBody>
+                    <a:bodyPr/>
+                    <a:lstStyle/>
+                    <a:p>
+                      <a:pPr algn="just">
+                        <a:spcAft>
+                          <a:spcPts val="0"/>
+                        </a:spcAft>
+                      </a:pPr>
+                      <a:r>
+                        <a:rPr lang="es-BO" sz="1600">
+                          <a:effectLst/>
+                        </a:rPr>
+                        <a:t>2</a:t>
+                      </a:r>
+                      <a:endParaRPr lang="en-GB" sz="1600">
+                        <a:effectLst/>
+                        <a:latin typeface="Arial" panose="020B0604020202020204" pitchFamily="34" charset="0"/>
+                        <a:ea typeface="Times New Roman" panose="02020603050405020304" pitchFamily="18" charset="0"/>
+                        <a:cs typeface="Times New Roman" panose="02020603050405020304" pitchFamily="18" charset="0"/>
+                      </a:endParaRPr>
+                    </a:p>
+                  </a:txBody>
+                  <a:tcPr marL="57785" marR="57785" marT="0" marB="0"/>
+                </a:tc>
+                <a:extLst>
+                  <a:ext uri="{0D108BD9-81ED-4DB2-BD59-A6C34878D82A}">
+                    <a16:rowId xmlns:a16="http://schemas.microsoft.com/office/drawing/2014/main" val="1535007575"/>
+                  </a:ext>
+                </a:extLst>
+              </a:tr>
+              <a:tr h="301740">
+                <a:tc>
+                  <a:txBody>
+                    <a:bodyPr/>
+                    <a:lstStyle/>
+                    <a:p>
+                      <a:pPr algn="just">
+                        <a:spcAft>
+                          <a:spcPts val="0"/>
+                        </a:spcAft>
+                      </a:pPr>
+                      <a:r>
+                        <a:rPr lang="es-BO" sz="1600" dirty="0">
+                          <a:effectLst/>
+                        </a:rPr>
+                        <a:t>Ventas por cuotas</a:t>
+                      </a:r>
+                      <a:endParaRPr lang="en-GB" sz="1600" dirty="0">
+                        <a:effectLst/>
+                        <a:latin typeface="Arial" panose="020B0604020202020204" pitchFamily="34" charset="0"/>
+                        <a:ea typeface="Times New Roman" panose="02020603050405020304" pitchFamily="18" charset="0"/>
+                        <a:cs typeface="Times New Roman" panose="02020603050405020304" pitchFamily="18" charset="0"/>
+                      </a:endParaRPr>
+                    </a:p>
+                  </a:txBody>
+                  <a:tcPr marL="57785" marR="57785" marT="0" marB="0"/>
+                </a:tc>
+                <a:tc>
+                  <a:txBody>
+                    <a:bodyPr/>
+                    <a:lstStyle/>
+                    <a:p>
+                      <a:pPr algn="just">
+                        <a:spcAft>
+                          <a:spcPts val="0"/>
+                        </a:spcAft>
+                      </a:pPr>
+                      <a:r>
+                        <a:rPr lang="es-BO" sz="1600">
+                          <a:effectLst/>
+                        </a:rPr>
+                        <a:t>3</a:t>
+                      </a:r>
+                      <a:endParaRPr lang="en-GB" sz="1600">
+                        <a:effectLst/>
+                        <a:latin typeface="Arial" panose="020B0604020202020204" pitchFamily="34" charset="0"/>
+                        <a:ea typeface="Times New Roman" panose="02020603050405020304" pitchFamily="18" charset="0"/>
+                        <a:cs typeface="Times New Roman" panose="02020603050405020304" pitchFamily="18" charset="0"/>
+                      </a:endParaRPr>
+                    </a:p>
+                  </a:txBody>
+                  <a:tcPr marL="57785" marR="57785" marT="0" marB="0"/>
+                </a:tc>
+                <a:tc>
+                  <a:txBody>
+                    <a:bodyPr/>
+                    <a:lstStyle/>
+                    <a:p>
+                      <a:pPr algn="just">
+                        <a:spcAft>
+                          <a:spcPts val="0"/>
+                        </a:spcAft>
+                      </a:pPr>
+                      <a:r>
+                        <a:rPr lang="es-BO" sz="1600">
+                          <a:effectLst/>
+                        </a:rPr>
+                        <a:t>3</a:t>
+                      </a:r>
+                      <a:endParaRPr lang="en-GB" sz="1600">
+                        <a:effectLst/>
+                        <a:latin typeface="Arial" panose="020B0604020202020204" pitchFamily="34" charset="0"/>
+                        <a:ea typeface="Times New Roman" panose="02020603050405020304" pitchFamily="18" charset="0"/>
+                        <a:cs typeface="Times New Roman" panose="02020603050405020304" pitchFamily="18" charset="0"/>
+                      </a:endParaRPr>
+                    </a:p>
+                  </a:txBody>
+                  <a:tcPr marL="57785" marR="57785" marT="0" marB="0"/>
+                </a:tc>
+                <a:tc>
+                  <a:txBody>
+                    <a:bodyPr/>
+                    <a:lstStyle/>
+                    <a:p>
+                      <a:pPr algn="just">
+                        <a:spcAft>
+                          <a:spcPts val="0"/>
+                        </a:spcAft>
+                      </a:pPr>
+                      <a:r>
+                        <a:rPr lang="es-BO" sz="1600" dirty="0">
+                          <a:effectLst/>
+                        </a:rPr>
+                        <a:t>2</a:t>
+                      </a:r>
+                      <a:endParaRPr lang="en-GB" sz="1600" dirty="0">
+                        <a:effectLst/>
+                        <a:latin typeface="Arial" panose="020B0604020202020204" pitchFamily="34" charset="0"/>
+                        <a:ea typeface="Times New Roman" panose="02020603050405020304" pitchFamily="18" charset="0"/>
+                        <a:cs typeface="Times New Roman" panose="02020603050405020304" pitchFamily="18" charset="0"/>
+                      </a:endParaRPr>
+                    </a:p>
+                  </a:txBody>
+                  <a:tcPr marL="57785" marR="57785" marT="0" marB="0"/>
+                </a:tc>
+                <a:extLst>
+                  <a:ext uri="{0D108BD9-81ED-4DB2-BD59-A6C34878D82A}">
+                    <a16:rowId xmlns:a16="http://schemas.microsoft.com/office/drawing/2014/main" val="1509716007"/>
+                  </a:ext>
+                </a:extLst>
+              </a:tr>
+            </a:tbl>
+          </a:graphicData>
+        </a:graphic>
+      </p:graphicFrame>
+      <p:sp>
+        <p:nvSpPr>
+          <p:cNvPr id="10" name="Content Placeholder 9">
+            <a:extLst>
+              <a:ext uri="{FF2B5EF4-FFF2-40B4-BE49-F238E27FC236}">
+                <a16:creationId xmlns:a16="http://schemas.microsoft.com/office/drawing/2014/main" id="{E8B35A75-3E8C-4DD1-8B8B-C4529CEE0D63}"/>
+              </a:ext>
+            </a:extLst>
+          </p:cNvPr>
+          <p:cNvSpPr>
+            <a:spLocks noGrp="1"/>
+          </p:cNvSpPr>
+          <p:nvPr>
+            <p:ph idx="1"/>
+          </p:nvPr>
+        </p:nvSpPr>
+        <p:spPr/>
+        <p:txBody>
+          <a:bodyPr/>
+          <a:lstStyle/>
+          <a:p>
+            <a:r>
+              <a:rPr lang="es-BO" dirty="0"/>
+              <a:t>Criterio – Módulos y características</a:t>
+            </a:r>
+          </a:p>
+        </p:txBody>
+      </p:sp>
+    </p:spTree>
+    <p:extLst>
+      <p:ext uri="{BB962C8B-B14F-4D97-AF65-F5344CB8AC3E}">
+        <p14:creationId xmlns:p14="http://schemas.microsoft.com/office/powerpoint/2010/main" val="914431388"/>
+      </p:ext>
+    </p:extLst>
+  </p:cSld>
+  <p:clrMapOvr>
+    <a:masterClrMapping/>
+  </p:clrMapOvr>
+</p:sld>
+</file>
+
+<file path=ppt/slides/slide12.xml><?xml version="1.0" encoding="utf-8"?>
+<p:sld xmlns:a="http://schemas.openxmlformats.org/drawingml/2006/main" xmlns:r="http://schemas.openxmlformats.org/officeDocument/2006/relationships" xmlns:p="http://schemas.openxmlformats.org/presentationml/2006/main">
+  <p:cSld>
+    <p:spTree>
+      <p:nvGrpSpPr>
+        <p:cNvPr id="1" name=""/>
+        <p:cNvGrpSpPr/>
+        <p:nvPr/>
+      </p:nvGrpSpPr>
+      <p:grpSpPr>
+        <a:xfrm>
+          <a:off x="0" y="0"/>
+          <a:ext cx="0" cy="0"/>
+          <a:chOff x="0" y="0"/>
+          <a:chExt cx="0" cy="0"/>
+        </a:xfrm>
+      </p:grpSpPr>
+      <p:sp>
+        <p:nvSpPr>
+          <p:cNvPr id="2" name="Title 1">
+            <a:extLst>
+              <a:ext uri="{FF2B5EF4-FFF2-40B4-BE49-F238E27FC236}">
+                <a16:creationId xmlns:a16="http://schemas.microsoft.com/office/drawing/2014/main" id="{5C8571F0-5EE8-41E0-9A93-0734AE397659}"/>
+              </a:ext>
+            </a:extLst>
+          </p:cNvPr>
+          <p:cNvSpPr>
+            <a:spLocks noGrp="1"/>
+          </p:cNvSpPr>
+          <p:nvPr>
+            <p:ph type="title"/>
+          </p:nvPr>
+        </p:nvSpPr>
+        <p:spPr/>
+        <p:txBody>
+          <a:bodyPr/>
+          <a:lstStyle/>
+          <a:p>
+            <a:r>
+              <a:rPr lang="es-BO" dirty="0"/>
+              <a:t>Actividad 3 - puntuación</a:t>
+            </a:r>
+          </a:p>
+        </p:txBody>
+      </p:sp>
+      <p:sp>
+        <p:nvSpPr>
+          <p:cNvPr id="10" name="Content Placeholder 9">
+            <a:extLst>
+              <a:ext uri="{FF2B5EF4-FFF2-40B4-BE49-F238E27FC236}">
+                <a16:creationId xmlns:a16="http://schemas.microsoft.com/office/drawing/2014/main" id="{E8B35A75-3E8C-4DD1-8B8B-C4529CEE0D63}"/>
+              </a:ext>
+            </a:extLst>
+          </p:cNvPr>
+          <p:cNvSpPr>
+            <a:spLocks noGrp="1"/>
+          </p:cNvSpPr>
+          <p:nvPr>
+            <p:ph idx="1"/>
+          </p:nvPr>
+        </p:nvSpPr>
+        <p:spPr>
+          <a:xfrm>
+            <a:off x="1141412" y="2249487"/>
+            <a:ext cx="9905999" cy="871121"/>
+          </a:xfrm>
+        </p:spPr>
+        <p:txBody>
+          <a:bodyPr/>
+          <a:lstStyle/>
+          <a:p>
+            <a:r>
+              <a:rPr lang="es-BO" dirty="0"/>
+              <a:t>Criterio – Costo y mantenimiento</a:t>
+            </a:r>
+          </a:p>
+        </p:txBody>
+      </p:sp>
+      <p:graphicFrame>
+        <p:nvGraphicFramePr>
+          <p:cNvPr id="3" name="Table 2">
+            <a:extLst>
+              <a:ext uri="{FF2B5EF4-FFF2-40B4-BE49-F238E27FC236}">
+                <a16:creationId xmlns:a16="http://schemas.microsoft.com/office/drawing/2014/main" id="{6A2DEC88-094A-4FD5-9755-64FB0A20FBDF}"/>
+              </a:ext>
+            </a:extLst>
+          </p:cNvPr>
+          <p:cNvGraphicFramePr>
+            <a:graphicFrameLocks noGrp="1"/>
+          </p:cNvGraphicFramePr>
+          <p:nvPr>
+            <p:extLst>
+              <p:ext uri="{D42A27DB-BD31-4B8C-83A1-F6EECF244321}">
+                <p14:modId xmlns:p14="http://schemas.microsoft.com/office/powerpoint/2010/main" val="3354581959"/>
+              </p:ext>
+            </p:extLst>
+          </p:nvPr>
+        </p:nvGraphicFramePr>
+        <p:xfrm>
+          <a:off x="1141413" y="3220869"/>
+          <a:ext cx="9382207" cy="2345742"/>
+        </p:xfrm>
+        <a:graphic>
+          <a:graphicData uri="http://schemas.openxmlformats.org/drawingml/2006/table">
+            <a:tbl>
+              <a:tblPr>
+                <a:tableStyleId>{5C22544A-7EE6-4342-B048-85BDC9FD1C3A}</a:tableStyleId>
+              </a:tblPr>
+              <a:tblGrid>
+                <a:gridCol w="3239386">
+                  <a:extLst>
+                    <a:ext uri="{9D8B030D-6E8A-4147-A177-3AD203B41FA5}">
+                      <a16:colId xmlns:a16="http://schemas.microsoft.com/office/drawing/2014/main" val="243340302"/>
+                    </a:ext>
+                  </a:extLst>
+                </a:gridCol>
+                <a:gridCol w="2047607">
+                  <a:extLst>
+                    <a:ext uri="{9D8B030D-6E8A-4147-A177-3AD203B41FA5}">
+                      <a16:colId xmlns:a16="http://schemas.microsoft.com/office/drawing/2014/main" val="3562562088"/>
+                    </a:ext>
+                  </a:extLst>
+                </a:gridCol>
+                <a:gridCol w="2047607">
+                  <a:extLst>
+                    <a:ext uri="{9D8B030D-6E8A-4147-A177-3AD203B41FA5}">
+                      <a16:colId xmlns:a16="http://schemas.microsoft.com/office/drawing/2014/main" val="3341958210"/>
+                    </a:ext>
+                  </a:extLst>
+                </a:gridCol>
+                <a:gridCol w="2047607">
+                  <a:extLst>
+                    <a:ext uri="{9D8B030D-6E8A-4147-A177-3AD203B41FA5}">
+                      <a16:colId xmlns:a16="http://schemas.microsoft.com/office/drawing/2014/main" val="3500839894"/>
+                    </a:ext>
+                  </a:extLst>
+                </a:gridCol>
+              </a:tblGrid>
+              <a:tr h="781914">
+                <a:tc>
+                  <a:txBody>
+                    <a:bodyPr/>
+                    <a:lstStyle/>
+                    <a:p>
+                      <a:pPr algn="just">
+                        <a:spcAft>
+                          <a:spcPts val="0"/>
+                        </a:spcAft>
+                      </a:pPr>
+                      <a:br>
+                        <a:rPr lang="es-BO" sz="1600">
+                          <a:effectLst/>
+                        </a:rPr>
+                      </a:br>
+                      <a:r>
+                        <a:rPr lang="es-BO" sz="1600">
+                          <a:effectLst/>
+                        </a:rPr>
+                        <a:t>Aspecto</a:t>
+                      </a:r>
+                      <a:endParaRPr lang="en-GB" sz="1600">
+                        <a:effectLst/>
+                        <a:latin typeface="Arial" panose="020B0604020202020204" pitchFamily="34" charset="0"/>
+                        <a:ea typeface="Times New Roman" panose="02020603050405020304" pitchFamily="18" charset="0"/>
+                        <a:cs typeface="Times New Roman" panose="02020603050405020304" pitchFamily="18" charset="0"/>
+                      </a:endParaRPr>
+                    </a:p>
+                  </a:txBody>
+                  <a:tcPr marL="57785" marR="57785" marT="0" marB="0"/>
+                </a:tc>
+                <a:tc>
+                  <a:txBody>
+                    <a:bodyPr/>
+                    <a:lstStyle/>
+                    <a:p>
+                      <a:pPr algn="just">
+                        <a:spcAft>
+                          <a:spcPts val="0"/>
+                        </a:spcAft>
+                      </a:pPr>
+                      <a:r>
+                        <a:rPr lang="es-BO" sz="1600">
+                          <a:effectLst/>
+                        </a:rPr>
+                        <a:t>Odoo</a:t>
+                      </a:r>
+                      <a:endParaRPr lang="en-GB" sz="1600">
+                        <a:effectLst/>
+                        <a:latin typeface="Arial" panose="020B0604020202020204" pitchFamily="34" charset="0"/>
+                        <a:ea typeface="Times New Roman" panose="02020603050405020304" pitchFamily="18" charset="0"/>
+                        <a:cs typeface="Times New Roman" panose="02020603050405020304" pitchFamily="18" charset="0"/>
+                      </a:endParaRPr>
+                    </a:p>
+                  </a:txBody>
+                  <a:tcPr marL="57785" marR="57785" marT="0" marB="0"/>
+                </a:tc>
+                <a:tc>
+                  <a:txBody>
+                    <a:bodyPr/>
+                    <a:lstStyle/>
+                    <a:p>
+                      <a:pPr algn="just">
+                        <a:spcAft>
+                          <a:spcPts val="0"/>
+                        </a:spcAft>
+                      </a:pPr>
+                      <a:r>
+                        <a:rPr lang="es-BO" sz="1600">
+                          <a:effectLst/>
+                        </a:rPr>
+                        <a:t>OpenBravo</a:t>
+                      </a:r>
+                      <a:endParaRPr lang="en-GB" sz="1600">
+                        <a:effectLst/>
+                        <a:latin typeface="Arial" panose="020B0604020202020204" pitchFamily="34" charset="0"/>
+                        <a:ea typeface="Times New Roman" panose="02020603050405020304" pitchFamily="18" charset="0"/>
+                        <a:cs typeface="Times New Roman" panose="02020603050405020304" pitchFamily="18" charset="0"/>
+                      </a:endParaRPr>
+                    </a:p>
+                  </a:txBody>
+                  <a:tcPr marL="57785" marR="57785" marT="0" marB="0"/>
+                </a:tc>
+                <a:tc>
+                  <a:txBody>
+                    <a:bodyPr/>
+                    <a:lstStyle/>
+                    <a:p>
+                      <a:pPr algn="just">
+                        <a:spcAft>
+                          <a:spcPts val="0"/>
+                        </a:spcAft>
+                      </a:pPr>
+                      <a:r>
+                        <a:rPr lang="es-BO" sz="1600">
+                          <a:effectLst/>
+                        </a:rPr>
+                        <a:t>Tryton</a:t>
+                      </a:r>
+                      <a:endParaRPr lang="en-GB" sz="1600">
+                        <a:effectLst/>
+                        <a:latin typeface="Arial" panose="020B0604020202020204" pitchFamily="34" charset="0"/>
+                        <a:ea typeface="Times New Roman" panose="02020603050405020304" pitchFamily="18" charset="0"/>
+                        <a:cs typeface="Times New Roman" panose="02020603050405020304" pitchFamily="18" charset="0"/>
+                      </a:endParaRPr>
+                    </a:p>
+                  </a:txBody>
+                  <a:tcPr marL="57785" marR="57785" marT="0" marB="0"/>
+                </a:tc>
+                <a:extLst>
+                  <a:ext uri="{0D108BD9-81ED-4DB2-BD59-A6C34878D82A}">
+                    <a16:rowId xmlns:a16="http://schemas.microsoft.com/office/drawing/2014/main" val="4113409308"/>
+                  </a:ext>
+                </a:extLst>
+              </a:tr>
+              <a:tr h="390957">
+                <a:tc>
+                  <a:txBody>
+                    <a:bodyPr/>
+                    <a:lstStyle/>
+                    <a:p>
+                      <a:pPr algn="just">
+                        <a:spcAft>
+                          <a:spcPts val="0"/>
+                        </a:spcAft>
+                      </a:pPr>
+                      <a:r>
+                        <a:rPr lang="es-BO" sz="1600">
+                          <a:effectLst/>
+                        </a:rPr>
+                        <a:t>Open Source</a:t>
+                      </a:r>
+                      <a:endParaRPr lang="en-GB" sz="1600">
+                        <a:effectLst/>
+                        <a:latin typeface="Arial" panose="020B0604020202020204" pitchFamily="34" charset="0"/>
+                        <a:ea typeface="Times New Roman" panose="02020603050405020304" pitchFamily="18" charset="0"/>
+                        <a:cs typeface="Times New Roman" panose="02020603050405020304" pitchFamily="18" charset="0"/>
+                      </a:endParaRPr>
+                    </a:p>
+                  </a:txBody>
+                  <a:tcPr marL="57785" marR="57785" marT="0" marB="0"/>
+                </a:tc>
+                <a:tc>
+                  <a:txBody>
+                    <a:bodyPr/>
+                    <a:lstStyle/>
+                    <a:p>
+                      <a:pPr algn="just">
+                        <a:spcAft>
+                          <a:spcPts val="0"/>
+                        </a:spcAft>
+                      </a:pPr>
+                      <a:r>
+                        <a:rPr lang="es-BO" sz="1600" dirty="0">
+                          <a:effectLst/>
+                        </a:rPr>
+                        <a:t>4</a:t>
+                      </a:r>
+                      <a:endParaRPr lang="en-GB" sz="1600" dirty="0">
+                        <a:effectLst/>
+                        <a:latin typeface="Arial" panose="020B0604020202020204" pitchFamily="34" charset="0"/>
+                        <a:ea typeface="Times New Roman" panose="02020603050405020304" pitchFamily="18" charset="0"/>
+                        <a:cs typeface="Times New Roman" panose="02020603050405020304" pitchFamily="18" charset="0"/>
+                      </a:endParaRPr>
+                    </a:p>
+                  </a:txBody>
+                  <a:tcPr marL="57785" marR="57785" marT="0" marB="0"/>
+                </a:tc>
+                <a:tc>
+                  <a:txBody>
+                    <a:bodyPr/>
+                    <a:lstStyle/>
+                    <a:p>
+                      <a:pPr algn="just">
+                        <a:spcAft>
+                          <a:spcPts val="0"/>
+                        </a:spcAft>
+                      </a:pPr>
+                      <a:r>
+                        <a:rPr lang="es-BO" sz="1600">
+                          <a:effectLst/>
+                        </a:rPr>
+                        <a:t>3</a:t>
+                      </a:r>
+                      <a:endParaRPr lang="en-GB" sz="1600">
+                        <a:effectLst/>
+                        <a:latin typeface="Arial" panose="020B0604020202020204" pitchFamily="34" charset="0"/>
+                        <a:ea typeface="Times New Roman" panose="02020603050405020304" pitchFamily="18" charset="0"/>
+                        <a:cs typeface="Times New Roman" panose="02020603050405020304" pitchFamily="18" charset="0"/>
+                      </a:endParaRPr>
+                    </a:p>
+                  </a:txBody>
+                  <a:tcPr marL="57785" marR="57785" marT="0" marB="0"/>
+                </a:tc>
+                <a:tc>
+                  <a:txBody>
+                    <a:bodyPr/>
+                    <a:lstStyle/>
+                    <a:p>
+                      <a:pPr algn="just">
+                        <a:spcAft>
+                          <a:spcPts val="0"/>
+                        </a:spcAft>
+                      </a:pPr>
+                      <a:r>
+                        <a:rPr lang="es-BO" sz="1600">
+                          <a:effectLst/>
+                        </a:rPr>
+                        <a:t>4</a:t>
+                      </a:r>
+                      <a:endParaRPr lang="en-GB" sz="1600">
+                        <a:effectLst/>
+                        <a:latin typeface="Arial" panose="020B0604020202020204" pitchFamily="34" charset="0"/>
+                        <a:ea typeface="Times New Roman" panose="02020603050405020304" pitchFamily="18" charset="0"/>
+                        <a:cs typeface="Times New Roman" panose="02020603050405020304" pitchFamily="18" charset="0"/>
+                      </a:endParaRPr>
+                    </a:p>
+                  </a:txBody>
+                  <a:tcPr marL="57785" marR="57785" marT="0" marB="0"/>
+                </a:tc>
+                <a:extLst>
+                  <a:ext uri="{0D108BD9-81ED-4DB2-BD59-A6C34878D82A}">
+                    <a16:rowId xmlns:a16="http://schemas.microsoft.com/office/drawing/2014/main" val="3320211067"/>
+                  </a:ext>
+                </a:extLst>
+              </a:tr>
+              <a:tr h="390957">
+                <a:tc>
+                  <a:txBody>
+                    <a:bodyPr/>
+                    <a:lstStyle/>
+                    <a:p>
+                      <a:pPr algn="just">
+                        <a:spcAft>
+                          <a:spcPts val="0"/>
+                        </a:spcAft>
+                      </a:pPr>
+                      <a:r>
+                        <a:rPr lang="es-BO" sz="1600">
+                          <a:effectLst/>
+                        </a:rPr>
+                        <a:t>FOS-ERP</a:t>
+                      </a:r>
+                      <a:endParaRPr lang="en-GB" sz="1600">
+                        <a:effectLst/>
+                        <a:latin typeface="Arial" panose="020B0604020202020204" pitchFamily="34" charset="0"/>
+                        <a:ea typeface="Times New Roman" panose="02020603050405020304" pitchFamily="18" charset="0"/>
+                        <a:cs typeface="Times New Roman" panose="02020603050405020304" pitchFamily="18" charset="0"/>
+                      </a:endParaRPr>
+                    </a:p>
+                  </a:txBody>
+                  <a:tcPr marL="57785" marR="57785" marT="0" marB="0"/>
+                </a:tc>
+                <a:tc>
+                  <a:txBody>
+                    <a:bodyPr/>
+                    <a:lstStyle/>
+                    <a:p>
+                      <a:pPr algn="just">
+                        <a:spcAft>
+                          <a:spcPts val="0"/>
+                        </a:spcAft>
+                      </a:pPr>
+                      <a:r>
+                        <a:rPr lang="es-BO" sz="1600">
+                          <a:effectLst/>
+                        </a:rPr>
+                        <a:t>3</a:t>
+                      </a:r>
+                      <a:endParaRPr lang="en-GB" sz="1600">
+                        <a:effectLst/>
+                        <a:latin typeface="Arial" panose="020B0604020202020204" pitchFamily="34" charset="0"/>
+                        <a:ea typeface="Times New Roman" panose="02020603050405020304" pitchFamily="18" charset="0"/>
+                        <a:cs typeface="Times New Roman" panose="02020603050405020304" pitchFamily="18" charset="0"/>
+                      </a:endParaRPr>
+                    </a:p>
+                  </a:txBody>
+                  <a:tcPr marL="57785" marR="57785" marT="0" marB="0"/>
+                </a:tc>
+                <a:tc>
+                  <a:txBody>
+                    <a:bodyPr/>
+                    <a:lstStyle/>
+                    <a:p>
+                      <a:pPr algn="just">
+                        <a:spcAft>
+                          <a:spcPts val="0"/>
+                        </a:spcAft>
+                      </a:pPr>
+                      <a:r>
+                        <a:rPr lang="es-BO" sz="1600">
+                          <a:effectLst/>
+                        </a:rPr>
+                        <a:t>3</a:t>
+                      </a:r>
+                      <a:endParaRPr lang="en-GB" sz="1600">
+                        <a:effectLst/>
+                        <a:latin typeface="Arial" panose="020B0604020202020204" pitchFamily="34" charset="0"/>
+                        <a:ea typeface="Times New Roman" panose="02020603050405020304" pitchFamily="18" charset="0"/>
+                        <a:cs typeface="Times New Roman" panose="02020603050405020304" pitchFamily="18" charset="0"/>
+                      </a:endParaRPr>
+                    </a:p>
+                  </a:txBody>
+                  <a:tcPr marL="57785" marR="57785" marT="0" marB="0"/>
+                </a:tc>
+                <a:tc>
+                  <a:txBody>
+                    <a:bodyPr/>
+                    <a:lstStyle/>
+                    <a:p>
+                      <a:pPr algn="just">
+                        <a:spcAft>
+                          <a:spcPts val="0"/>
+                        </a:spcAft>
+                      </a:pPr>
+                      <a:r>
+                        <a:rPr lang="es-BO" sz="1600">
+                          <a:effectLst/>
+                        </a:rPr>
+                        <a:t>3</a:t>
+                      </a:r>
+                      <a:endParaRPr lang="en-GB" sz="1600">
+                        <a:effectLst/>
+                        <a:latin typeface="Arial" panose="020B0604020202020204" pitchFamily="34" charset="0"/>
+                        <a:ea typeface="Times New Roman" panose="02020603050405020304" pitchFamily="18" charset="0"/>
+                        <a:cs typeface="Times New Roman" panose="02020603050405020304" pitchFamily="18" charset="0"/>
+                      </a:endParaRPr>
+                    </a:p>
+                  </a:txBody>
+                  <a:tcPr marL="57785" marR="57785" marT="0" marB="0"/>
+                </a:tc>
+                <a:extLst>
+                  <a:ext uri="{0D108BD9-81ED-4DB2-BD59-A6C34878D82A}">
+                    <a16:rowId xmlns:a16="http://schemas.microsoft.com/office/drawing/2014/main" val="3289125656"/>
+                  </a:ext>
+                </a:extLst>
+              </a:tr>
+              <a:tr h="390957">
+                <a:tc>
+                  <a:txBody>
+                    <a:bodyPr/>
+                    <a:lstStyle/>
+                    <a:p>
+                      <a:pPr algn="just">
+                        <a:spcAft>
+                          <a:spcPts val="0"/>
+                        </a:spcAft>
+                      </a:pPr>
+                      <a:r>
+                        <a:rPr lang="es-BO" sz="1600">
+                          <a:effectLst/>
+                        </a:rPr>
+                        <a:t>Modificable</a:t>
+                      </a:r>
+                      <a:endParaRPr lang="en-GB" sz="1600">
+                        <a:effectLst/>
+                        <a:latin typeface="Arial" panose="020B0604020202020204" pitchFamily="34" charset="0"/>
+                        <a:ea typeface="Times New Roman" panose="02020603050405020304" pitchFamily="18" charset="0"/>
+                        <a:cs typeface="Times New Roman" panose="02020603050405020304" pitchFamily="18" charset="0"/>
+                      </a:endParaRPr>
+                    </a:p>
+                  </a:txBody>
+                  <a:tcPr marL="57785" marR="57785" marT="0" marB="0"/>
+                </a:tc>
+                <a:tc>
+                  <a:txBody>
+                    <a:bodyPr/>
+                    <a:lstStyle/>
+                    <a:p>
+                      <a:pPr algn="just">
+                        <a:spcAft>
+                          <a:spcPts val="0"/>
+                        </a:spcAft>
+                      </a:pPr>
+                      <a:r>
+                        <a:rPr lang="es-BO" sz="1600">
+                          <a:effectLst/>
+                        </a:rPr>
+                        <a:t>4</a:t>
+                      </a:r>
+                      <a:endParaRPr lang="en-GB" sz="1600">
+                        <a:effectLst/>
+                        <a:latin typeface="Arial" panose="020B0604020202020204" pitchFamily="34" charset="0"/>
+                        <a:ea typeface="Times New Roman" panose="02020603050405020304" pitchFamily="18" charset="0"/>
+                        <a:cs typeface="Times New Roman" panose="02020603050405020304" pitchFamily="18" charset="0"/>
+                      </a:endParaRPr>
+                    </a:p>
+                  </a:txBody>
+                  <a:tcPr marL="57785" marR="57785" marT="0" marB="0"/>
+                </a:tc>
+                <a:tc>
+                  <a:txBody>
+                    <a:bodyPr/>
+                    <a:lstStyle/>
+                    <a:p>
+                      <a:pPr algn="just">
+                        <a:spcAft>
+                          <a:spcPts val="0"/>
+                        </a:spcAft>
+                      </a:pPr>
+                      <a:r>
+                        <a:rPr lang="es-BO" sz="1600">
+                          <a:effectLst/>
+                        </a:rPr>
+                        <a:t>4</a:t>
+                      </a:r>
+                      <a:endParaRPr lang="en-GB" sz="1600">
+                        <a:effectLst/>
+                        <a:latin typeface="Arial" panose="020B0604020202020204" pitchFamily="34" charset="0"/>
+                        <a:ea typeface="Times New Roman" panose="02020603050405020304" pitchFamily="18" charset="0"/>
+                        <a:cs typeface="Times New Roman" panose="02020603050405020304" pitchFamily="18" charset="0"/>
+                      </a:endParaRPr>
+                    </a:p>
+                  </a:txBody>
+                  <a:tcPr marL="57785" marR="57785" marT="0" marB="0"/>
+                </a:tc>
+                <a:tc>
+                  <a:txBody>
+                    <a:bodyPr/>
+                    <a:lstStyle/>
+                    <a:p>
+                      <a:pPr algn="just">
+                        <a:spcAft>
+                          <a:spcPts val="0"/>
+                        </a:spcAft>
+                      </a:pPr>
+                      <a:r>
+                        <a:rPr lang="es-BO" sz="1600">
+                          <a:effectLst/>
+                        </a:rPr>
+                        <a:t>4</a:t>
+                      </a:r>
+                      <a:endParaRPr lang="en-GB" sz="1600">
+                        <a:effectLst/>
+                        <a:latin typeface="Arial" panose="020B0604020202020204" pitchFamily="34" charset="0"/>
+                        <a:ea typeface="Times New Roman" panose="02020603050405020304" pitchFamily="18" charset="0"/>
+                        <a:cs typeface="Times New Roman" panose="02020603050405020304" pitchFamily="18" charset="0"/>
+                      </a:endParaRPr>
+                    </a:p>
+                  </a:txBody>
+                  <a:tcPr marL="57785" marR="57785" marT="0" marB="0"/>
+                </a:tc>
+                <a:extLst>
+                  <a:ext uri="{0D108BD9-81ED-4DB2-BD59-A6C34878D82A}">
+                    <a16:rowId xmlns:a16="http://schemas.microsoft.com/office/drawing/2014/main" val="3140337528"/>
+                  </a:ext>
+                </a:extLst>
+              </a:tr>
+              <a:tr h="390957">
+                <a:tc>
+                  <a:txBody>
+                    <a:bodyPr/>
+                    <a:lstStyle/>
+                    <a:p>
+                      <a:pPr algn="just">
+                        <a:spcAft>
+                          <a:spcPts val="0"/>
+                        </a:spcAft>
+                      </a:pPr>
+                      <a:r>
+                        <a:rPr lang="es-BO" sz="1600">
+                          <a:effectLst/>
+                        </a:rPr>
+                        <a:t>Mantenible</a:t>
+                      </a:r>
+                      <a:endParaRPr lang="en-GB" sz="1600">
+                        <a:effectLst/>
+                        <a:latin typeface="Arial" panose="020B0604020202020204" pitchFamily="34" charset="0"/>
+                        <a:ea typeface="Times New Roman" panose="02020603050405020304" pitchFamily="18" charset="0"/>
+                        <a:cs typeface="Times New Roman" panose="02020603050405020304" pitchFamily="18" charset="0"/>
+                      </a:endParaRPr>
+                    </a:p>
+                  </a:txBody>
+                  <a:tcPr marL="57785" marR="57785" marT="0" marB="0"/>
+                </a:tc>
+                <a:tc>
+                  <a:txBody>
+                    <a:bodyPr/>
+                    <a:lstStyle/>
+                    <a:p>
+                      <a:pPr algn="just">
+                        <a:spcAft>
+                          <a:spcPts val="0"/>
+                        </a:spcAft>
+                      </a:pPr>
+                      <a:r>
+                        <a:rPr lang="es-BO" sz="1600">
+                          <a:effectLst/>
+                        </a:rPr>
+                        <a:t>4</a:t>
+                      </a:r>
+                      <a:endParaRPr lang="en-GB" sz="1600">
+                        <a:effectLst/>
+                        <a:latin typeface="Arial" panose="020B0604020202020204" pitchFamily="34" charset="0"/>
+                        <a:ea typeface="Times New Roman" panose="02020603050405020304" pitchFamily="18" charset="0"/>
+                        <a:cs typeface="Times New Roman" panose="02020603050405020304" pitchFamily="18" charset="0"/>
+                      </a:endParaRPr>
+                    </a:p>
+                  </a:txBody>
+                  <a:tcPr marL="57785" marR="57785" marT="0" marB="0"/>
+                </a:tc>
+                <a:tc>
+                  <a:txBody>
+                    <a:bodyPr/>
+                    <a:lstStyle/>
+                    <a:p>
+                      <a:pPr algn="just">
+                        <a:spcAft>
+                          <a:spcPts val="0"/>
+                        </a:spcAft>
+                      </a:pPr>
+                      <a:r>
+                        <a:rPr lang="es-BO" sz="1600">
+                          <a:effectLst/>
+                        </a:rPr>
+                        <a:t>3</a:t>
+                      </a:r>
+                      <a:endParaRPr lang="en-GB" sz="1600">
+                        <a:effectLst/>
+                        <a:latin typeface="Arial" panose="020B0604020202020204" pitchFamily="34" charset="0"/>
+                        <a:ea typeface="Times New Roman" panose="02020603050405020304" pitchFamily="18" charset="0"/>
+                        <a:cs typeface="Times New Roman" panose="02020603050405020304" pitchFamily="18" charset="0"/>
+                      </a:endParaRPr>
+                    </a:p>
+                  </a:txBody>
+                  <a:tcPr marL="57785" marR="57785" marT="0" marB="0"/>
+                </a:tc>
+                <a:tc>
+                  <a:txBody>
+                    <a:bodyPr/>
+                    <a:lstStyle/>
+                    <a:p>
+                      <a:pPr algn="just">
+                        <a:spcAft>
+                          <a:spcPts val="0"/>
+                        </a:spcAft>
+                      </a:pPr>
+                      <a:r>
+                        <a:rPr lang="es-BO" sz="1600" dirty="0">
+                          <a:effectLst/>
+                        </a:rPr>
+                        <a:t>4</a:t>
+                      </a:r>
+                      <a:endParaRPr lang="en-GB" sz="1600" dirty="0">
+                        <a:effectLst/>
+                        <a:latin typeface="Arial" panose="020B0604020202020204" pitchFamily="34" charset="0"/>
+                        <a:ea typeface="Times New Roman" panose="02020603050405020304" pitchFamily="18" charset="0"/>
+                        <a:cs typeface="Times New Roman" panose="02020603050405020304" pitchFamily="18" charset="0"/>
+                      </a:endParaRPr>
+                    </a:p>
+                  </a:txBody>
+                  <a:tcPr marL="57785" marR="57785" marT="0" marB="0"/>
+                </a:tc>
+                <a:extLst>
+                  <a:ext uri="{0D108BD9-81ED-4DB2-BD59-A6C34878D82A}">
+                    <a16:rowId xmlns:a16="http://schemas.microsoft.com/office/drawing/2014/main" val="896809115"/>
+                  </a:ext>
+                </a:extLst>
+              </a:tr>
+            </a:tbl>
+          </a:graphicData>
+        </a:graphic>
+      </p:graphicFrame>
+    </p:spTree>
+    <p:extLst>
+      <p:ext uri="{BB962C8B-B14F-4D97-AF65-F5344CB8AC3E}">
+        <p14:creationId xmlns:p14="http://schemas.microsoft.com/office/powerpoint/2010/main" val="209327232"/>
+      </p:ext>
+    </p:extLst>
+  </p:cSld>
+  <p:clrMapOvr>
+    <a:masterClrMapping/>
+  </p:clrMapOvr>
+</p:sld>
+</file>
+
+<file path=ppt/slides/slide13.xml><?xml version="1.0" encoding="utf-8"?>
+<p:sld xmlns:a="http://schemas.openxmlformats.org/drawingml/2006/main" xmlns:r="http://schemas.openxmlformats.org/officeDocument/2006/relationships" xmlns:p="http://schemas.openxmlformats.org/presentationml/2006/main">
+  <p:cSld>
+    <p:spTree>
+      <p:nvGrpSpPr>
+        <p:cNvPr id="1" name=""/>
+        <p:cNvGrpSpPr/>
+        <p:nvPr/>
+      </p:nvGrpSpPr>
+      <p:grpSpPr>
+        <a:xfrm>
+          <a:off x="0" y="0"/>
+          <a:ext cx="0" cy="0"/>
+          <a:chOff x="0" y="0"/>
+          <a:chExt cx="0" cy="0"/>
+        </a:xfrm>
+      </p:grpSpPr>
+      <p:sp>
+        <p:nvSpPr>
+          <p:cNvPr id="2" name="Title 1">
+            <a:extLst>
+              <a:ext uri="{FF2B5EF4-FFF2-40B4-BE49-F238E27FC236}">
+                <a16:creationId xmlns:a16="http://schemas.microsoft.com/office/drawing/2014/main" id="{F96365BC-D026-4EF4-A22F-C85754FDD135}"/>
+              </a:ext>
+            </a:extLst>
+          </p:cNvPr>
+          <p:cNvSpPr>
+            <a:spLocks noGrp="1"/>
+          </p:cNvSpPr>
+          <p:nvPr>
+            <p:ph type="title"/>
+          </p:nvPr>
+        </p:nvSpPr>
+        <p:spPr/>
+        <p:txBody>
+          <a:bodyPr/>
+          <a:lstStyle/>
+          <a:p>
+            <a:r>
+              <a:rPr lang="es-BO" dirty="0"/>
+              <a:t>Actividad 4 – decisión final</a:t>
+            </a:r>
+          </a:p>
+        </p:txBody>
+      </p:sp>
+      <p:sp>
+        <p:nvSpPr>
+          <p:cNvPr id="3" name="Content Placeholder 2">
+            <a:extLst>
+              <a:ext uri="{FF2B5EF4-FFF2-40B4-BE49-F238E27FC236}">
+                <a16:creationId xmlns:a16="http://schemas.microsoft.com/office/drawing/2014/main" id="{388EEB3F-C39B-4CB3-A727-B964B86C21F7}"/>
+              </a:ext>
+            </a:extLst>
+          </p:cNvPr>
+          <p:cNvSpPr>
+            <a:spLocks noGrp="1"/>
+          </p:cNvSpPr>
+          <p:nvPr>
+            <p:ph idx="1"/>
+          </p:nvPr>
+        </p:nvSpPr>
+        <p:spPr/>
+        <p:txBody>
+          <a:bodyPr/>
+          <a:lstStyle/>
+          <a:p>
+            <a:r>
+              <a:rPr lang="es-BO"/>
+              <a:t>Odoo ERP: </a:t>
+            </a:r>
+          </a:p>
+        </p:txBody>
+      </p:sp>
+      <p:pic>
+        <p:nvPicPr>
+          <p:cNvPr id="5122" name="Picture 2" descr="Related image">
+            <a:extLst>
+              <a:ext uri="{FF2B5EF4-FFF2-40B4-BE49-F238E27FC236}">
+                <a16:creationId xmlns:a16="http://schemas.microsoft.com/office/drawing/2014/main" id="{12489028-FBE1-45A0-8F3B-5A289A377D8E}"/>
+              </a:ext>
+            </a:extLst>
+          </p:cNvPr>
+          <p:cNvPicPr>
+            <a:picLocks noChangeAspect="1" noChangeArrowheads="1"/>
+          </p:cNvPicPr>
+          <p:nvPr/>
+        </p:nvPicPr>
+        <p:blipFill>
+          <a:blip r:embed="rId2">
+            <a:extLst>
+              <a:ext uri="{28A0092B-C50C-407E-A947-70E740481C1C}">
+                <a14:useLocalDpi xmlns:a14="http://schemas.microsoft.com/office/drawing/2010/main" val="0"/>
+              </a:ext>
+            </a:extLst>
+          </a:blip>
+          <a:srcRect/>
+          <a:stretch>
+            <a:fillRect/>
+          </a:stretch>
+        </p:blipFill>
+        <p:spPr bwMode="auto">
+          <a:xfrm>
+            <a:off x="3028950" y="2136776"/>
+            <a:ext cx="5246370" cy="4364980"/>
+          </a:xfrm>
+          <a:prstGeom prst="rect">
+            <a:avLst/>
+          </a:prstGeom>
+          <a:solidFill>
+            <a:schemeClr val="tx1"/>
+          </a:solidFill>
+        </p:spPr>
+      </p:pic>
+    </p:spTree>
+    <p:extLst>
+      <p:ext uri="{BB962C8B-B14F-4D97-AF65-F5344CB8AC3E}">
+        <p14:creationId xmlns:p14="http://schemas.microsoft.com/office/powerpoint/2010/main" val="309410032"/>
+      </p:ext>
+    </p:extLst>
+  </p:cSld>
+  <p:clrMapOvr>
+    <a:masterClrMapping/>
+  </p:clrMapOvr>
+</p:sld>
+</file>
+
+<file path=ppt/slides/slide14.xml><?xml version="1.0" encoding="utf-8"?>
+<p:sld xmlns:a="http://schemas.openxmlformats.org/drawingml/2006/main" xmlns:r="http://schemas.openxmlformats.org/officeDocument/2006/relationships" xmlns:p="http://schemas.openxmlformats.org/presentationml/2006/main">
+  <p:cSld>
+    <p:spTree>
+      <p:nvGrpSpPr>
+        <p:cNvPr id="1" name=""/>
+        <p:cNvGrpSpPr/>
+        <p:nvPr/>
+      </p:nvGrpSpPr>
+      <p:grpSpPr>
+        <a:xfrm>
+          <a:off x="0" y="0"/>
+          <a:ext cx="0" cy="0"/>
+          <a:chOff x="0" y="0"/>
+          <a:chExt cx="0" cy="0"/>
+        </a:xfrm>
+      </p:grpSpPr>
+      <p:sp>
+        <p:nvSpPr>
+          <p:cNvPr id="2" name="Title 1">
+            <a:extLst>
+              <a:ext uri="{FF2B5EF4-FFF2-40B4-BE49-F238E27FC236}">
+                <a16:creationId xmlns:a16="http://schemas.microsoft.com/office/drawing/2014/main" id="{89BA78B6-CA64-4A75-AC94-D8F77F2E7BD1}"/>
+              </a:ext>
+            </a:extLst>
+          </p:cNvPr>
+          <p:cNvSpPr>
+            <a:spLocks noGrp="1"/>
+          </p:cNvSpPr>
+          <p:nvPr>
+            <p:ph type="title"/>
+          </p:nvPr>
+        </p:nvSpPr>
+        <p:spPr>
+          <a:xfrm>
+            <a:off x="1042353" y="0"/>
+            <a:ext cx="9905998" cy="1478570"/>
+          </a:xfrm>
+        </p:spPr>
+        <p:txBody>
+          <a:bodyPr/>
+          <a:lstStyle/>
+          <a:p>
+            <a:r>
+              <a:rPr lang="es-BO" dirty="0"/>
+              <a:t>Modelado de la empresa</a:t>
+            </a:r>
+          </a:p>
+        </p:txBody>
+      </p:sp>
+      <p:pic>
+        <p:nvPicPr>
+          <p:cNvPr id="4" name="Content Placeholder 3">
+            <a:extLst>
+              <a:ext uri="{FF2B5EF4-FFF2-40B4-BE49-F238E27FC236}">
+                <a16:creationId xmlns:a16="http://schemas.microsoft.com/office/drawing/2014/main" id="{84C82CFA-DA9D-4A08-8EE4-F8F69D0F8AC1}"/>
+              </a:ext>
+            </a:extLst>
+          </p:cNvPr>
+          <p:cNvPicPr>
+            <a:picLocks noGrp="1"/>
+          </p:cNvPicPr>
+          <p:nvPr>
+            <p:ph idx="1"/>
+          </p:nvPr>
+        </p:nvPicPr>
+        <p:blipFill>
+          <a:blip r:embed="rId2">
+            <a:extLst>
+              <a:ext uri="{28A0092B-C50C-407E-A947-70E740481C1C}">
+                <a14:useLocalDpi xmlns:a14="http://schemas.microsoft.com/office/drawing/2010/main" val="0"/>
+              </a:ext>
+            </a:extLst>
+          </a:blip>
+          <a:srcRect/>
+          <a:stretch>
+            <a:fillRect/>
+          </a:stretch>
+        </p:blipFill>
+        <p:spPr bwMode="auto">
+          <a:xfrm>
+            <a:off x="1042353" y="1051560"/>
+            <a:ext cx="4817427" cy="5806440"/>
+          </a:xfrm>
+          <a:prstGeom prst="rect">
+            <a:avLst/>
+          </a:prstGeom>
+          <a:noFill/>
+          <a:ln>
+            <a:noFill/>
+          </a:ln>
+        </p:spPr>
+      </p:pic>
+      <p:pic>
+        <p:nvPicPr>
+          <p:cNvPr id="5" name="Picture 4">
+            <a:extLst>
+              <a:ext uri="{FF2B5EF4-FFF2-40B4-BE49-F238E27FC236}">
+                <a16:creationId xmlns:a16="http://schemas.microsoft.com/office/drawing/2014/main" id="{1554592E-EDCB-4838-829E-AB8AFBD858B5}"/>
+              </a:ext>
+            </a:extLst>
+          </p:cNvPr>
+          <p:cNvPicPr/>
+          <p:nvPr/>
+        </p:nvPicPr>
+        <p:blipFill>
+          <a:blip r:embed="rId3">
+            <a:extLst>
+              <a:ext uri="{28A0092B-C50C-407E-A947-70E740481C1C}">
+                <a14:useLocalDpi xmlns:a14="http://schemas.microsoft.com/office/drawing/2010/main" val="0"/>
+              </a:ext>
+            </a:extLst>
+          </a:blip>
+          <a:srcRect/>
+          <a:stretch>
+            <a:fillRect/>
+          </a:stretch>
+        </p:blipFill>
+        <p:spPr bwMode="auto">
+          <a:xfrm>
+            <a:off x="6332220" y="1051560"/>
+            <a:ext cx="4817427" cy="5806441"/>
+          </a:xfrm>
+          <a:prstGeom prst="rect">
+            <a:avLst/>
+          </a:prstGeom>
+          <a:noFill/>
+          <a:ln>
+            <a:noFill/>
+          </a:ln>
+        </p:spPr>
+      </p:pic>
+    </p:spTree>
+    <p:extLst>
+      <p:ext uri="{BB962C8B-B14F-4D97-AF65-F5344CB8AC3E}">
+        <p14:creationId xmlns:p14="http://schemas.microsoft.com/office/powerpoint/2010/main" val="739824349"/>
+      </p:ext>
+    </p:extLst>
+  </p:cSld>
+  <p:clrMapOvr>
+    <a:masterClrMapping/>
+  </p:clrMapOvr>
+</p:sld>
+</file>
+
+<file path=ppt/slides/slide15.xml><?xml version="1.0" encoding="utf-8"?>
+<p:sld xmlns:a="http://schemas.openxmlformats.org/drawingml/2006/main" xmlns:r="http://schemas.openxmlformats.org/officeDocument/2006/relationships" xmlns:p="http://schemas.openxmlformats.org/presentationml/2006/main">
+  <p:cSld>
+    <p:spTree>
+      <p:nvGrpSpPr>
+        <p:cNvPr id="1" name=""/>
+        <p:cNvGrpSpPr/>
+        <p:nvPr/>
+      </p:nvGrpSpPr>
+      <p:grpSpPr>
+        <a:xfrm>
+          <a:off x="0" y="0"/>
+          <a:ext cx="0" cy="0"/>
+          <a:chOff x="0" y="0"/>
+          <a:chExt cx="0" cy="0"/>
+        </a:xfrm>
+      </p:grpSpPr>
+      <p:sp>
+        <p:nvSpPr>
+          <p:cNvPr id="2" name="Title 1">
+            <a:extLst>
+              <a:ext uri="{FF2B5EF4-FFF2-40B4-BE49-F238E27FC236}">
+                <a16:creationId xmlns:a16="http://schemas.microsoft.com/office/drawing/2014/main" id="{92DEDAF9-F781-4A7A-8C14-32BEEF9A53D6}"/>
+              </a:ext>
+            </a:extLst>
+          </p:cNvPr>
+          <p:cNvSpPr>
+            <a:spLocks noGrp="1"/>
+          </p:cNvSpPr>
+          <p:nvPr>
+            <p:ph type="title"/>
+          </p:nvPr>
+        </p:nvSpPr>
+        <p:spPr/>
+        <p:txBody>
+          <a:bodyPr/>
+          <a:lstStyle/>
+          <a:p>
+            <a:r>
+              <a:rPr lang="es-BO" dirty="0"/>
+              <a:t>Adecuación de Odoo</a:t>
+            </a:r>
+          </a:p>
+        </p:txBody>
+      </p:sp>
+      <p:sp>
+        <p:nvSpPr>
+          <p:cNvPr id="3" name="Content Placeholder 2">
+            <a:extLst>
+              <a:ext uri="{FF2B5EF4-FFF2-40B4-BE49-F238E27FC236}">
+                <a16:creationId xmlns:a16="http://schemas.microsoft.com/office/drawing/2014/main" id="{4C772707-480F-4BA9-BFBA-92E1BD6E17C2}"/>
+              </a:ext>
+            </a:extLst>
+          </p:cNvPr>
+          <p:cNvSpPr>
+            <a:spLocks noGrp="1"/>
+          </p:cNvSpPr>
+          <p:nvPr>
+            <p:ph idx="1"/>
+          </p:nvPr>
+        </p:nvSpPr>
+        <p:spPr/>
+        <p:txBody>
+          <a:bodyPr>
+            <a:normAutofit lnSpcReduction="10000"/>
+          </a:bodyPr>
+          <a:lstStyle/>
+          <a:p>
+            <a:pPr marL="914400" lvl="2" indent="0">
+              <a:buNone/>
+            </a:pPr>
+            <a:r>
+              <a:rPr lang="es-BO" sz="2000" b="1" u="sng" dirty="0"/>
+              <a:t>HARDWARE</a:t>
+            </a:r>
+            <a:endParaRPr lang="en-GB" sz="2000" b="1" u="sng" dirty="0"/>
+          </a:p>
+          <a:p>
+            <a:pPr lvl="0"/>
+            <a:r>
+              <a:rPr lang="es-ES" dirty="0"/>
+              <a:t>Procesador 2GHz dual Core o superior</a:t>
+            </a:r>
+            <a:endParaRPr lang="en-GB" dirty="0"/>
+          </a:p>
+          <a:p>
+            <a:pPr lvl="0"/>
+            <a:r>
+              <a:rPr lang="es-ES" dirty="0"/>
+              <a:t>Memoria RAM DDR3 de 2 Gb o superior</a:t>
+            </a:r>
+            <a:endParaRPr lang="en-GB" dirty="0"/>
+          </a:p>
+          <a:p>
+            <a:pPr lvl="0"/>
+            <a:r>
+              <a:rPr lang="es-ES" dirty="0"/>
+              <a:t>Disco Duro de 25 GB o superior</a:t>
+            </a:r>
+            <a:endParaRPr lang="en-GB" dirty="0"/>
+          </a:p>
+          <a:p>
+            <a:pPr marL="914400" lvl="2" indent="0">
+              <a:buNone/>
+            </a:pPr>
+            <a:r>
+              <a:rPr lang="es-BO" sz="2000" b="1" u="sng" dirty="0"/>
+              <a:t>SISTEMAS PRE REQUISITOS</a:t>
+            </a:r>
+            <a:endParaRPr lang="en-GB" sz="2000" b="1" u="sng" dirty="0"/>
+          </a:p>
+          <a:p>
+            <a:pPr lvl="0"/>
+            <a:r>
+              <a:rPr lang="es-ES" dirty="0"/>
+              <a:t>Sistema Operativo Ubuntu</a:t>
+            </a:r>
+            <a:endParaRPr lang="en-GB" dirty="0"/>
+          </a:p>
+          <a:p>
+            <a:pPr lvl="0"/>
+            <a:r>
+              <a:rPr lang="es-ES" dirty="0"/>
+              <a:t>PostgreSQL</a:t>
+            </a:r>
+            <a:endParaRPr lang="en-GB" dirty="0"/>
+          </a:p>
+          <a:p>
+            <a:endParaRPr lang="es-BO" dirty="0"/>
+          </a:p>
+        </p:txBody>
+      </p:sp>
+      <p:pic>
+        <p:nvPicPr>
+          <p:cNvPr id="1026" name="Picture 2" descr="Image result for ubuntu">
+            <a:extLst>
+              <a:ext uri="{FF2B5EF4-FFF2-40B4-BE49-F238E27FC236}">
+                <a16:creationId xmlns:a16="http://schemas.microsoft.com/office/drawing/2014/main" id="{BBEA1EF4-04BB-4B9B-B9B5-8C8DA9012358}"/>
+              </a:ext>
+            </a:extLst>
+          </p:cNvPr>
+          <p:cNvPicPr>
+            <a:picLocks noChangeAspect="1" noChangeArrowheads="1"/>
+          </p:cNvPicPr>
+          <p:nvPr/>
+        </p:nvPicPr>
+        <p:blipFill>
+          <a:blip r:embed="rId2">
+            <a:extLst>
+              <a:ext uri="{28A0092B-C50C-407E-A947-70E740481C1C}">
+                <a14:useLocalDpi xmlns:a14="http://schemas.microsoft.com/office/drawing/2010/main" val="0"/>
+              </a:ext>
+            </a:extLst>
+          </a:blip>
+          <a:srcRect/>
+          <a:stretch>
+            <a:fillRect/>
+          </a:stretch>
+        </p:blipFill>
+        <p:spPr bwMode="auto">
+          <a:xfrm>
+            <a:off x="7523161" y="1582420"/>
+            <a:ext cx="2857500" cy="2276475"/>
+          </a:xfrm>
+          <a:prstGeom prst="rect">
+            <a:avLst/>
+          </a:prstGeom>
+          <a:noFill/>
+          <a:extLst>
+            <a:ext uri="{909E8E84-426E-40DD-AFC4-6F175D3DCCD1}">
+              <a14:hiddenFill xmlns:a14="http://schemas.microsoft.com/office/drawing/2010/main">
+                <a:solidFill>
+                  <a:srgbClr val="FFFFFF"/>
+                </a:solidFill>
+              </a14:hiddenFill>
+            </a:ext>
+          </a:extLst>
+        </p:spPr>
+      </p:pic>
+      <p:pic>
+        <p:nvPicPr>
+          <p:cNvPr id="1028" name="Picture 4" descr="Image result for postgres">
+            <a:extLst>
+              <a:ext uri="{FF2B5EF4-FFF2-40B4-BE49-F238E27FC236}">
+                <a16:creationId xmlns:a16="http://schemas.microsoft.com/office/drawing/2014/main" id="{8F746C40-D6F5-4E8D-BAAE-3F46DFC61270}"/>
+              </a:ext>
+            </a:extLst>
+          </p:cNvPr>
+          <p:cNvPicPr>
+            <a:picLocks noChangeAspect="1" noChangeArrowheads="1"/>
+          </p:cNvPicPr>
+          <p:nvPr/>
+        </p:nvPicPr>
+        <p:blipFill>
+          <a:blip r:embed="rId3">
+            <a:extLst>
+              <a:ext uri="{28A0092B-C50C-407E-A947-70E740481C1C}">
+                <a14:useLocalDpi xmlns:a14="http://schemas.microsoft.com/office/drawing/2010/main" val="0"/>
+              </a:ext>
+            </a:extLst>
+          </a:blip>
+          <a:srcRect/>
+          <a:stretch>
+            <a:fillRect/>
+          </a:stretch>
+        </p:blipFill>
+        <p:spPr bwMode="auto">
+          <a:xfrm>
+            <a:off x="7523161" y="3908266"/>
+            <a:ext cx="3524250" cy="2647950"/>
+          </a:xfrm>
+          <a:prstGeom prst="rect">
+            <a:avLst/>
+          </a:prstGeom>
+          <a:noFill/>
+          <a:extLst>
+            <a:ext uri="{909E8E84-426E-40DD-AFC4-6F175D3DCCD1}">
+              <a14:hiddenFill xmlns:a14="http://schemas.microsoft.com/office/drawing/2010/main">
+                <a:solidFill>
+                  <a:srgbClr val="FFFFFF"/>
+                </a:solidFill>
+              </a14:hiddenFill>
+            </a:ext>
+          </a:extLst>
+        </p:spPr>
+      </p:pic>
+    </p:spTree>
+    <p:extLst>
+      <p:ext uri="{BB962C8B-B14F-4D97-AF65-F5344CB8AC3E}">
+        <p14:creationId xmlns:p14="http://schemas.microsoft.com/office/powerpoint/2010/main" val="819719597"/>
+      </p:ext>
+    </p:extLst>
+  </p:cSld>
+  <p:clrMapOvr>
+    <a:masterClrMapping/>
+  </p:clrMapOvr>
+</p:sld>
+</file>
+
+<file path=ppt/slides/slide16.xml><?xml version="1.0" encoding="utf-8"?>
+<p:sld xmlns:a="http://schemas.openxmlformats.org/drawingml/2006/main" xmlns:r="http://schemas.openxmlformats.org/officeDocument/2006/relationships" xmlns:p="http://schemas.openxmlformats.org/presentationml/2006/main">
+  <p:cSld>
+    <p:spTree>
+      <p:nvGrpSpPr>
+        <p:cNvPr id="1" name=""/>
+        <p:cNvGrpSpPr/>
+        <p:nvPr/>
+      </p:nvGrpSpPr>
+      <p:grpSpPr>
+        <a:xfrm>
+          <a:off x="0" y="0"/>
+          <a:ext cx="0" cy="0"/>
+          <a:chOff x="0" y="0"/>
+          <a:chExt cx="0" cy="0"/>
+        </a:xfrm>
+      </p:grpSpPr>
+      <p:sp>
+        <p:nvSpPr>
+          <p:cNvPr id="2" name="Title 1">
+            <a:extLst>
+              <a:ext uri="{FF2B5EF4-FFF2-40B4-BE49-F238E27FC236}">
+                <a16:creationId xmlns:a16="http://schemas.microsoft.com/office/drawing/2014/main" id="{30762A15-B13A-41BD-BA59-BC7CE3ED67F7}"/>
+              </a:ext>
+            </a:extLst>
+          </p:cNvPr>
+          <p:cNvSpPr>
+            <a:spLocks noGrp="1"/>
+          </p:cNvSpPr>
+          <p:nvPr>
+            <p:ph type="title"/>
+          </p:nvPr>
+        </p:nvSpPr>
+        <p:spPr/>
+        <p:txBody>
+          <a:bodyPr/>
+          <a:lstStyle/>
+          <a:p>
+            <a:r>
+              <a:rPr lang="es-BO" dirty="0"/>
+              <a:t>Demo</a:t>
+            </a:r>
+          </a:p>
+        </p:txBody>
+      </p:sp>
+      <p:sp>
+        <p:nvSpPr>
+          <p:cNvPr id="3" name="Content Placeholder 2">
+            <a:extLst>
+              <a:ext uri="{FF2B5EF4-FFF2-40B4-BE49-F238E27FC236}">
+                <a16:creationId xmlns:a16="http://schemas.microsoft.com/office/drawing/2014/main" id="{35B336D1-5F20-4FF3-BCA6-E2536178525B}"/>
+              </a:ext>
+            </a:extLst>
+          </p:cNvPr>
+          <p:cNvSpPr>
+            <a:spLocks noGrp="1"/>
+          </p:cNvSpPr>
+          <p:nvPr>
+            <p:ph idx="1"/>
+          </p:nvPr>
+        </p:nvSpPr>
+        <p:spPr>
+          <a:xfrm>
+            <a:off x="2286000" y="2697768"/>
+            <a:ext cx="6429691" cy="3541714"/>
+          </a:xfrm>
+        </p:spPr>
+        <p:txBody>
+          <a:bodyPr/>
+          <a:lstStyle/>
+          <a:p>
+            <a:pPr algn="ctr"/>
+            <a:r>
+              <a:rPr lang="es-BO" dirty="0"/>
+              <a:t>DEMO – Odoo, adecuación de los módulos de inventarios compras y vetas</a:t>
+            </a:r>
+          </a:p>
+        </p:txBody>
+      </p:sp>
+    </p:spTree>
+    <p:extLst>
+      <p:ext uri="{BB962C8B-B14F-4D97-AF65-F5344CB8AC3E}">
+        <p14:creationId xmlns:p14="http://schemas.microsoft.com/office/powerpoint/2010/main" val="3974667145"/>
+      </p:ext>
+    </p:extLst>
+  </p:cSld>
+  <p:clrMapOvr>
+    <a:masterClrMapping/>
+  </p:clrMapOvr>
+</p:sld>
+</file>
+
+<file path=ppt/slides/slide2.xml><?xml version="1.0" encoding="utf-8"?>
+<p:sld xmlns:a="http://schemas.openxmlformats.org/drawingml/2006/main" xmlns:r="http://schemas.openxmlformats.org/officeDocument/2006/relationships" xmlns:p="http://schemas.openxmlformats.org/presentationml/2006/main">
+  <p:cSld>
+    <p:spTree>
+      <p:nvGrpSpPr>
+        <p:cNvPr id="1" name=""/>
+        <p:cNvGrpSpPr/>
+        <p:nvPr/>
+      </p:nvGrpSpPr>
+      <p:grpSpPr>
+        <a:xfrm>
+          <a:off x="0" y="0"/>
+          <a:ext cx="0" cy="0"/>
+          <a:chOff x="0" y="0"/>
+          <a:chExt cx="0" cy="0"/>
+        </a:xfrm>
+      </p:grpSpPr>
+      <p:sp>
+        <p:nvSpPr>
+          <p:cNvPr id="2" name="Title 1">
+            <a:extLst>
+              <a:ext uri="{FF2B5EF4-FFF2-40B4-BE49-F238E27FC236}">
+                <a16:creationId xmlns:a16="http://schemas.microsoft.com/office/drawing/2014/main" id="{3A110E92-6487-4581-B389-733AD40CAC63}"/>
+              </a:ext>
+            </a:extLst>
+          </p:cNvPr>
+          <p:cNvSpPr>
+            <a:spLocks noGrp="1"/>
+          </p:cNvSpPr>
+          <p:nvPr>
+            <p:ph type="title"/>
+          </p:nvPr>
+        </p:nvSpPr>
+        <p:spPr/>
+        <p:txBody>
+          <a:bodyPr/>
+          <a:lstStyle/>
+          <a:p>
+            <a:r>
+              <a:rPr lang="es-BO" dirty="0"/>
+              <a:t>Antecedentes </a:t>
+            </a:r>
+          </a:p>
+        </p:txBody>
+      </p:sp>
+      <p:sp>
+        <p:nvSpPr>
+          <p:cNvPr id="3" name="Content Placeholder 2">
+            <a:extLst>
+              <a:ext uri="{FF2B5EF4-FFF2-40B4-BE49-F238E27FC236}">
+                <a16:creationId xmlns:a16="http://schemas.microsoft.com/office/drawing/2014/main" id="{0C32433B-D40D-41B3-A3F0-E971A557B8CE}"/>
+              </a:ext>
+            </a:extLst>
+          </p:cNvPr>
+          <p:cNvSpPr>
+            <a:spLocks noGrp="1"/>
+          </p:cNvSpPr>
+          <p:nvPr>
+            <p:ph idx="1"/>
+          </p:nvPr>
+        </p:nvSpPr>
+        <p:spPr>
+          <a:xfrm>
+            <a:off x="720436" y="1681018"/>
+            <a:ext cx="6548581" cy="4645891"/>
+          </a:xfrm>
+        </p:spPr>
+        <p:txBody>
+          <a:bodyPr>
+            <a:normAutofit fontScale="92500"/>
+          </a:bodyPr>
+          <a:lstStyle/>
+          <a:p>
+            <a:r>
+              <a:rPr lang="es-ES" dirty="0"/>
+              <a:t>La empresa comercial Import Bolivia ubicada en Bolivia en la ciudad de Cochabamba se Dedica a la compra e importación de artículos y accesorios Electrónicos que consta de: Relojes varios, Smart </a:t>
+            </a:r>
+            <a:r>
+              <a:rPr lang="es-ES" dirty="0" err="1"/>
+              <a:t>Watch</a:t>
+            </a:r>
+            <a:r>
+              <a:rPr lang="es-ES" dirty="0"/>
+              <a:t>, Smart </a:t>
+            </a:r>
+            <a:r>
+              <a:rPr lang="es-ES" dirty="0" err="1"/>
+              <a:t>bands</a:t>
+            </a:r>
+            <a:r>
+              <a:rPr lang="es-ES" dirty="0"/>
+              <a:t>, Impresoras, audífonos, Altavoces, mouse Inalámbrico, alámbrico, discos duros, flash drives, cables de audio, cables de video, entre otros artículos que constantemente van renovándose, Los productos que ofrece la empresa son netamente de importación y solo los distribuye al mayoreo.</a:t>
+            </a:r>
+            <a:endParaRPr lang="en-GB" dirty="0"/>
+          </a:p>
+        </p:txBody>
+      </p:sp>
+      <p:pic>
+        <p:nvPicPr>
+          <p:cNvPr id="5" name="Picture 4">
+            <a:extLst>
+              <a:ext uri="{FF2B5EF4-FFF2-40B4-BE49-F238E27FC236}">
+                <a16:creationId xmlns:a16="http://schemas.microsoft.com/office/drawing/2014/main" id="{143B4128-16AC-458E-979B-3E95A0E51500}"/>
+              </a:ext>
+            </a:extLst>
+          </p:cNvPr>
+          <p:cNvPicPr/>
+          <p:nvPr/>
+        </p:nvPicPr>
+        <p:blipFill>
+          <a:blip r:embed="rId2"/>
+          <a:stretch>
+            <a:fillRect/>
+          </a:stretch>
+        </p:blipFill>
+        <p:spPr>
+          <a:xfrm>
+            <a:off x="7269017" y="2485794"/>
+            <a:ext cx="4281677" cy="2275119"/>
+          </a:xfrm>
+          <a:prstGeom prst="rect">
+            <a:avLst/>
+          </a:prstGeom>
+        </p:spPr>
+      </p:pic>
+    </p:spTree>
+    <p:extLst>
+      <p:ext uri="{BB962C8B-B14F-4D97-AF65-F5344CB8AC3E}">
+        <p14:creationId xmlns:p14="http://schemas.microsoft.com/office/powerpoint/2010/main" val="87737449"/>
+      </p:ext>
+    </p:extLst>
+  </p:cSld>
+  <p:clrMapOvr>
+    <a:masterClrMapping/>
+  </p:clrMapOvr>
+</p:sld>
+</file>
+
+<file path=ppt/slides/slide3.xml><?xml version="1.0" encoding="utf-8"?>
+<p:sld xmlns:a="http://schemas.openxmlformats.org/drawingml/2006/main" xmlns:r="http://schemas.openxmlformats.org/officeDocument/2006/relationships" xmlns:p="http://schemas.openxmlformats.org/presentationml/2006/main">
+  <p:cSld>
+    <p:spTree>
+      <p:nvGrpSpPr>
+        <p:cNvPr id="1" name=""/>
+        <p:cNvGrpSpPr/>
+        <p:nvPr/>
+      </p:nvGrpSpPr>
+      <p:grpSpPr>
+        <a:xfrm>
+          <a:off x="0" y="0"/>
+          <a:ext cx="0" cy="0"/>
+          <a:chOff x="0" y="0"/>
+          <a:chExt cx="0" cy="0"/>
+        </a:xfrm>
+      </p:grpSpPr>
+      <p:sp>
+        <p:nvSpPr>
+          <p:cNvPr id="2" name="Title 1">
+            <a:extLst>
+              <a:ext uri="{FF2B5EF4-FFF2-40B4-BE49-F238E27FC236}">
+                <a16:creationId xmlns:a16="http://schemas.microsoft.com/office/drawing/2014/main" id="{981BF8AC-66E2-4F9D-B806-F8D85E498E8D}"/>
+              </a:ext>
+            </a:extLst>
+          </p:cNvPr>
+          <p:cNvSpPr>
+            <a:spLocks noGrp="1"/>
+          </p:cNvSpPr>
+          <p:nvPr>
+            <p:ph type="title"/>
+          </p:nvPr>
+        </p:nvSpPr>
+        <p:spPr/>
+        <p:txBody>
+          <a:bodyPr/>
+          <a:lstStyle/>
+          <a:p>
+            <a:r>
+              <a:rPr lang="es-BO" dirty="0"/>
+              <a:t>Problema</a:t>
+            </a:r>
+          </a:p>
+        </p:txBody>
+      </p:sp>
+      <p:sp>
+        <p:nvSpPr>
+          <p:cNvPr id="3" name="Content Placeholder 2">
+            <a:extLst>
+              <a:ext uri="{FF2B5EF4-FFF2-40B4-BE49-F238E27FC236}">
+                <a16:creationId xmlns:a16="http://schemas.microsoft.com/office/drawing/2014/main" id="{C919D165-B5AD-4ACD-B028-7E10FA1FFCBD}"/>
+              </a:ext>
+            </a:extLst>
+          </p:cNvPr>
+          <p:cNvSpPr>
+            <a:spLocks noGrp="1"/>
+          </p:cNvSpPr>
+          <p:nvPr>
+            <p:ph idx="1"/>
+          </p:nvPr>
+        </p:nvSpPr>
+        <p:spPr/>
+        <p:txBody>
+          <a:bodyPr/>
+          <a:lstStyle/>
+          <a:p>
+            <a:r>
+              <a:rPr lang="es-BO" b="1" dirty="0"/>
+              <a:t>Almacén</a:t>
+            </a:r>
+            <a:r>
+              <a:rPr lang="es-BO" dirty="0"/>
+              <a:t>:  proceso manual, control de stock mínimo, </a:t>
+            </a:r>
+          </a:p>
+          <a:p>
+            <a:r>
+              <a:rPr lang="es-BO" b="1" dirty="0"/>
+              <a:t>Compras</a:t>
+            </a:r>
+            <a:r>
+              <a:rPr lang="es-BO" dirty="0"/>
+              <a:t>: Gestión de proveedores, información descentralizada, desabastecimiento de productos</a:t>
+            </a:r>
+          </a:p>
+          <a:p>
+            <a:r>
+              <a:rPr lang="es-BO" b="1" dirty="0"/>
+              <a:t>Ventas</a:t>
+            </a:r>
+            <a:r>
+              <a:rPr lang="es-BO" dirty="0"/>
+              <a:t>: desinformación del stock al realizar las ventas,  información descentralizada</a:t>
+            </a:r>
+          </a:p>
+        </p:txBody>
+      </p:sp>
+    </p:spTree>
+    <p:extLst>
+      <p:ext uri="{BB962C8B-B14F-4D97-AF65-F5344CB8AC3E}">
+        <p14:creationId xmlns:p14="http://schemas.microsoft.com/office/powerpoint/2010/main" val="1810091861"/>
+      </p:ext>
+    </p:extLst>
+  </p:cSld>
+  <p:clrMapOvr>
+    <a:masterClrMapping/>
+  </p:clrMapOvr>
+</p:sld>
+</file>
+
+<file path=ppt/slides/slide4.xml><?xml version="1.0" encoding="utf-8"?>
+<p:sld xmlns:a="http://schemas.openxmlformats.org/drawingml/2006/main" xmlns:r="http://schemas.openxmlformats.org/officeDocument/2006/relationships" xmlns:p="http://schemas.openxmlformats.org/presentationml/2006/main">
+  <p:cSld>
+    <p:spTree>
+      <p:nvGrpSpPr>
+        <p:cNvPr id="1" name=""/>
+        <p:cNvGrpSpPr/>
+        <p:nvPr/>
+      </p:nvGrpSpPr>
+      <p:grpSpPr>
+        <a:xfrm>
+          <a:off x="0" y="0"/>
+          <a:ext cx="0" cy="0"/>
+          <a:chOff x="0" y="0"/>
+          <a:chExt cx="0" cy="0"/>
+        </a:xfrm>
+      </p:grpSpPr>
+      <p:sp>
+        <p:nvSpPr>
+          <p:cNvPr id="2" name="Title 1">
+            <a:extLst>
+              <a:ext uri="{FF2B5EF4-FFF2-40B4-BE49-F238E27FC236}">
+                <a16:creationId xmlns:a16="http://schemas.microsoft.com/office/drawing/2014/main" id="{ABE3C319-9120-4113-8231-034281D05B07}"/>
+              </a:ext>
+            </a:extLst>
+          </p:cNvPr>
+          <p:cNvSpPr>
+            <a:spLocks noGrp="1"/>
+          </p:cNvSpPr>
+          <p:nvPr>
+            <p:ph type="title"/>
+          </p:nvPr>
+        </p:nvSpPr>
+        <p:spPr>
+          <a:xfrm>
+            <a:off x="1141413" y="618518"/>
+            <a:ext cx="9905998" cy="1478570"/>
+          </a:xfrm>
+        </p:spPr>
+        <p:txBody>
+          <a:bodyPr/>
+          <a:lstStyle/>
+          <a:p>
+            <a:r>
+              <a:rPr lang="es-BO" dirty="0"/>
+              <a:t>Objetivo</a:t>
+            </a:r>
+          </a:p>
+        </p:txBody>
+      </p:sp>
+      <p:sp>
+        <p:nvSpPr>
+          <p:cNvPr id="3" name="Content Placeholder 2">
+            <a:extLst>
+              <a:ext uri="{FF2B5EF4-FFF2-40B4-BE49-F238E27FC236}">
+                <a16:creationId xmlns:a16="http://schemas.microsoft.com/office/drawing/2014/main" id="{B3956C26-A530-4AFB-9B86-3E40E877421B}"/>
+              </a:ext>
+            </a:extLst>
+          </p:cNvPr>
+          <p:cNvSpPr>
+            <a:spLocks noGrp="1"/>
+          </p:cNvSpPr>
+          <p:nvPr>
+            <p:ph idx="1"/>
+          </p:nvPr>
+        </p:nvSpPr>
+        <p:spPr>
+          <a:xfrm>
+            <a:off x="1141412" y="2249487"/>
+            <a:ext cx="9905999" cy="3541714"/>
+          </a:xfrm>
+        </p:spPr>
+        <p:txBody>
+          <a:bodyPr/>
+          <a:lstStyle/>
+          <a:p>
+            <a:r>
+              <a:rPr lang="es-ES" dirty="0"/>
+              <a:t>Proponer la configuración e implementación de determinados módulos de un FOS-ERP (Free Open Source Enterprise </a:t>
+            </a:r>
+            <a:r>
+              <a:rPr lang="es-ES" dirty="0" err="1"/>
+              <a:t>Resource</a:t>
+            </a:r>
+            <a:r>
+              <a:rPr lang="es-ES" dirty="0"/>
+              <a:t> </a:t>
+            </a:r>
+            <a:r>
+              <a:rPr lang="es-ES" dirty="0" err="1"/>
+              <a:t>Planning</a:t>
+            </a:r>
+            <a:r>
+              <a:rPr lang="es-ES" dirty="0"/>
+              <a:t>) para la gestión de almacenes compras y ventas para la importadora Import Bolivia</a:t>
+            </a:r>
+            <a:endParaRPr lang="es-BO" dirty="0"/>
+          </a:p>
+        </p:txBody>
+      </p:sp>
+    </p:spTree>
+    <p:extLst>
+      <p:ext uri="{BB962C8B-B14F-4D97-AF65-F5344CB8AC3E}">
+        <p14:creationId xmlns:p14="http://schemas.microsoft.com/office/powerpoint/2010/main" val="1169653677"/>
+      </p:ext>
+    </p:extLst>
+  </p:cSld>
+  <p:clrMapOvr>
+    <a:masterClrMapping/>
+  </p:clrMapOvr>
+</p:sld>
+</file>
+
+<file path=ppt/slides/slide5.xml><?xml version="1.0" encoding="utf-8"?>
+<p:sld xmlns:a="http://schemas.openxmlformats.org/drawingml/2006/main" xmlns:r="http://schemas.openxmlformats.org/officeDocument/2006/relationships" xmlns:p="http://schemas.openxmlformats.org/presentationml/2006/main">
+  <p:cSld>
+    <p:spTree>
+      <p:nvGrpSpPr>
+        <p:cNvPr id="1" name=""/>
+        <p:cNvGrpSpPr/>
+        <p:nvPr/>
+      </p:nvGrpSpPr>
+      <p:grpSpPr>
+        <a:xfrm>
+          <a:off x="0" y="0"/>
+          <a:ext cx="0" cy="0"/>
+          <a:chOff x="0" y="0"/>
+          <a:chExt cx="0" cy="0"/>
+        </a:xfrm>
+      </p:grpSpPr>
+      <p:sp>
+        <p:nvSpPr>
+          <p:cNvPr id="2" name="Title 1">
+            <a:extLst>
+              <a:ext uri="{FF2B5EF4-FFF2-40B4-BE49-F238E27FC236}">
+                <a16:creationId xmlns:a16="http://schemas.microsoft.com/office/drawing/2014/main" id="{1218E0C1-01C5-40E1-9B51-2B68B0F97116}"/>
+              </a:ext>
+            </a:extLst>
+          </p:cNvPr>
+          <p:cNvSpPr>
+            <a:spLocks noGrp="1"/>
+          </p:cNvSpPr>
+          <p:nvPr>
+            <p:ph type="title"/>
+          </p:nvPr>
+        </p:nvSpPr>
+        <p:spPr/>
+        <p:txBody>
+          <a:bodyPr/>
+          <a:lstStyle/>
+          <a:p>
+            <a:r>
+              <a:rPr lang="es-BO" dirty="0"/>
+              <a:t>Justificación – flujo del proceso</a:t>
+            </a:r>
+          </a:p>
+        </p:txBody>
+      </p:sp>
+      <p:graphicFrame>
+        <p:nvGraphicFramePr>
+          <p:cNvPr id="4" name="Content Placeholder 3">
+            <a:extLst>
+              <a:ext uri="{FF2B5EF4-FFF2-40B4-BE49-F238E27FC236}">
+                <a16:creationId xmlns:a16="http://schemas.microsoft.com/office/drawing/2014/main" id="{61B36A18-921A-4063-92A1-934EF75758BB}"/>
+              </a:ext>
+            </a:extLst>
+          </p:cNvPr>
+          <p:cNvGraphicFramePr>
+            <a:graphicFrameLocks noGrp="1"/>
+          </p:cNvGraphicFramePr>
+          <p:nvPr>
+            <p:ph idx="1"/>
+            <p:extLst>
+              <p:ext uri="{D42A27DB-BD31-4B8C-83A1-F6EECF244321}">
+                <p14:modId xmlns:p14="http://schemas.microsoft.com/office/powerpoint/2010/main" val="4221428623"/>
+              </p:ext>
+            </p:extLst>
+          </p:nvPr>
+        </p:nvGraphicFramePr>
+        <p:xfrm>
+          <a:off x="1652844" y="1598681"/>
+          <a:ext cx="9560587" cy="4176476"/>
+        </p:xfrm>
+        <a:graphic>
+          <a:graphicData uri="http://schemas.openxmlformats.org/drawingml/2006/table">
+            <a:tbl>
+              <a:tblPr firstRow="1" firstCol="1" bandRow="1">
+                <a:tableStyleId>{5C22544A-7EE6-4342-B048-85BDC9FD1C3A}</a:tableStyleId>
+              </a:tblPr>
+              <a:tblGrid>
+                <a:gridCol w="577279">
+                  <a:extLst>
+                    <a:ext uri="{9D8B030D-6E8A-4147-A177-3AD203B41FA5}">
+                      <a16:colId xmlns:a16="http://schemas.microsoft.com/office/drawing/2014/main" val="2958852368"/>
+                    </a:ext>
+                  </a:extLst>
+                </a:gridCol>
+                <a:gridCol w="1539057">
+                  <a:extLst>
+                    <a:ext uri="{9D8B030D-6E8A-4147-A177-3AD203B41FA5}">
+                      <a16:colId xmlns:a16="http://schemas.microsoft.com/office/drawing/2014/main" val="2742229932"/>
+                    </a:ext>
+                  </a:extLst>
+                </a:gridCol>
+                <a:gridCol w="2278694">
+                  <a:extLst>
+                    <a:ext uri="{9D8B030D-6E8A-4147-A177-3AD203B41FA5}">
+                      <a16:colId xmlns:a16="http://schemas.microsoft.com/office/drawing/2014/main" val="1633301159"/>
+                    </a:ext>
+                  </a:extLst>
+                </a:gridCol>
+                <a:gridCol w="2165684">
+                  <a:extLst>
+                    <a:ext uri="{9D8B030D-6E8A-4147-A177-3AD203B41FA5}">
+                      <a16:colId xmlns:a16="http://schemas.microsoft.com/office/drawing/2014/main" val="2898206817"/>
+                    </a:ext>
+                  </a:extLst>
+                </a:gridCol>
+                <a:gridCol w="2999873">
+                  <a:extLst>
+                    <a:ext uri="{9D8B030D-6E8A-4147-A177-3AD203B41FA5}">
+                      <a16:colId xmlns:a16="http://schemas.microsoft.com/office/drawing/2014/main" val="1937582211"/>
+                    </a:ext>
+                  </a:extLst>
+                </a:gridCol>
+              </a:tblGrid>
+              <a:tr h="1035196">
+                <a:tc>
+                  <a:txBody>
+                    <a:bodyPr/>
+                    <a:lstStyle/>
+                    <a:p>
+                      <a:endParaRPr lang="en-GB" sz="1600">
+                        <a:effectLst/>
+                        <a:latin typeface="Times New Roman" panose="02020603050405020304" pitchFamily="18" charset="0"/>
+                      </a:endParaRPr>
+                    </a:p>
+                  </a:txBody>
+                  <a:tcPr marL="63500" marR="63500" marT="63500" marB="63500"/>
+                </a:tc>
+                <a:tc>
+                  <a:txBody>
+                    <a:bodyPr/>
+                    <a:lstStyle/>
+                    <a:p>
+                      <a:pPr algn="just">
+                        <a:spcAft>
+                          <a:spcPts val="0"/>
+                        </a:spcAft>
+                      </a:pPr>
+                      <a:r>
+                        <a:rPr lang="es-BO" sz="1600">
+                          <a:effectLst/>
+                        </a:rPr>
+                        <a:t>Dependencia</a:t>
+                      </a:r>
+                      <a:endParaRPr lang="en-GB" sz="1600">
+                        <a:effectLst/>
+                        <a:latin typeface="Times New Roman" panose="02020603050405020304" pitchFamily="18" charset="0"/>
+                        <a:ea typeface="Times New Roman" panose="02020603050405020304" pitchFamily="18" charset="0"/>
+                        <a:cs typeface="Times New Roman" panose="02020603050405020304" pitchFamily="18" charset="0"/>
+                      </a:endParaRPr>
+                    </a:p>
+                  </a:txBody>
+                  <a:tcPr marL="63500" marR="63500" marT="63500" marB="63500"/>
+                </a:tc>
+                <a:tc>
+                  <a:txBody>
+                    <a:bodyPr/>
+                    <a:lstStyle/>
+                    <a:p>
+                      <a:pPr algn="just">
+                        <a:spcAft>
+                          <a:spcPts val="0"/>
+                        </a:spcAft>
+                      </a:pPr>
+                      <a:r>
+                        <a:rPr lang="es-BO" sz="1600" dirty="0">
+                          <a:effectLst/>
+                        </a:rPr>
+                        <a:t>Actividades</a:t>
+                      </a:r>
+                      <a:endParaRPr lang="en-GB" sz="1600" dirty="0">
+                        <a:effectLst/>
+                        <a:latin typeface="Times New Roman" panose="02020603050405020304" pitchFamily="18" charset="0"/>
+                        <a:ea typeface="Times New Roman" panose="02020603050405020304" pitchFamily="18" charset="0"/>
+                        <a:cs typeface="Times New Roman" panose="02020603050405020304" pitchFamily="18" charset="0"/>
+                      </a:endParaRPr>
+                    </a:p>
+                  </a:txBody>
+                  <a:tcPr marL="63500" marR="63500" marT="63500" marB="63500"/>
+                </a:tc>
+                <a:tc>
+                  <a:txBody>
+                    <a:bodyPr/>
+                    <a:lstStyle/>
+                    <a:p>
+                      <a:pPr algn="just">
+                        <a:spcAft>
+                          <a:spcPts val="0"/>
+                        </a:spcAft>
+                      </a:pPr>
+                      <a:r>
+                        <a:rPr lang="es-BO" sz="1600" dirty="0">
+                          <a:effectLst/>
+                        </a:rPr>
+                        <a:t>Manejo manual de almacenes y ventas (días)</a:t>
+                      </a:r>
+                      <a:endParaRPr lang="en-GB" sz="1600" dirty="0">
+                        <a:effectLst/>
+                        <a:latin typeface="Times New Roman" panose="02020603050405020304" pitchFamily="18" charset="0"/>
+                        <a:ea typeface="Times New Roman" panose="02020603050405020304" pitchFamily="18" charset="0"/>
+                        <a:cs typeface="Times New Roman" panose="02020603050405020304" pitchFamily="18" charset="0"/>
+                      </a:endParaRPr>
+                    </a:p>
+                  </a:txBody>
+                  <a:tcPr marL="63500" marR="63500" marT="63500" marB="63500"/>
+                </a:tc>
+                <a:tc>
+                  <a:txBody>
+                    <a:bodyPr/>
+                    <a:lstStyle/>
+                    <a:p>
+                      <a:pPr algn="just">
+                        <a:spcAft>
+                          <a:spcPts val="0"/>
+                        </a:spcAft>
+                      </a:pPr>
+                      <a:r>
+                        <a:rPr lang="es-BO" sz="1600" dirty="0">
+                          <a:effectLst/>
+                        </a:rPr>
+                        <a:t>Con gestor ERP para manejo de almacenes y ventas</a:t>
+                      </a:r>
+                      <a:endParaRPr lang="en-GB" sz="1600" dirty="0">
+                        <a:effectLst/>
+                      </a:endParaRPr>
+                    </a:p>
+                    <a:p>
+                      <a:pPr algn="just">
+                        <a:spcAft>
+                          <a:spcPts val="0"/>
+                        </a:spcAft>
+                      </a:pPr>
+                      <a:r>
+                        <a:rPr lang="es-BO" sz="1600" dirty="0">
+                          <a:effectLst/>
+                        </a:rPr>
+                        <a:t>(días)</a:t>
+                      </a:r>
+                      <a:endParaRPr lang="en-GB" sz="1600" dirty="0">
+                        <a:effectLst/>
+                        <a:latin typeface="Times New Roman" panose="02020603050405020304" pitchFamily="18" charset="0"/>
+                        <a:ea typeface="Times New Roman" panose="02020603050405020304" pitchFamily="18" charset="0"/>
+                        <a:cs typeface="Times New Roman" panose="02020603050405020304" pitchFamily="18" charset="0"/>
+                      </a:endParaRPr>
+                    </a:p>
+                  </a:txBody>
+                  <a:tcPr marL="63500" marR="63500" marT="63500" marB="63500"/>
+                </a:tc>
+                <a:extLst>
+                  <a:ext uri="{0D108BD9-81ED-4DB2-BD59-A6C34878D82A}">
+                    <a16:rowId xmlns:a16="http://schemas.microsoft.com/office/drawing/2014/main" val="2626659439"/>
+                  </a:ext>
+                </a:extLst>
+              </a:tr>
+              <a:tr h="392660">
+                <a:tc>
+                  <a:txBody>
+                    <a:bodyPr/>
+                    <a:lstStyle/>
+                    <a:p>
+                      <a:pPr algn="just">
+                        <a:spcAft>
+                          <a:spcPts val="0"/>
+                        </a:spcAft>
+                      </a:pPr>
+                      <a:r>
+                        <a:rPr lang="es-BO" sz="1600">
+                          <a:effectLst/>
+                        </a:rPr>
+                        <a:t>A</a:t>
+                      </a:r>
+                      <a:endParaRPr lang="en-GB" sz="1600">
+                        <a:effectLst/>
+                        <a:latin typeface="Times New Roman" panose="02020603050405020304" pitchFamily="18" charset="0"/>
+                        <a:ea typeface="Times New Roman" panose="02020603050405020304" pitchFamily="18" charset="0"/>
+                        <a:cs typeface="Times New Roman" panose="02020603050405020304" pitchFamily="18" charset="0"/>
+                      </a:endParaRPr>
+                    </a:p>
+                  </a:txBody>
+                  <a:tcPr marL="63500" marR="63500" marT="63500" marB="63500"/>
+                </a:tc>
+                <a:tc>
+                  <a:txBody>
+                    <a:bodyPr/>
+                    <a:lstStyle/>
+                    <a:p>
+                      <a:endParaRPr lang="en-GB" sz="1600">
+                        <a:effectLst/>
+                        <a:latin typeface="Times New Roman" panose="02020603050405020304" pitchFamily="18" charset="0"/>
+                      </a:endParaRPr>
+                    </a:p>
+                  </a:txBody>
+                  <a:tcPr marL="63500" marR="63500" marT="63500" marB="63500"/>
+                </a:tc>
+                <a:tc>
+                  <a:txBody>
+                    <a:bodyPr/>
+                    <a:lstStyle/>
+                    <a:p>
+                      <a:pPr algn="just">
+                        <a:spcAft>
+                          <a:spcPts val="0"/>
+                        </a:spcAft>
+                      </a:pPr>
+                      <a:r>
+                        <a:rPr lang="es-BO" sz="1600">
+                          <a:effectLst/>
+                        </a:rPr>
+                        <a:t>Solicitudes de Compras</a:t>
+                      </a:r>
+                      <a:endParaRPr lang="en-GB" sz="1600">
+                        <a:effectLst/>
+                        <a:latin typeface="Times New Roman" panose="02020603050405020304" pitchFamily="18" charset="0"/>
+                        <a:ea typeface="Times New Roman" panose="02020603050405020304" pitchFamily="18" charset="0"/>
+                        <a:cs typeface="Times New Roman" panose="02020603050405020304" pitchFamily="18" charset="0"/>
+                      </a:endParaRPr>
+                    </a:p>
+                  </a:txBody>
+                  <a:tcPr marL="63500" marR="63500" marT="63500" marB="63500"/>
+                </a:tc>
+                <a:tc>
+                  <a:txBody>
+                    <a:bodyPr/>
+                    <a:lstStyle/>
+                    <a:p>
+                      <a:pPr algn="just">
+                        <a:spcAft>
+                          <a:spcPts val="0"/>
+                        </a:spcAft>
+                      </a:pPr>
+                      <a:r>
+                        <a:rPr lang="es-BO" sz="1600">
+                          <a:effectLst/>
+                        </a:rPr>
+                        <a:t>3</a:t>
+                      </a:r>
+                      <a:endParaRPr lang="en-GB" sz="1600">
+                        <a:effectLst/>
+                        <a:latin typeface="Times New Roman" panose="02020603050405020304" pitchFamily="18" charset="0"/>
+                        <a:ea typeface="Times New Roman" panose="02020603050405020304" pitchFamily="18" charset="0"/>
+                        <a:cs typeface="Times New Roman" panose="02020603050405020304" pitchFamily="18" charset="0"/>
+                      </a:endParaRPr>
+                    </a:p>
+                  </a:txBody>
+                  <a:tcPr marL="63500" marR="63500" marT="63500" marB="63500"/>
+                </a:tc>
+                <a:tc>
+                  <a:txBody>
+                    <a:bodyPr/>
+                    <a:lstStyle/>
+                    <a:p>
+                      <a:pPr algn="just">
+                        <a:spcAft>
+                          <a:spcPts val="0"/>
+                        </a:spcAft>
+                      </a:pPr>
+                      <a:r>
+                        <a:rPr lang="es-BO" sz="1600">
+                          <a:effectLst/>
+                        </a:rPr>
+                        <a:t>1</a:t>
+                      </a:r>
+                      <a:endParaRPr lang="en-GB" sz="1600">
+                        <a:effectLst/>
+                        <a:latin typeface="Times New Roman" panose="02020603050405020304" pitchFamily="18" charset="0"/>
+                        <a:ea typeface="Times New Roman" panose="02020603050405020304" pitchFamily="18" charset="0"/>
+                        <a:cs typeface="Times New Roman" panose="02020603050405020304" pitchFamily="18" charset="0"/>
+                      </a:endParaRPr>
+                    </a:p>
+                  </a:txBody>
+                  <a:tcPr marL="63500" marR="63500" marT="63500" marB="63500"/>
+                </a:tc>
+                <a:extLst>
+                  <a:ext uri="{0D108BD9-81ED-4DB2-BD59-A6C34878D82A}">
+                    <a16:rowId xmlns:a16="http://schemas.microsoft.com/office/drawing/2014/main" val="1945810877"/>
+                  </a:ext>
+                </a:extLst>
+              </a:tr>
+              <a:tr h="392660">
+                <a:tc>
+                  <a:txBody>
+                    <a:bodyPr/>
+                    <a:lstStyle/>
+                    <a:p>
+                      <a:pPr algn="just">
+                        <a:spcAft>
+                          <a:spcPts val="0"/>
+                        </a:spcAft>
+                      </a:pPr>
+                      <a:r>
+                        <a:rPr lang="es-BO" sz="1600">
+                          <a:effectLst/>
+                        </a:rPr>
+                        <a:t>B</a:t>
+                      </a:r>
+                      <a:endParaRPr lang="en-GB" sz="1600">
+                        <a:effectLst/>
+                        <a:latin typeface="Times New Roman" panose="02020603050405020304" pitchFamily="18" charset="0"/>
+                        <a:ea typeface="Times New Roman" panose="02020603050405020304" pitchFamily="18" charset="0"/>
+                        <a:cs typeface="Times New Roman" panose="02020603050405020304" pitchFamily="18" charset="0"/>
+                      </a:endParaRPr>
+                    </a:p>
+                  </a:txBody>
+                  <a:tcPr marL="63500" marR="63500" marT="63500" marB="63500"/>
+                </a:tc>
+                <a:tc>
+                  <a:txBody>
+                    <a:bodyPr/>
+                    <a:lstStyle/>
+                    <a:p>
+                      <a:pPr algn="just">
+                        <a:spcAft>
+                          <a:spcPts val="0"/>
+                        </a:spcAft>
+                      </a:pPr>
+                      <a:r>
+                        <a:rPr lang="es-BO" sz="1600">
+                          <a:effectLst/>
+                        </a:rPr>
+                        <a:t>A</a:t>
+                      </a:r>
+                      <a:endParaRPr lang="en-GB" sz="1600">
+                        <a:effectLst/>
+                        <a:latin typeface="Times New Roman" panose="02020603050405020304" pitchFamily="18" charset="0"/>
+                        <a:ea typeface="Times New Roman" panose="02020603050405020304" pitchFamily="18" charset="0"/>
+                        <a:cs typeface="Times New Roman" panose="02020603050405020304" pitchFamily="18" charset="0"/>
+                      </a:endParaRPr>
+                    </a:p>
+                  </a:txBody>
+                  <a:tcPr marL="63500" marR="63500" marT="63500" marB="63500"/>
+                </a:tc>
+                <a:tc>
+                  <a:txBody>
+                    <a:bodyPr/>
+                    <a:lstStyle/>
+                    <a:p>
+                      <a:pPr algn="just">
+                        <a:spcAft>
+                          <a:spcPts val="0"/>
+                        </a:spcAft>
+                      </a:pPr>
+                      <a:r>
+                        <a:rPr lang="es-BO" sz="1600">
+                          <a:effectLst/>
+                        </a:rPr>
+                        <a:t>Recibir productos</a:t>
+                      </a:r>
+                      <a:endParaRPr lang="en-GB" sz="1600">
+                        <a:effectLst/>
+                        <a:latin typeface="Times New Roman" panose="02020603050405020304" pitchFamily="18" charset="0"/>
+                        <a:ea typeface="Times New Roman" panose="02020603050405020304" pitchFamily="18" charset="0"/>
+                        <a:cs typeface="Times New Roman" panose="02020603050405020304" pitchFamily="18" charset="0"/>
+                      </a:endParaRPr>
+                    </a:p>
+                  </a:txBody>
+                  <a:tcPr marL="63500" marR="63500" marT="63500" marB="63500"/>
+                </a:tc>
+                <a:tc>
+                  <a:txBody>
+                    <a:bodyPr/>
+                    <a:lstStyle/>
+                    <a:p>
+                      <a:pPr algn="just">
+                        <a:spcAft>
+                          <a:spcPts val="0"/>
+                        </a:spcAft>
+                      </a:pPr>
+                      <a:r>
+                        <a:rPr lang="es-BO" sz="1600">
+                          <a:effectLst/>
+                        </a:rPr>
+                        <a:t>7 </a:t>
+                      </a:r>
+                      <a:endParaRPr lang="en-GB" sz="1600">
+                        <a:effectLst/>
+                        <a:latin typeface="Times New Roman" panose="02020603050405020304" pitchFamily="18" charset="0"/>
+                        <a:ea typeface="Times New Roman" panose="02020603050405020304" pitchFamily="18" charset="0"/>
+                        <a:cs typeface="Times New Roman" panose="02020603050405020304" pitchFamily="18" charset="0"/>
+                      </a:endParaRPr>
+                    </a:p>
+                  </a:txBody>
+                  <a:tcPr marL="63500" marR="63500" marT="63500" marB="63500"/>
+                </a:tc>
+                <a:tc>
+                  <a:txBody>
+                    <a:bodyPr/>
+                    <a:lstStyle/>
+                    <a:p>
+                      <a:pPr algn="just">
+                        <a:spcAft>
+                          <a:spcPts val="0"/>
+                        </a:spcAft>
+                      </a:pPr>
+                      <a:r>
+                        <a:rPr lang="es-BO" sz="1600">
+                          <a:effectLst/>
+                        </a:rPr>
+                        <a:t>5</a:t>
+                      </a:r>
+                      <a:endParaRPr lang="en-GB" sz="1600">
+                        <a:effectLst/>
+                        <a:latin typeface="Times New Roman" panose="02020603050405020304" pitchFamily="18" charset="0"/>
+                        <a:ea typeface="Times New Roman" panose="02020603050405020304" pitchFamily="18" charset="0"/>
+                        <a:cs typeface="Times New Roman" panose="02020603050405020304" pitchFamily="18" charset="0"/>
+                      </a:endParaRPr>
+                    </a:p>
+                  </a:txBody>
+                  <a:tcPr marL="63500" marR="63500" marT="63500" marB="63500"/>
+                </a:tc>
+                <a:extLst>
+                  <a:ext uri="{0D108BD9-81ED-4DB2-BD59-A6C34878D82A}">
+                    <a16:rowId xmlns:a16="http://schemas.microsoft.com/office/drawing/2014/main" val="2055431274"/>
+                  </a:ext>
+                </a:extLst>
+              </a:tr>
+              <a:tr h="392660">
+                <a:tc>
+                  <a:txBody>
+                    <a:bodyPr/>
+                    <a:lstStyle/>
+                    <a:p>
+                      <a:pPr algn="just">
+                        <a:spcAft>
+                          <a:spcPts val="0"/>
+                        </a:spcAft>
+                      </a:pPr>
+                      <a:r>
+                        <a:rPr lang="es-BO" sz="1600">
+                          <a:effectLst/>
+                        </a:rPr>
+                        <a:t>C</a:t>
+                      </a:r>
+                      <a:endParaRPr lang="en-GB" sz="1600">
+                        <a:effectLst/>
+                        <a:latin typeface="Times New Roman" panose="02020603050405020304" pitchFamily="18" charset="0"/>
+                        <a:ea typeface="Times New Roman" panose="02020603050405020304" pitchFamily="18" charset="0"/>
+                        <a:cs typeface="Times New Roman" panose="02020603050405020304" pitchFamily="18" charset="0"/>
+                      </a:endParaRPr>
+                    </a:p>
+                  </a:txBody>
+                  <a:tcPr marL="63500" marR="63500" marT="63500" marB="63500"/>
+                </a:tc>
+                <a:tc>
+                  <a:txBody>
+                    <a:bodyPr/>
+                    <a:lstStyle/>
+                    <a:p>
+                      <a:pPr algn="just">
+                        <a:spcAft>
+                          <a:spcPts val="0"/>
+                        </a:spcAft>
+                      </a:pPr>
+                      <a:r>
+                        <a:rPr lang="es-BO" sz="1600">
+                          <a:effectLst/>
+                        </a:rPr>
+                        <a:t>B</a:t>
+                      </a:r>
+                      <a:endParaRPr lang="en-GB" sz="1600">
+                        <a:effectLst/>
+                        <a:latin typeface="Times New Roman" panose="02020603050405020304" pitchFamily="18" charset="0"/>
+                        <a:ea typeface="Times New Roman" panose="02020603050405020304" pitchFamily="18" charset="0"/>
+                        <a:cs typeface="Times New Roman" panose="02020603050405020304" pitchFamily="18" charset="0"/>
+                      </a:endParaRPr>
+                    </a:p>
+                  </a:txBody>
+                  <a:tcPr marL="63500" marR="63500" marT="63500" marB="63500"/>
+                </a:tc>
+                <a:tc>
+                  <a:txBody>
+                    <a:bodyPr/>
+                    <a:lstStyle/>
+                    <a:p>
+                      <a:pPr algn="just">
+                        <a:spcAft>
+                          <a:spcPts val="0"/>
+                        </a:spcAft>
+                      </a:pPr>
+                      <a:r>
+                        <a:rPr lang="es-BO" sz="1600" dirty="0">
+                          <a:effectLst/>
+                        </a:rPr>
+                        <a:t>Confirmar compra</a:t>
+                      </a:r>
+                      <a:endParaRPr lang="en-GB" sz="1600" dirty="0">
+                        <a:effectLst/>
+                        <a:latin typeface="Times New Roman" panose="02020603050405020304" pitchFamily="18" charset="0"/>
+                        <a:ea typeface="Times New Roman" panose="02020603050405020304" pitchFamily="18" charset="0"/>
+                        <a:cs typeface="Times New Roman" panose="02020603050405020304" pitchFamily="18" charset="0"/>
+                      </a:endParaRPr>
+                    </a:p>
+                  </a:txBody>
+                  <a:tcPr marL="63500" marR="63500" marT="63500" marB="63500"/>
+                </a:tc>
+                <a:tc>
+                  <a:txBody>
+                    <a:bodyPr/>
+                    <a:lstStyle/>
+                    <a:p>
+                      <a:pPr algn="just">
+                        <a:spcAft>
+                          <a:spcPts val="0"/>
+                        </a:spcAft>
+                      </a:pPr>
+                      <a:r>
+                        <a:rPr lang="es-BO" sz="1600">
+                          <a:effectLst/>
+                        </a:rPr>
+                        <a:t>1 </a:t>
+                      </a:r>
+                      <a:endParaRPr lang="en-GB" sz="1600">
+                        <a:effectLst/>
+                        <a:latin typeface="Times New Roman" panose="02020603050405020304" pitchFamily="18" charset="0"/>
+                        <a:ea typeface="Times New Roman" panose="02020603050405020304" pitchFamily="18" charset="0"/>
+                        <a:cs typeface="Times New Roman" panose="02020603050405020304" pitchFamily="18" charset="0"/>
+                      </a:endParaRPr>
+                    </a:p>
+                  </a:txBody>
+                  <a:tcPr marL="63500" marR="63500" marT="63500" marB="63500"/>
+                </a:tc>
+                <a:tc>
+                  <a:txBody>
+                    <a:bodyPr/>
+                    <a:lstStyle/>
+                    <a:p>
+                      <a:pPr algn="just">
+                        <a:spcAft>
+                          <a:spcPts val="0"/>
+                        </a:spcAft>
+                      </a:pPr>
+                      <a:r>
+                        <a:rPr lang="es-BO" sz="1600">
+                          <a:effectLst/>
+                        </a:rPr>
+                        <a:t>1</a:t>
+                      </a:r>
+                      <a:endParaRPr lang="en-GB" sz="1600">
+                        <a:effectLst/>
+                        <a:latin typeface="Times New Roman" panose="02020603050405020304" pitchFamily="18" charset="0"/>
+                        <a:ea typeface="Times New Roman" panose="02020603050405020304" pitchFamily="18" charset="0"/>
+                        <a:cs typeface="Times New Roman" panose="02020603050405020304" pitchFamily="18" charset="0"/>
+                      </a:endParaRPr>
+                    </a:p>
+                  </a:txBody>
+                  <a:tcPr marL="63500" marR="63500" marT="63500" marB="63500"/>
+                </a:tc>
+                <a:extLst>
+                  <a:ext uri="{0D108BD9-81ED-4DB2-BD59-A6C34878D82A}">
+                    <a16:rowId xmlns:a16="http://schemas.microsoft.com/office/drawing/2014/main" val="1721901123"/>
+                  </a:ext>
+                </a:extLst>
+              </a:tr>
+              <a:tr h="392660">
+                <a:tc>
+                  <a:txBody>
+                    <a:bodyPr/>
+                    <a:lstStyle/>
+                    <a:p>
+                      <a:pPr algn="just">
+                        <a:spcAft>
+                          <a:spcPts val="0"/>
+                        </a:spcAft>
+                      </a:pPr>
+                      <a:r>
+                        <a:rPr lang="es-BO" sz="1600">
+                          <a:effectLst/>
+                        </a:rPr>
+                        <a:t>D</a:t>
+                      </a:r>
+                      <a:endParaRPr lang="en-GB" sz="1600">
+                        <a:effectLst/>
+                        <a:latin typeface="Times New Roman" panose="02020603050405020304" pitchFamily="18" charset="0"/>
+                        <a:ea typeface="Times New Roman" panose="02020603050405020304" pitchFamily="18" charset="0"/>
+                        <a:cs typeface="Times New Roman" panose="02020603050405020304" pitchFamily="18" charset="0"/>
+                      </a:endParaRPr>
+                    </a:p>
+                  </a:txBody>
+                  <a:tcPr marL="63500" marR="63500" marT="63500" marB="63500"/>
+                </a:tc>
+                <a:tc>
+                  <a:txBody>
+                    <a:bodyPr/>
+                    <a:lstStyle/>
+                    <a:p>
+                      <a:pPr algn="just">
+                        <a:spcAft>
+                          <a:spcPts val="0"/>
+                        </a:spcAft>
+                      </a:pPr>
+                      <a:r>
+                        <a:rPr lang="es-BO" sz="1600">
+                          <a:effectLst/>
+                        </a:rPr>
+                        <a:t>A</a:t>
+                      </a:r>
+                      <a:endParaRPr lang="en-GB" sz="1600">
+                        <a:effectLst/>
+                        <a:latin typeface="Times New Roman" panose="02020603050405020304" pitchFamily="18" charset="0"/>
+                        <a:ea typeface="Times New Roman" panose="02020603050405020304" pitchFamily="18" charset="0"/>
+                        <a:cs typeface="Times New Roman" panose="02020603050405020304" pitchFamily="18" charset="0"/>
+                      </a:endParaRPr>
+                    </a:p>
+                  </a:txBody>
+                  <a:tcPr marL="63500" marR="63500" marT="63500" marB="63500"/>
+                </a:tc>
+                <a:tc>
+                  <a:txBody>
+                    <a:bodyPr/>
+                    <a:lstStyle/>
+                    <a:p>
+                      <a:pPr algn="just">
+                        <a:spcAft>
+                          <a:spcPts val="0"/>
+                        </a:spcAft>
+                      </a:pPr>
+                      <a:r>
+                        <a:rPr lang="es-BO" sz="1600">
+                          <a:effectLst/>
+                        </a:rPr>
+                        <a:t>Solicitud de Venta</a:t>
+                      </a:r>
+                      <a:endParaRPr lang="en-GB" sz="1600">
+                        <a:effectLst/>
+                        <a:latin typeface="Times New Roman" panose="02020603050405020304" pitchFamily="18" charset="0"/>
+                        <a:ea typeface="Times New Roman" panose="02020603050405020304" pitchFamily="18" charset="0"/>
+                        <a:cs typeface="Times New Roman" panose="02020603050405020304" pitchFamily="18" charset="0"/>
+                      </a:endParaRPr>
+                    </a:p>
+                  </a:txBody>
+                  <a:tcPr marL="63500" marR="63500" marT="63500" marB="63500"/>
+                </a:tc>
+                <a:tc>
+                  <a:txBody>
+                    <a:bodyPr/>
+                    <a:lstStyle/>
+                    <a:p>
+                      <a:pPr algn="just">
+                        <a:spcAft>
+                          <a:spcPts val="0"/>
+                        </a:spcAft>
+                      </a:pPr>
+                      <a:r>
+                        <a:rPr lang="es-BO" sz="1600">
+                          <a:effectLst/>
+                        </a:rPr>
+                        <a:t>1 </a:t>
+                      </a:r>
+                      <a:endParaRPr lang="en-GB" sz="1600">
+                        <a:effectLst/>
+                        <a:latin typeface="Times New Roman" panose="02020603050405020304" pitchFamily="18" charset="0"/>
+                        <a:ea typeface="Times New Roman" panose="02020603050405020304" pitchFamily="18" charset="0"/>
+                        <a:cs typeface="Times New Roman" panose="02020603050405020304" pitchFamily="18" charset="0"/>
+                      </a:endParaRPr>
+                    </a:p>
+                  </a:txBody>
+                  <a:tcPr marL="63500" marR="63500" marT="63500" marB="63500"/>
+                </a:tc>
+                <a:tc>
+                  <a:txBody>
+                    <a:bodyPr/>
+                    <a:lstStyle/>
+                    <a:p>
+                      <a:pPr algn="just">
+                        <a:spcAft>
+                          <a:spcPts val="0"/>
+                        </a:spcAft>
+                      </a:pPr>
+                      <a:r>
+                        <a:rPr lang="es-BO" sz="1600">
+                          <a:effectLst/>
+                        </a:rPr>
+                        <a:t>0.5 </a:t>
+                      </a:r>
+                      <a:endParaRPr lang="en-GB" sz="1600">
+                        <a:effectLst/>
+                        <a:latin typeface="Times New Roman" panose="02020603050405020304" pitchFamily="18" charset="0"/>
+                        <a:ea typeface="Times New Roman" panose="02020603050405020304" pitchFamily="18" charset="0"/>
+                        <a:cs typeface="Times New Roman" panose="02020603050405020304" pitchFamily="18" charset="0"/>
+                      </a:endParaRPr>
+                    </a:p>
+                  </a:txBody>
+                  <a:tcPr marL="63500" marR="63500" marT="63500" marB="63500"/>
+                </a:tc>
+                <a:extLst>
+                  <a:ext uri="{0D108BD9-81ED-4DB2-BD59-A6C34878D82A}">
+                    <a16:rowId xmlns:a16="http://schemas.microsoft.com/office/drawing/2014/main" val="766200523"/>
+                  </a:ext>
+                </a:extLst>
+              </a:tr>
+              <a:tr h="392660">
+                <a:tc>
+                  <a:txBody>
+                    <a:bodyPr/>
+                    <a:lstStyle/>
+                    <a:p>
+                      <a:pPr algn="just">
+                        <a:spcAft>
+                          <a:spcPts val="0"/>
+                        </a:spcAft>
+                      </a:pPr>
+                      <a:r>
+                        <a:rPr lang="es-BO" sz="1600">
+                          <a:effectLst/>
+                        </a:rPr>
+                        <a:t>E</a:t>
+                      </a:r>
+                      <a:endParaRPr lang="en-GB" sz="1600">
+                        <a:effectLst/>
+                        <a:latin typeface="Times New Roman" panose="02020603050405020304" pitchFamily="18" charset="0"/>
+                        <a:ea typeface="Times New Roman" panose="02020603050405020304" pitchFamily="18" charset="0"/>
+                        <a:cs typeface="Times New Roman" panose="02020603050405020304" pitchFamily="18" charset="0"/>
+                      </a:endParaRPr>
+                    </a:p>
+                  </a:txBody>
+                  <a:tcPr marL="63500" marR="63500" marT="63500" marB="63500"/>
+                </a:tc>
+                <a:tc>
+                  <a:txBody>
+                    <a:bodyPr/>
+                    <a:lstStyle/>
+                    <a:p>
+                      <a:pPr algn="just">
+                        <a:spcAft>
+                          <a:spcPts val="0"/>
+                        </a:spcAft>
+                      </a:pPr>
+                      <a:r>
+                        <a:rPr lang="es-BO" sz="1600">
+                          <a:effectLst/>
+                        </a:rPr>
+                        <a:t>D</a:t>
+                      </a:r>
+                      <a:endParaRPr lang="en-GB" sz="1600">
+                        <a:effectLst/>
+                        <a:latin typeface="Times New Roman" panose="02020603050405020304" pitchFamily="18" charset="0"/>
+                        <a:ea typeface="Times New Roman" panose="02020603050405020304" pitchFamily="18" charset="0"/>
+                        <a:cs typeface="Times New Roman" panose="02020603050405020304" pitchFamily="18" charset="0"/>
+                      </a:endParaRPr>
+                    </a:p>
+                  </a:txBody>
+                  <a:tcPr marL="63500" marR="63500" marT="63500" marB="63500"/>
+                </a:tc>
+                <a:tc>
+                  <a:txBody>
+                    <a:bodyPr/>
+                    <a:lstStyle/>
+                    <a:p>
+                      <a:pPr algn="just">
+                        <a:spcAft>
+                          <a:spcPts val="0"/>
+                        </a:spcAft>
+                      </a:pPr>
+                      <a:r>
+                        <a:rPr lang="es-BO" sz="1600">
+                          <a:effectLst/>
+                        </a:rPr>
+                        <a:t>Revisiones de Stock</a:t>
+                      </a:r>
+                      <a:endParaRPr lang="en-GB" sz="1600">
+                        <a:effectLst/>
+                        <a:latin typeface="Times New Roman" panose="02020603050405020304" pitchFamily="18" charset="0"/>
+                        <a:ea typeface="Times New Roman" panose="02020603050405020304" pitchFamily="18" charset="0"/>
+                        <a:cs typeface="Times New Roman" panose="02020603050405020304" pitchFamily="18" charset="0"/>
+                      </a:endParaRPr>
+                    </a:p>
+                  </a:txBody>
+                  <a:tcPr marL="63500" marR="63500" marT="63500" marB="63500"/>
+                </a:tc>
+                <a:tc>
+                  <a:txBody>
+                    <a:bodyPr/>
+                    <a:lstStyle/>
+                    <a:p>
+                      <a:pPr algn="just">
+                        <a:spcAft>
+                          <a:spcPts val="0"/>
+                        </a:spcAft>
+                      </a:pPr>
+                      <a:r>
+                        <a:rPr lang="es-BO" sz="1600">
+                          <a:effectLst/>
+                        </a:rPr>
+                        <a:t>5 </a:t>
+                      </a:r>
+                      <a:endParaRPr lang="en-GB" sz="1600">
+                        <a:effectLst/>
+                        <a:latin typeface="Times New Roman" panose="02020603050405020304" pitchFamily="18" charset="0"/>
+                        <a:ea typeface="Times New Roman" panose="02020603050405020304" pitchFamily="18" charset="0"/>
+                        <a:cs typeface="Times New Roman" panose="02020603050405020304" pitchFamily="18" charset="0"/>
+                      </a:endParaRPr>
+                    </a:p>
+                  </a:txBody>
+                  <a:tcPr marL="63500" marR="63500" marT="63500" marB="63500"/>
+                </a:tc>
+                <a:tc>
+                  <a:txBody>
+                    <a:bodyPr/>
+                    <a:lstStyle/>
+                    <a:p>
+                      <a:pPr algn="just">
+                        <a:spcAft>
+                          <a:spcPts val="0"/>
+                        </a:spcAft>
+                      </a:pPr>
+                      <a:r>
+                        <a:rPr lang="es-BO" sz="1600">
+                          <a:effectLst/>
+                        </a:rPr>
+                        <a:t>0</a:t>
+                      </a:r>
+                      <a:endParaRPr lang="en-GB" sz="1600">
+                        <a:effectLst/>
+                        <a:latin typeface="Times New Roman" panose="02020603050405020304" pitchFamily="18" charset="0"/>
+                        <a:ea typeface="Times New Roman" panose="02020603050405020304" pitchFamily="18" charset="0"/>
+                        <a:cs typeface="Times New Roman" panose="02020603050405020304" pitchFamily="18" charset="0"/>
+                      </a:endParaRPr>
+                    </a:p>
+                  </a:txBody>
+                  <a:tcPr marL="63500" marR="63500" marT="63500" marB="63500"/>
+                </a:tc>
+                <a:extLst>
+                  <a:ext uri="{0D108BD9-81ED-4DB2-BD59-A6C34878D82A}">
+                    <a16:rowId xmlns:a16="http://schemas.microsoft.com/office/drawing/2014/main" val="1172536023"/>
+                  </a:ext>
+                </a:extLst>
+              </a:tr>
+              <a:tr h="392660">
+                <a:tc>
+                  <a:txBody>
+                    <a:bodyPr/>
+                    <a:lstStyle/>
+                    <a:p>
+                      <a:pPr algn="just">
+                        <a:spcAft>
+                          <a:spcPts val="0"/>
+                        </a:spcAft>
+                      </a:pPr>
+                      <a:r>
+                        <a:rPr lang="es-BO" sz="1600">
+                          <a:effectLst/>
+                        </a:rPr>
+                        <a:t>F</a:t>
+                      </a:r>
+                      <a:endParaRPr lang="en-GB" sz="1600">
+                        <a:effectLst/>
+                        <a:latin typeface="Times New Roman" panose="02020603050405020304" pitchFamily="18" charset="0"/>
+                        <a:ea typeface="Times New Roman" panose="02020603050405020304" pitchFamily="18" charset="0"/>
+                        <a:cs typeface="Times New Roman" panose="02020603050405020304" pitchFamily="18" charset="0"/>
+                      </a:endParaRPr>
+                    </a:p>
+                  </a:txBody>
+                  <a:tcPr marL="63500" marR="63500" marT="63500" marB="63500"/>
+                </a:tc>
+                <a:tc>
+                  <a:txBody>
+                    <a:bodyPr/>
+                    <a:lstStyle/>
+                    <a:p>
+                      <a:pPr algn="just">
+                        <a:spcAft>
+                          <a:spcPts val="0"/>
+                        </a:spcAft>
+                      </a:pPr>
+                      <a:r>
+                        <a:rPr lang="es-BO" sz="1600">
+                          <a:effectLst/>
+                        </a:rPr>
+                        <a:t>E, C</a:t>
+                      </a:r>
+                      <a:endParaRPr lang="en-GB" sz="1600">
+                        <a:effectLst/>
+                        <a:latin typeface="Times New Roman" panose="02020603050405020304" pitchFamily="18" charset="0"/>
+                        <a:ea typeface="Times New Roman" panose="02020603050405020304" pitchFamily="18" charset="0"/>
+                        <a:cs typeface="Times New Roman" panose="02020603050405020304" pitchFamily="18" charset="0"/>
+                      </a:endParaRPr>
+                    </a:p>
+                  </a:txBody>
+                  <a:tcPr marL="63500" marR="63500" marT="63500" marB="63500"/>
+                </a:tc>
+                <a:tc>
+                  <a:txBody>
+                    <a:bodyPr/>
+                    <a:lstStyle/>
+                    <a:p>
+                      <a:pPr algn="just">
+                        <a:spcAft>
+                          <a:spcPts val="0"/>
+                        </a:spcAft>
+                      </a:pPr>
+                      <a:r>
+                        <a:rPr lang="es-BO" sz="1600">
+                          <a:effectLst/>
+                        </a:rPr>
+                        <a:t>Confirmar Venta</a:t>
+                      </a:r>
+                      <a:endParaRPr lang="en-GB" sz="1600">
+                        <a:effectLst/>
+                        <a:latin typeface="Times New Roman" panose="02020603050405020304" pitchFamily="18" charset="0"/>
+                        <a:ea typeface="Times New Roman" panose="02020603050405020304" pitchFamily="18" charset="0"/>
+                        <a:cs typeface="Times New Roman" panose="02020603050405020304" pitchFamily="18" charset="0"/>
+                      </a:endParaRPr>
+                    </a:p>
+                  </a:txBody>
+                  <a:tcPr marL="63500" marR="63500" marT="63500" marB="63500"/>
+                </a:tc>
+                <a:tc>
+                  <a:txBody>
+                    <a:bodyPr/>
+                    <a:lstStyle/>
+                    <a:p>
+                      <a:pPr algn="just">
+                        <a:spcAft>
+                          <a:spcPts val="0"/>
+                        </a:spcAft>
+                      </a:pPr>
+                      <a:r>
+                        <a:rPr lang="es-BO" sz="1600">
+                          <a:effectLst/>
+                        </a:rPr>
+                        <a:t>2 </a:t>
+                      </a:r>
+                      <a:endParaRPr lang="en-GB" sz="1600">
+                        <a:effectLst/>
+                        <a:latin typeface="Times New Roman" panose="02020603050405020304" pitchFamily="18" charset="0"/>
+                        <a:ea typeface="Times New Roman" panose="02020603050405020304" pitchFamily="18" charset="0"/>
+                        <a:cs typeface="Times New Roman" panose="02020603050405020304" pitchFamily="18" charset="0"/>
+                      </a:endParaRPr>
+                    </a:p>
+                  </a:txBody>
+                  <a:tcPr marL="63500" marR="63500" marT="63500" marB="63500"/>
+                </a:tc>
+                <a:tc>
+                  <a:txBody>
+                    <a:bodyPr/>
+                    <a:lstStyle/>
+                    <a:p>
+                      <a:pPr algn="just">
+                        <a:spcAft>
+                          <a:spcPts val="0"/>
+                        </a:spcAft>
+                      </a:pPr>
+                      <a:r>
+                        <a:rPr lang="es-BO" sz="1600">
+                          <a:effectLst/>
+                        </a:rPr>
+                        <a:t>0.5 </a:t>
+                      </a:r>
+                      <a:endParaRPr lang="en-GB" sz="1600">
+                        <a:effectLst/>
+                        <a:latin typeface="Times New Roman" panose="02020603050405020304" pitchFamily="18" charset="0"/>
+                        <a:ea typeface="Times New Roman" panose="02020603050405020304" pitchFamily="18" charset="0"/>
+                        <a:cs typeface="Times New Roman" panose="02020603050405020304" pitchFamily="18" charset="0"/>
+                      </a:endParaRPr>
+                    </a:p>
+                  </a:txBody>
+                  <a:tcPr marL="63500" marR="63500" marT="63500" marB="63500"/>
+                </a:tc>
+                <a:extLst>
+                  <a:ext uri="{0D108BD9-81ED-4DB2-BD59-A6C34878D82A}">
+                    <a16:rowId xmlns:a16="http://schemas.microsoft.com/office/drawing/2014/main" val="3576951477"/>
+                  </a:ext>
+                </a:extLst>
+              </a:tr>
+              <a:tr h="392660">
+                <a:tc>
+                  <a:txBody>
+                    <a:bodyPr/>
+                    <a:lstStyle/>
+                    <a:p>
+                      <a:pPr algn="just">
+                        <a:spcAft>
+                          <a:spcPts val="0"/>
+                        </a:spcAft>
+                      </a:pPr>
+                      <a:r>
+                        <a:rPr lang="es-BO" sz="1600">
+                          <a:effectLst/>
+                        </a:rPr>
+                        <a:t>G</a:t>
+                      </a:r>
+                      <a:endParaRPr lang="en-GB" sz="1600">
+                        <a:effectLst/>
+                        <a:latin typeface="Times New Roman" panose="02020603050405020304" pitchFamily="18" charset="0"/>
+                        <a:ea typeface="Times New Roman" panose="02020603050405020304" pitchFamily="18" charset="0"/>
+                        <a:cs typeface="Times New Roman" panose="02020603050405020304" pitchFamily="18" charset="0"/>
+                      </a:endParaRPr>
+                    </a:p>
+                  </a:txBody>
+                  <a:tcPr marL="63500" marR="63500" marT="63500" marB="63500"/>
+                </a:tc>
+                <a:tc>
+                  <a:txBody>
+                    <a:bodyPr/>
+                    <a:lstStyle/>
+                    <a:p>
+                      <a:pPr algn="just">
+                        <a:spcAft>
+                          <a:spcPts val="0"/>
+                        </a:spcAft>
+                      </a:pPr>
+                      <a:r>
+                        <a:rPr lang="es-BO" sz="1600">
+                          <a:effectLst/>
+                        </a:rPr>
+                        <a:t>G</a:t>
+                      </a:r>
+                      <a:endParaRPr lang="en-GB" sz="1600">
+                        <a:effectLst/>
+                        <a:latin typeface="Times New Roman" panose="02020603050405020304" pitchFamily="18" charset="0"/>
+                        <a:ea typeface="Times New Roman" panose="02020603050405020304" pitchFamily="18" charset="0"/>
+                        <a:cs typeface="Times New Roman" panose="02020603050405020304" pitchFamily="18" charset="0"/>
+                      </a:endParaRPr>
+                    </a:p>
+                  </a:txBody>
+                  <a:tcPr marL="63500" marR="63500" marT="63500" marB="63500"/>
+                </a:tc>
+                <a:tc>
+                  <a:txBody>
+                    <a:bodyPr/>
+                    <a:lstStyle/>
+                    <a:p>
+                      <a:pPr algn="just">
+                        <a:spcAft>
+                          <a:spcPts val="0"/>
+                        </a:spcAft>
+                      </a:pPr>
+                      <a:r>
+                        <a:rPr lang="es-BO" sz="1600">
+                          <a:effectLst/>
+                        </a:rPr>
+                        <a:t>Entrega de Productos</a:t>
+                      </a:r>
+                      <a:endParaRPr lang="en-GB" sz="1600">
+                        <a:effectLst/>
+                        <a:latin typeface="Times New Roman" panose="02020603050405020304" pitchFamily="18" charset="0"/>
+                        <a:ea typeface="Times New Roman" panose="02020603050405020304" pitchFamily="18" charset="0"/>
+                        <a:cs typeface="Times New Roman" panose="02020603050405020304" pitchFamily="18" charset="0"/>
+                      </a:endParaRPr>
+                    </a:p>
+                  </a:txBody>
+                  <a:tcPr marL="63500" marR="63500" marT="63500" marB="63500"/>
+                </a:tc>
+                <a:tc>
+                  <a:txBody>
+                    <a:bodyPr/>
+                    <a:lstStyle/>
+                    <a:p>
+                      <a:pPr algn="just">
+                        <a:spcAft>
+                          <a:spcPts val="0"/>
+                        </a:spcAft>
+                      </a:pPr>
+                      <a:r>
+                        <a:rPr lang="es-BO" sz="1600">
+                          <a:effectLst/>
+                        </a:rPr>
+                        <a:t>5 </a:t>
+                      </a:r>
+                      <a:endParaRPr lang="en-GB" sz="1600">
+                        <a:effectLst/>
+                        <a:latin typeface="Times New Roman" panose="02020603050405020304" pitchFamily="18" charset="0"/>
+                        <a:ea typeface="Times New Roman" panose="02020603050405020304" pitchFamily="18" charset="0"/>
+                        <a:cs typeface="Times New Roman" panose="02020603050405020304" pitchFamily="18" charset="0"/>
+                      </a:endParaRPr>
+                    </a:p>
+                  </a:txBody>
+                  <a:tcPr marL="63500" marR="63500" marT="63500" marB="63500"/>
+                </a:tc>
+                <a:tc>
+                  <a:txBody>
+                    <a:bodyPr/>
+                    <a:lstStyle/>
+                    <a:p>
+                      <a:pPr algn="just">
+                        <a:spcAft>
+                          <a:spcPts val="0"/>
+                        </a:spcAft>
+                      </a:pPr>
+                      <a:r>
+                        <a:rPr lang="es-BO" sz="1600">
+                          <a:effectLst/>
+                        </a:rPr>
+                        <a:t>2</a:t>
+                      </a:r>
+                      <a:endParaRPr lang="en-GB" sz="1600">
+                        <a:effectLst/>
+                        <a:latin typeface="Times New Roman" panose="02020603050405020304" pitchFamily="18" charset="0"/>
+                        <a:ea typeface="Times New Roman" panose="02020603050405020304" pitchFamily="18" charset="0"/>
+                        <a:cs typeface="Times New Roman" panose="02020603050405020304" pitchFamily="18" charset="0"/>
+                      </a:endParaRPr>
+                    </a:p>
+                  </a:txBody>
+                  <a:tcPr marL="63500" marR="63500" marT="63500" marB="63500"/>
+                </a:tc>
+                <a:extLst>
+                  <a:ext uri="{0D108BD9-81ED-4DB2-BD59-A6C34878D82A}">
+                    <a16:rowId xmlns:a16="http://schemas.microsoft.com/office/drawing/2014/main" val="406492064"/>
+                  </a:ext>
+                </a:extLst>
+              </a:tr>
+              <a:tr h="392660">
+                <a:tc>
+                  <a:txBody>
+                    <a:bodyPr/>
+                    <a:lstStyle/>
+                    <a:p>
+                      <a:endParaRPr lang="en-GB" sz="1600">
+                        <a:effectLst/>
+                        <a:latin typeface="Times New Roman" panose="02020603050405020304" pitchFamily="18" charset="0"/>
+                      </a:endParaRPr>
+                    </a:p>
+                  </a:txBody>
+                  <a:tcPr marL="63500" marR="63500" marT="63500" marB="63500"/>
+                </a:tc>
+                <a:tc>
+                  <a:txBody>
+                    <a:bodyPr/>
+                    <a:lstStyle/>
+                    <a:p>
+                      <a:endParaRPr lang="en-GB" sz="1600">
+                        <a:effectLst/>
+                        <a:latin typeface="Times New Roman" panose="02020603050405020304" pitchFamily="18" charset="0"/>
+                      </a:endParaRPr>
+                    </a:p>
+                  </a:txBody>
+                  <a:tcPr marL="63500" marR="63500" marT="63500" marB="63500"/>
+                </a:tc>
+                <a:tc>
+                  <a:txBody>
+                    <a:bodyPr/>
+                    <a:lstStyle/>
+                    <a:p>
+                      <a:pPr algn="just">
+                        <a:spcAft>
+                          <a:spcPts val="0"/>
+                        </a:spcAft>
+                      </a:pPr>
+                      <a:r>
+                        <a:rPr lang="es-BO" sz="1600" dirty="0">
+                          <a:effectLst/>
+                        </a:rPr>
+                        <a:t>Total</a:t>
+                      </a:r>
+                      <a:endParaRPr lang="en-GB" sz="1600" dirty="0">
+                        <a:effectLst/>
+                        <a:latin typeface="Times New Roman" panose="02020603050405020304" pitchFamily="18" charset="0"/>
+                        <a:ea typeface="Times New Roman" panose="02020603050405020304" pitchFamily="18" charset="0"/>
+                        <a:cs typeface="Times New Roman" panose="02020603050405020304" pitchFamily="18" charset="0"/>
+                      </a:endParaRPr>
+                    </a:p>
+                  </a:txBody>
+                  <a:tcPr marL="63500" marR="63500" marT="63500" marB="63500"/>
+                </a:tc>
+                <a:tc>
+                  <a:txBody>
+                    <a:bodyPr/>
+                    <a:lstStyle/>
+                    <a:p>
+                      <a:pPr algn="just">
+                        <a:spcAft>
+                          <a:spcPts val="0"/>
+                        </a:spcAft>
+                      </a:pPr>
+                      <a:r>
+                        <a:rPr lang="es-BO" sz="1600">
+                          <a:effectLst/>
+                        </a:rPr>
+                        <a:t>24 días</a:t>
+                      </a:r>
+                      <a:endParaRPr lang="en-GB" sz="1600">
+                        <a:effectLst/>
+                        <a:latin typeface="Times New Roman" panose="02020603050405020304" pitchFamily="18" charset="0"/>
+                        <a:ea typeface="Times New Roman" panose="02020603050405020304" pitchFamily="18" charset="0"/>
+                        <a:cs typeface="Times New Roman" panose="02020603050405020304" pitchFamily="18" charset="0"/>
+                      </a:endParaRPr>
+                    </a:p>
+                  </a:txBody>
+                  <a:tcPr marL="63500" marR="63500" marT="63500" marB="63500"/>
+                </a:tc>
+                <a:tc>
+                  <a:txBody>
+                    <a:bodyPr/>
+                    <a:lstStyle/>
+                    <a:p>
+                      <a:pPr algn="just">
+                        <a:spcAft>
+                          <a:spcPts val="0"/>
+                        </a:spcAft>
+                      </a:pPr>
+                      <a:r>
+                        <a:rPr lang="es-BO" sz="1600" dirty="0">
+                          <a:effectLst/>
+                        </a:rPr>
+                        <a:t>10 días</a:t>
+                      </a:r>
+                      <a:endParaRPr lang="en-GB" sz="1600" dirty="0">
+                        <a:effectLst/>
+                        <a:latin typeface="Times New Roman" panose="02020603050405020304" pitchFamily="18" charset="0"/>
+                        <a:ea typeface="Times New Roman" panose="02020603050405020304" pitchFamily="18" charset="0"/>
+                        <a:cs typeface="Times New Roman" panose="02020603050405020304" pitchFamily="18" charset="0"/>
+                      </a:endParaRPr>
+                    </a:p>
+                  </a:txBody>
+                  <a:tcPr marL="63500" marR="63500" marT="63500" marB="63500"/>
+                </a:tc>
+                <a:extLst>
+                  <a:ext uri="{0D108BD9-81ED-4DB2-BD59-A6C34878D82A}">
+                    <a16:rowId xmlns:a16="http://schemas.microsoft.com/office/drawing/2014/main" val="3076130431"/>
+                  </a:ext>
+                </a:extLst>
+              </a:tr>
+            </a:tbl>
+          </a:graphicData>
+        </a:graphic>
+      </p:graphicFrame>
+    </p:spTree>
+    <p:extLst>
+      <p:ext uri="{BB962C8B-B14F-4D97-AF65-F5344CB8AC3E}">
+        <p14:creationId xmlns:p14="http://schemas.microsoft.com/office/powerpoint/2010/main" val="1392280217"/>
+      </p:ext>
+    </p:extLst>
+  </p:cSld>
+  <p:clrMapOvr>
+    <a:masterClrMapping/>
+  </p:clrMapOvr>
+</p:sld>
+</file>
+
+<file path=ppt/slides/slide6.xml><?xml version="1.0" encoding="utf-8"?>
+<p:sld xmlns:a="http://schemas.openxmlformats.org/drawingml/2006/main" xmlns:r="http://schemas.openxmlformats.org/officeDocument/2006/relationships" xmlns:p="http://schemas.openxmlformats.org/presentationml/2006/main">
+  <p:cSld>
+    <p:spTree>
+      <p:nvGrpSpPr>
+        <p:cNvPr id="1" name=""/>
+        <p:cNvGrpSpPr/>
+        <p:nvPr/>
+      </p:nvGrpSpPr>
+      <p:grpSpPr>
+        <a:xfrm>
+          <a:off x="0" y="0"/>
+          <a:ext cx="0" cy="0"/>
+          <a:chOff x="0" y="0"/>
+          <a:chExt cx="0" cy="0"/>
+        </a:xfrm>
+      </p:grpSpPr>
+      <p:sp>
+        <p:nvSpPr>
+          <p:cNvPr id="2" name="Title 1">
+            <a:extLst>
+              <a:ext uri="{FF2B5EF4-FFF2-40B4-BE49-F238E27FC236}">
+                <a16:creationId xmlns:a16="http://schemas.microsoft.com/office/drawing/2014/main" id="{4BA99AEE-9336-41ED-9E55-FD34BD86D5F9}"/>
+              </a:ext>
+            </a:extLst>
+          </p:cNvPr>
+          <p:cNvSpPr>
+            <a:spLocks noGrp="1"/>
+          </p:cNvSpPr>
+          <p:nvPr>
+            <p:ph type="title"/>
+          </p:nvPr>
+        </p:nvSpPr>
+        <p:spPr/>
+        <p:txBody>
+          <a:bodyPr/>
+          <a:lstStyle/>
+          <a:p>
+            <a:r>
+              <a:rPr lang="es-BO" dirty="0"/>
+              <a:t>Diagrama de </a:t>
+            </a:r>
+            <a:r>
+              <a:rPr lang="es-BO" dirty="0" err="1"/>
+              <a:t>pert</a:t>
+            </a:r>
+            <a:endParaRPr lang="es-BO" dirty="0"/>
+          </a:p>
+        </p:txBody>
+      </p:sp>
+      <p:pic>
+        <p:nvPicPr>
+          <p:cNvPr id="4" name="Content Placeholder 3">
+            <a:extLst>
+              <a:ext uri="{FF2B5EF4-FFF2-40B4-BE49-F238E27FC236}">
+                <a16:creationId xmlns:a16="http://schemas.microsoft.com/office/drawing/2014/main" id="{9F806430-07CF-42CB-A7A1-DECCB6C3E37E}"/>
+              </a:ext>
+            </a:extLst>
+          </p:cNvPr>
+          <p:cNvPicPr>
+            <a:picLocks noGrp="1"/>
+          </p:cNvPicPr>
+          <p:nvPr>
+            <p:ph idx="1"/>
+          </p:nvPr>
+        </p:nvPicPr>
+        <p:blipFill rotWithShape="1">
+          <a:blip r:embed="rId2">
+            <a:extLst>
+              <a:ext uri="{28A0092B-C50C-407E-A947-70E740481C1C}">
+                <a14:useLocalDpi xmlns:a14="http://schemas.microsoft.com/office/drawing/2010/main" val="0"/>
+              </a:ext>
+            </a:extLst>
+          </a:blip>
+          <a:srcRect l="14930" t="39769" r="37847" b="29673"/>
+          <a:stretch/>
+        </p:blipFill>
+        <p:spPr bwMode="auto">
+          <a:xfrm>
+            <a:off x="2071663" y="1658144"/>
+            <a:ext cx="8419874" cy="4165140"/>
+          </a:xfrm>
+          <a:prstGeom prst="rect">
+            <a:avLst/>
+          </a:prstGeom>
+          <a:solidFill>
+            <a:schemeClr val="tx1"/>
+          </a:solidFill>
+          <a:ln>
+            <a:noFill/>
+          </a:ln>
+          <a:extLst>
+            <a:ext uri="{53640926-AAD7-44D8-BBD7-CCE9431645EC}">
+              <a14:shadowObscured xmlns:a14="http://schemas.microsoft.com/office/drawing/2010/main"/>
+            </a:ext>
+          </a:extLst>
+        </p:spPr>
+      </p:pic>
+    </p:spTree>
+    <p:extLst>
+      <p:ext uri="{BB962C8B-B14F-4D97-AF65-F5344CB8AC3E}">
+        <p14:creationId xmlns:p14="http://schemas.microsoft.com/office/powerpoint/2010/main" val="3930506805"/>
+      </p:ext>
+    </p:extLst>
+  </p:cSld>
+  <p:clrMapOvr>
+    <a:masterClrMapping/>
+  </p:clrMapOvr>
+</p:sld>
+</file>
+
+<file path=ppt/slides/slide7.xml><?xml version="1.0" encoding="utf-8"?>
+<p:sld xmlns:a="http://schemas.openxmlformats.org/drawingml/2006/main" xmlns:r="http://schemas.openxmlformats.org/officeDocument/2006/relationships" xmlns:p="http://schemas.openxmlformats.org/presentationml/2006/main">
+  <p:cSld>
+    <p:spTree>
+      <p:nvGrpSpPr>
+        <p:cNvPr id="1" name=""/>
+        <p:cNvGrpSpPr/>
+        <p:nvPr/>
+      </p:nvGrpSpPr>
+      <p:grpSpPr>
+        <a:xfrm>
+          <a:off x="0" y="0"/>
+          <a:ext cx="0" cy="0"/>
+          <a:chOff x="0" y="0"/>
+          <a:chExt cx="0" cy="0"/>
+        </a:xfrm>
+      </p:grpSpPr>
+      <p:sp>
+        <p:nvSpPr>
+          <p:cNvPr id="2" name="Title 1">
+            <a:extLst>
+              <a:ext uri="{FF2B5EF4-FFF2-40B4-BE49-F238E27FC236}">
+                <a16:creationId xmlns:a16="http://schemas.microsoft.com/office/drawing/2014/main" id="{08A5E543-1245-488C-9B87-EFFA756E7BE2}"/>
+              </a:ext>
+            </a:extLst>
+          </p:cNvPr>
+          <p:cNvSpPr>
+            <a:spLocks noGrp="1"/>
+          </p:cNvSpPr>
+          <p:nvPr>
+            <p:ph type="title"/>
+          </p:nvPr>
+        </p:nvSpPr>
+        <p:spPr>
+          <a:xfrm>
+            <a:off x="1141413" y="618518"/>
+            <a:ext cx="9905998" cy="1187422"/>
+          </a:xfrm>
+        </p:spPr>
+        <p:txBody>
+          <a:bodyPr/>
+          <a:lstStyle/>
+          <a:p>
+            <a:r>
+              <a:rPr lang="es-BO" dirty="0"/>
+              <a:t>Justificación </a:t>
+            </a:r>
+            <a:r>
+              <a:rPr lang="es-BO" dirty="0" err="1"/>
+              <a:t>Economica</a:t>
+            </a:r>
+            <a:r>
+              <a:rPr lang="es-BO" dirty="0"/>
+              <a:t> – Costo beneficio</a:t>
+            </a:r>
+          </a:p>
+        </p:txBody>
+      </p:sp>
+      <p:graphicFrame>
+        <p:nvGraphicFramePr>
+          <p:cNvPr id="12" name="Table 11">
+            <a:extLst>
+              <a:ext uri="{FF2B5EF4-FFF2-40B4-BE49-F238E27FC236}">
+                <a16:creationId xmlns:a16="http://schemas.microsoft.com/office/drawing/2014/main" id="{A0E893E8-B9A9-42CC-9239-D79D67B31F14}"/>
+              </a:ext>
+            </a:extLst>
+          </p:cNvPr>
+          <p:cNvGraphicFramePr>
+            <a:graphicFrameLocks noGrp="1"/>
+          </p:cNvGraphicFramePr>
+          <p:nvPr>
+            <p:extLst>
+              <p:ext uri="{D42A27DB-BD31-4B8C-83A1-F6EECF244321}">
+                <p14:modId xmlns:p14="http://schemas.microsoft.com/office/powerpoint/2010/main" val="4178758742"/>
+              </p:ext>
+            </p:extLst>
+          </p:nvPr>
+        </p:nvGraphicFramePr>
+        <p:xfrm>
+          <a:off x="1141409" y="2128254"/>
+          <a:ext cx="9906000" cy="1206128"/>
+        </p:xfrm>
+        <a:graphic>
+          <a:graphicData uri="http://schemas.openxmlformats.org/drawingml/2006/table">
+            <a:tbl>
+              <a:tblPr firstRow="1" firstCol="1" bandRow="1">
+                <a:tableStyleId>{5C22544A-7EE6-4342-B048-85BDC9FD1C3A}</a:tableStyleId>
+              </a:tblPr>
+              <a:tblGrid>
+                <a:gridCol w="4268355">
+                  <a:extLst>
+                    <a:ext uri="{9D8B030D-6E8A-4147-A177-3AD203B41FA5}">
+                      <a16:colId xmlns:a16="http://schemas.microsoft.com/office/drawing/2014/main" val="1873247983"/>
+                    </a:ext>
+                  </a:extLst>
+                </a:gridCol>
+                <a:gridCol w="1127529">
+                  <a:extLst>
+                    <a:ext uri="{9D8B030D-6E8A-4147-A177-3AD203B41FA5}">
+                      <a16:colId xmlns:a16="http://schemas.microsoft.com/office/drawing/2014/main" val="4175483973"/>
+                    </a:ext>
+                  </a:extLst>
+                </a:gridCol>
+                <a:gridCol w="1127529">
+                  <a:extLst>
+                    <a:ext uri="{9D8B030D-6E8A-4147-A177-3AD203B41FA5}">
+                      <a16:colId xmlns:a16="http://schemas.microsoft.com/office/drawing/2014/main" val="3299276045"/>
+                    </a:ext>
+                  </a:extLst>
+                </a:gridCol>
+                <a:gridCol w="1127529">
+                  <a:extLst>
+                    <a:ext uri="{9D8B030D-6E8A-4147-A177-3AD203B41FA5}">
+                      <a16:colId xmlns:a16="http://schemas.microsoft.com/office/drawing/2014/main" val="3546195018"/>
+                    </a:ext>
+                  </a:extLst>
+                </a:gridCol>
+                <a:gridCol w="1127529">
+                  <a:extLst>
+                    <a:ext uri="{9D8B030D-6E8A-4147-A177-3AD203B41FA5}">
+                      <a16:colId xmlns:a16="http://schemas.microsoft.com/office/drawing/2014/main" val="1875964995"/>
+                    </a:ext>
+                  </a:extLst>
+                </a:gridCol>
+                <a:gridCol w="1127529">
+                  <a:extLst>
+                    <a:ext uri="{9D8B030D-6E8A-4147-A177-3AD203B41FA5}">
+                      <a16:colId xmlns:a16="http://schemas.microsoft.com/office/drawing/2014/main" val="325933070"/>
+                    </a:ext>
+                  </a:extLst>
+                </a:gridCol>
+              </a:tblGrid>
+              <a:tr h="382614">
+                <a:tc>
+                  <a:txBody>
+                    <a:bodyPr/>
+                    <a:lstStyle/>
+                    <a:p>
+                      <a:pPr>
+                        <a:spcAft>
+                          <a:spcPts val="0"/>
+                        </a:spcAft>
+                      </a:pPr>
+                      <a:r>
+                        <a:rPr lang="es-BO" sz="1800">
+                          <a:effectLst/>
+                        </a:rPr>
+                        <a:t>Tabla Beneficios</a:t>
+                      </a:r>
+                      <a:endParaRPr lang="en-GB" sz="1800">
+                        <a:effectLst/>
+                        <a:latin typeface="Times New Roman" panose="02020603050405020304" pitchFamily="18" charset="0"/>
+                        <a:ea typeface="Times New Roman" panose="02020603050405020304" pitchFamily="18" charset="0"/>
+                        <a:cs typeface="Times New Roman" panose="02020603050405020304" pitchFamily="18" charset="0"/>
+                      </a:endParaRPr>
+                    </a:p>
+                  </a:txBody>
+                  <a:tcPr marL="63500" marR="63500" marT="63500" marB="63500"/>
+                </a:tc>
+                <a:tc>
+                  <a:txBody>
+                    <a:bodyPr/>
+                    <a:lstStyle/>
+                    <a:p>
+                      <a:pPr>
+                        <a:spcAft>
+                          <a:spcPts val="0"/>
+                        </a:spcAft>
+                      </a:pPr>
+                      <a:r>
+                        <a:rPr lang="es-BO" sz="1800">
+                          <a:effectLst/>
+                        </a:rPr>
+                        <a:t>Año 1</a:t>
+                      </a:r>
+                      <a:endParaRPr lang="en-GB" sz="1800">
+                        <a:effectLst/>
+                        <a:latin typeface="Times New Roman" panose="02020603050405020304" pitchFamily="18" charset="0"/>
+                        <a:ea typeface="Times New Roman" panose="02020603050405020304" pitchFamily="18" charset="0"/>
+                        <a:cs typeface="Times New Roman" panose="02020603050405020304" pitchFamily="18" charset="0"/>
+                      </a:endParaRPr>
+                    </a:p>
+                  </a:txBody>
+                  <a:tcPr marL="63500" marR="63500" marT="63500" marB="63500"/>
+                </a:tc>
+                <a:tc>
+                  <a:txBody>
+                    <a:bodyPr/>
+                    <a:lstStyle/>
+                    <a:p>
+                      <a:pPr>
+                        <a:spcAft>
+                          <a:spcPts val="0"/>
+                        </a:spcAft>
+                      </a:pPr>
+                      <a:r>
+                        <a:rPr lang="es-BO" sz="1800">
+                          <a:effectLst/>
+                        </a:rPr>
+                        <a:t>Año 2</a:t>
+                      </a:r>
+                      <a:endParaRPr lang="en-GB" sz="1800">
+                        <a:effectLst/>
+                        <a:latin typeface="Times New Roman" panose="02020603050405020304" pitchFamily="18" charset="0"/>
+                        <a:ea typeface="Times New Roman" panose="02020603050405020304" pitchFamily="18" charset="0"/>
+                        <a:cs typeface="Times New Roman" panose="02020603050405020304" pitchFamily="18" charset="0"/>
+                      </a:endParaRPr>
+                    </a:p>
+                  </a:txBody>
+                  <a:tcPr marL="63500" marR="63500" marT="63500" marB="63500"/>
+                </a:tc>
+                <a:tc>
+                  <a:txBody>
+                    <a:bodyPr/>
+                    <a:lstStyle/>
+                    <a:p>
+                      <a:pPr>
+                        <a:spcAft>
+                          <a:spcPts val="0"/>
+                        </a:spcAft>
+                      </a:pPr>
+                      <a:r>
+                        <a:rPr lang="es-BO" sz="1800">
+                          <a:effectLst/>
+                        </a:rPr>
+                        <a:t>Año 3</a:t>
+                      </a:r>
+                      <a:endParaRPr lang="en-GB" sz="1800">
+                        <a:effectLst/>
+                        <a:latin typeface="Times New Roman" panose="02020603050405020304" pitchFamily="18" charset="0"/>
+                        <a:ea typeface="Times New Roman" panose="02020603050405020304" pitchFamily="18" charset="0"/>
+                        <a:cs typeface="Times New Roman" panose="02020603050405020304" pitchFamily="18" charset="0"/>
+                      </a:endParaRPr>
+                    </a:p>
+                  </a:txBody>
+                  <a:tcPr marL="63500" marR="63500" marT="63500" marB="63500"/>
+                </a:tc>
+                <a:tc>
+                  <a:txBody>
+                    <a:bodyPr/>
+                    <a:lstStyle/>
+                    <a:p>
+                      <a:pPr>
+                        <a:spcAft>
+                          <a:spcPts val="0"/>
+                        </a:spcAft>
+                      </a:pPr>
+                      <a:r>
+                        <a:rPr lang="es-BO" sz="1800">
+                          <a:effectLst/>
+                        </a:rPr>
+                        <a:t>Año 4</a:t>
+                      </a:r>
+                      <a:endParaRPr lang="en-GB" sz="1800">
+                        <a:effectLst/>
+                        <a:latin typeface="Times New Roman" panose="02020603050405020304" pitchFamily="18" charset="0"/>
+                        <a:ea typeface="Times New Roman" panose="02020603050405020304" pitchFamily="18" charset="0"/>
+                        <a:cs typeface="Times New Roman" panose="02020603050405020304" pitchFamily="18" charset="0"/>
+                      </a:endParaRPr>
+                    </a:p>
+                  </a:txBody>
+                  <a:tcPr marL="63500" marR="63500" marT="63500" marB="63500"/>
+                </a:tc>
+                <a:tc>
+                  <a:txBody>
+                    <a:bodyPr/>
+                    <a:lstStyle/>
+                    <a:p>
+                      <a:pPr>
+                        <a:spcAft>
+                          <a:spcPts val="0"/>
+                        </a:spcAft>
+                      </a:pPr>
+                      <a:r>
+                        <a:rPr lang="es-BO" sz="1800">
+                          <a:effectLst/>
+                        </a:rPr>
+                        <a:t>Año 5</a:t>
+                      </a:r>
+                      <a:endParaRPr lang="en-GB" sz="1800">
+                        <a:effectLst/>
+                        <a:latin typeface="Times New Roman" panose="02020603050405020304" pitchFamily="18" charset="0"/>
+                        <a:ea typeface="Times New Roman" panose="02020603050405020304" pitchFamily="18" charset="0"/>
+                        <a:cs typeface="Times New Roman" panose="02020603050405020304" pitchFamily="18" charset="0"/>
+                      </a:endParaRPr>
+                    </a:p>
+                  </a:txBody>
+                  <a:tcPr marL="63500" marR="63500" marT="63500" marB="63500"/>
+                </a:tc>
+                <a:extLst>
+                  <a:ext uri="{0D108BD9-81ED-4DB2-BD59-A6C34878D82A}">
+                    <a16:rowId xmlns:a16="http://schemas.microsoft.com/office/drawing/2014/main" val="417421075"/>
+                  </a:ext>
+                </a:extLst>
+              </a:tr>
+              <a:tr h="402404">
+                <a:tc>
+                  <a:txBody>
+                    <a:bodyPr/>
+                    <a:lstStyle/>
+                    <a:p>
+                      <a:pPr>
+                        <a:spcAft>
+                          <a:spcPts val="0"/>
+                        </a:spcAft>
+                      </a:pPr>
+                      <a:r>
+                        <a:rPr lang="es-BO" sz="1800">
+                          <a:effectLst/>
+                        </a:rPr>
+                        <a:t>Sin el Sistema</a:t>
+                      </a:r>
+                      <a:endParaRPr lang="en-GB" sz="1800">
+                        <a:effectLst/>
+                        <a:latin typeface="Times New Roman" panose="02020603050405020304" pitchFamily="18" charset="0"/>
+                        <a:ea typeface="Times New Roman" panose="02020603050405020304" pitchFamily="18" charset="0"/>
+                        <a:cs typeface="Times New Roman" panose="02020603050405020304" pitchFamily="18" charset="0"/>
+                      </a:endParaRPr>
+                    </a:p>
+                  </a:txBody>
+                  <a:tcPr marL="63500" marR="63500" marT="63500" marB="63500"/>
+                </a:tc>
+                <a:tc>
+                  <a:txBody>
+                    <a:bodyPr/>
+                    <a:lstStyle/>
+                    <a:p>
+                      <a:pPr>
+                        <a:spcAft>
+                          <a:spcPts val="0"/>
+                        </a:spcAft>
+                      </a:pPr>
+                      <a:r>
+                        <a:rPr lang="es-BO" sz="1800">
+                          <a:effectLst/>
+                        </a:rPr>
+                        <a:t>85000</a:t>
+                      </a:r>
+                      <a:endParaRPr lang="en-GB" sz="1800">
+                        <a:effectLst/>
+                        <a:latin typeface="Arial" panose="020B0604020202020204" pitchFamily="34" charset="0"/>
+                        <a:ea typeface="Times New Roman" panose="02020603050405020304" pitchFamily="18" charset="0"/>
+                        <a:cs typeface="Times New Roman" panose="02020603050405020304" pitchFamily="18" charset="0"/>
+                      </a:endParaRPr>
+                    </a:p>
+                  </a:txBody>
+                  <a:tcPr marL="63500" marR="63500" marT="63500" marB="63500"/>
+                </a:tc>
+                <a:tc>
+                  <a:txBody>
+                    <a:bodyPr/>
+                    <a:lstStyle/>
+                    <a:p>
+                      <a:pPr>
+                        <a:spcAft>
+                          <a:spcPts val="0"/>
+                        </a:spcAft>
+                      </a:pPr>
+                      <a:r>
+                        <a:rPr lang="es-BO" sz="1800">
+                          <a:effectLst/>
+                        </a:rPr>
+                        <a:t>90000</a:t>
+                      </a:r>
+                      <a:endParaRPr lang="en-GB" sz="1800">
+                        <a:effectLst/>
+                        <a:latin typeface="Arial" panose="020B0604020202020204" pitchFamily="34" charset="0"/>
+                        <a:ea typeface="Times New Roman" panose="02020603050405020304" pitchFamily="18" charset="0"/>
+                        <a:cs typeface="Times New Roman" panose="02020603050405020304" pitchFamily="18" charset="0"/>
+                      </a:endParaRPr>
+                    </a:p>
+                  </a:txBody>
+                  <a:tcPr marL="63500" marR="63500" marT="63500" marB="63500"/>
+                </a:tc>
+                <a:tc>
+                  <a:txBody>
+                    <a:bodyPr/>
+                    <a:lstStyle/>
+                    <a:p>
+                      <a:pPr>
+                        <a:spcAft>
+                          <a:spcPts val="0"/>
+                        </a:spcAft>
+                      </a:pPr>
+                      <a:r>
+                        <a:rPr lang="es-BO" sz="1800">
+                          <a:effectLst/>
+                        </a:rPr>
+                        <a:t>85000</a:t>
+                      </a:r>
+                      <a:endParaRPr lang="en-GB" sz="1800">
+                        <a:effectLst/>
+                        <a:latin typeface="Arial" panose="020B0604020202020204" pitchFamily="34" charset="0"/>
+                        <a:ea typeface="Times New Roman" panose="02020603050405020304" pitchFamily="18" charset="0"/>
+                        <a:cs typeface="Times New Roman" panose="02020603050405020304" pitchFamily="18" charset="0"/>
+                      </a:endParaRPr>
+                    </a:p>
+                  </a:txBody>
+                  <a:tcPr marL="63500" marR="63500" marT="63500" marB="63500"/>
+                </a:tc>
+                <a:tc>
+                  <a:txBody>
+                    <a:bodyPr/>
+                    <a:lstStyle/>
+                    <a:p>
+                      <a:pPr>
+                        <a:spcAft>
+                          <a:spcPts val="0"/>
+                        </a:spcAft>
+                      </a:pPr>
+                      <a:r>
+                        <a:rPr lang="es-BO" sz="1800">
+                          <a:effectLst/>
+                        </a:rPr>
+                        <a:t>88000</a:t>
+                      </a:r>
+                      <a:endParaRPr lang="en-GB" sz="1800">
+                        <a:effectLst/>
+                        <a:latin typeface="Arial" panose="020B0604020202020204" pitchFamily="34" charset="0"/>
+                        <a:ea typeface="Times New Roman" panose="02020603050405020304" pitchFamily="18" charset="0"/>
+                        <a:cs typeface="Times New Roman" panose="02020603050405020304" pitchFamily="18" charset="0"/>
+                      </a:endParaRPr>
+                    </a:p>
+                  </a:txBody>
+                  <a:tcPr marL="63500" marR="63500" marT="63500" marB="63500"/>
+                </a:tc>
+                <a:tc>
+                  <a:txBody>
+                    <a:bodyPr/>
+                    <a:lstStyle/>
+                    <a:p>
+                      <a:pPr>
+                        <a:spcAft>
+                          <a:spcPts val="0"/>
+                        </a:spcAft>
+                      </a:pPr>
+                      <a:r>
+                        <a:rPr lang="es-BO" sz="1800">
+                          <a:effectLst/>
+                        </a:rPr>
+                        <a:t>120000</a:t>
+                      </a:r>
+                      <a:endParaRPr lang="en-GB" sz="1800">
+                        <a:effectLst/>
+                        <a:latin typeface="Arial" panose="020B0604020202020204" pitchFamily="34" charset="0"/>
+                        <a:ea typeface="Times New Roman" panose="02020603050405020304" pitchFamily="18" charset="0"/>
+                        <a:cs typeface="Times New Roman" panose="02020603050405020304" pitchFamily="18" charset="0"/>
+                      </a:endParaRPr>
+                    </a:p>
+                  </a:txBody>
+                  <a:tcPr marL="63500" marR="63500" marT="63500" marB="63500"/>
+                </a:tc>
+                <a:extLst>
+                  <a:ext uri="{0D108BD9-81ED-4DB2-BD59-A6C34878D82A}">
+                    <a16:rowId xmlns:a16="http://schemas.microsoft.com/office/drawing/2014/main" val="357400174"/>
+                  </a:ext>
+                </a:extLst>
+              </a:tr>
+              <a:tr h="402404">
+                <a:tc>
+                  <a:txBody>
+                    <a:bodyPr/>
+                    <a:lstStyle/>
+                    <a:p>
+                      <a:pPr>
+                        <a:spcAft>
+                          <a:spcPts val="0"/>
+                        </a:spcAft>
+                      </a:pPr>
+                      <a:r>
+                        <a:rPr lang="es-BO" sz="1800">
+                          <a:effectLst/>
+                        </a:rPr>
+                        <a:t>Con el sistema</a:t>
+                      </a:r>
+                      <a:endParaRPr lang="en-GB" sz="1800">
+                        <a:effectLst/>
+                        <a:latin typeface="Times New Roman" panose="02020603050405020304" pitchFamily="18" charset="0"/>
+                        <a:ea typeface="Times New Roman" panose="02020603050405020304" pitchFamily="18" charset="0"/>
+                        <a:cs typeface="Times New Roman" panose="02020603050405020304" pitchFamily="18" charset="0"/>
+                      </a:endParaRPr>
+                    </a:p>
+                  </a:txBody>
+                  <a:tcPr marL="63500" marR="63500" marT="63500" marB="63500"/>
+                </a:tc>
+                <a:tc>
+                  <a:txBody>
+                    <a:bodyPr/>
+                    <a:lstStyle/>
+                    <a:p>
+                      <a:pPr>
+                        <a:spcAft>
+                          <a:spcPts val="0"/>
+                        </a:spcAft>
+                      </a:pPr>
+                      <a:r>
+                        <a:rPr lang="es-BO" sz="1800">
+                          <a:effectLst/>
+                        </a:rPr>
+                        <a:t>135000</a:t>
+                      </a:r>
+                      <a:endParaRPr lang="en-GB" sz="1800">
+                        <a:effectLst/>
+                        <a:latin typeface="Arial" panose="020B0604020202020204" pitchFamily="34" charset="0"/>
+                        <a:ea typeface="Times New Roman" panose="02020603050405020304" pitchFamily="18" charset="0"/>
+                        <a:cs typeface="Times New Roman" panose="02020603050405020304" pitchFamily="18" charset="0"/>
+                      </a:endParaRPr>
+                    </a:p>
+                  </a:txBody>
+                  <a:tcPr marL="63500" marR="63500" marT="63500" marB="63500"/>
+                </a:tc>
+                <a:tc>
+                  <a:txBody>
+                    <a:bodyPr/>
+                    <a:lstStyle/>
+                    <a:p>
+                      <a:pPr>
+                        <a:spcAft>
+                          <a:spcPts val="0"/>
+                        </a:spcAft>
+                      </a:pPr>
+                      <a:r>
+                        <a:rPr lang="es-BO" sz="1800">
+                          <a:effectLst/>
+                        </a:rPr>
+                        <a:t>140000</a:t>
+                      </a:r>
+                      <a:endParaRPr lang="en-GB" sz="1800">
+                        <a:effectLst/>
+                        <a:latin typeface="Times New Roman" panose="02020603050405020304" pitchFamily="18" charset="0"/>
+                        <a:ea typeface="Times New Roman" panose="02020603050405020304" pitchFamily="18" charset="0"/>
+                        <a:cs typeface="Times New Roman" panose="02020603050405020304" pitchFamily="18" charset="0"/>
+                      </a:endParaRPr>
+                    </a:p>
+                  </a:txBody>
+                  <a:tcPr marL="63500" marR="63500" marT="63500" marB="63500"/>
+                </a:tc>
+                <a:tc>
+                  <a:txBody>
+                    <a:bodyPr/>
+                    <a:lstStyle/>
+                    <a:p>
+                      <a:pPr>
+                        <a:spcAft>
+                          <a:spcPts val="0"/>
+                        </a:spcAft>
+                      </a:pPr>
+                      <a:r>
+                        <a:rPr lang="es-BO" sz="1800">
+                          <a:effectLst/>
+                        </a:rPr>
+                        <a:t>135000</a:t>
+                      </a:r>
+                      <a:endParaRPr lang="en-GB" sz="1800">
+                        <a:effectLst/>
+                        <a:latin typeface="Times New Roman" panose="02020603050405020304" pitchFamily="18" charset="0"/>
+                        <a:ea typeface="Times New Roman" panose="02020603050405020304" pitchFamily="18" charset="0"/>
+                        <a:cs typeface="Times New Roman" panose="02020603050405020304" pitchFamily="18" charset="0"/>
+                      </a:endParaRPr>
+                    </a:p>
+                  </a:txBody>
+                  <a:tcPr marL="63500" marR="63500" marT="63500" marB="63500"/>
+                </a:tc>
+                <a:tc>
+                  <a:txBody>
+                    <a:bodyPr/>
+                    <a:lstStyle/>
+                    <a:p>
+                      <a:pPr>
+                        <a:spcAft>
+                          <a:spcPts val="0"/>
+                        </a:spcAft>
+                      </a:pPr>
+                      <a:r>
+                        <a:rPr lang="es-BO" sz="1800">
+                          <a:effectLst/>
+                        </a:rPr>
+                        <a:t>138000</a:t>
+                      </a:r>
+                      <a:endParaRPr lang="en-GB" sz="1800">
+                        <a:effectLst/>
+                        <a:latin typeface="Times New Roman" panose="02020603050405020304" pitchFamily="18" charset="0"/>
+                        <a:ea typeface="Times New Roman" panose="02020603050405020304" pitchFamily="18" charset="0"/>
+                        <a:cs typeface="Times New Roman" panose="02020603050405020304" pitchFamily="18" charset="0"/>
+                      </a:endParaRPr>
+                    </a:p>
+                  </a:txBody>
+                  <a:tcPr marL="63500" marR="63500" marT="63500" marB="63500"/>
+                </a:tc>
+                <a:tc>
+                  <a:txBody>
+                    <a:bodyPr/>
+                    <a:lstStyle/>
+                    <a:p>
+                      <a:pPr>
+                        <a:spcAft>
+                          <a:spcPts val="0"/>
+                        </a:spcAft>
+                      </a:pPr>
+                      <a:r>
+                        <a:rPr lang="es-BO" sz="1800" dirty="0">
+                          <a:effectLst/>
+                        </a:rPr>
+                        <a:t>170000</a:t>
+                      </a:r>
+                      <a:endParaRPr lang="en-GB" sz="1800" dirty="0">
+                        <a:effectLst/>
+                        <a:latin typeface="Times New Roman" panose="02020603050405020304" pitchFamily="18" charset="0"/>
+                        <a:ea typeface="Times New Roman" panose="02020603050405020304" pitchFamily="18" charset="0"/>
+                        <a:cs typeface="Times New Roman" panose="02020603050405020304" pitchFamily="18" charset="0"/>
+                      </a:endParaRPr>
+                    </a:p>
+                  </a:txBody>
+                  <a:tcPr marL="63500" marR="63500" marT="63500" marB="63500"/>
+                </a:tc>
+                <a:extLst>
+                  <a:ext uri="{0D108BD9-81ED-4DB2-BD59-A6C34878D82A}">
+                    <a16:rowId xmlns:a16="http://schemas.microsoft.com/office/drawing/2014/main" val="3822159194"/>
+                  </a:ext>
+                </a:extLst>
+              </a:tr>
+            </a:tbl>
+          </a:graphicData>
+        </a:graphic>
+      </p:graphicFrame>
+      <p:sp>
+        <p:nvSpPr>
+          <p:cNvPr id="13" name="TextBox 12">
+            <a:extLst>
+              <a:ext uri="{FF2B5EF4-FFF2-40B4-BE49-F238E27FC236}">
+                <a16:creationId xmlns:a16="http://schemas.microsoft.com/office/drawing/2014/main" id="{A298C55A-5A6F-4AD4-85AD-42D0B0BE8637}"/>
+              </a:ext>
+            </a:extLst>
+          </p:cNvPr>
+          <p:cNvSpPr txBox="1"/>
+          <p:nvPr/>
+        </p:nvSpPr>
+        <p:spPr>
+          <a:xfrm>
+            <a:off x="1141409" y="1645920"/>
+            <a:ext cx="7042471" cy="369332"/>
+          </a:xfrm>
+          <a:prstGeom prst="rect">
+            <a:avLst/>
+          </a:prstGeom>
+          <a:noFill/>
+        </p:spPr>
+        <p:txBody>
+          <a:bodyPr wrap="square" rtlCol="0">
+            <a:spAutoFit/>
+          </a:bodyPr>
+          <a:lstStyle/>
+          <a:p>
+            <a:r>
+              <a:rPr lang="es-BO" dirty="0"/>
+              <a:t>Tabla Beneficio – antes y después de implantación</a:t>
+            </a:r>
+          </a:p>
+        </p:txBody>
+      </p:sp>
+      <p:sp>
+        <p:nvSpPr>
+          <p:cNvPr id="14" name="TextBox 13">
+            <a:extLst>
+              <a:ext uri="{FF2B5EF4-FFF2-40B4-BE49-F238E27FC236}">
+                <a16:creationId xmlns:a16="http://schemas.microsoft.com/office/drawing/2014/main" id="{C61A5EDD-8A32-49A7-A052-E483B953283C}"/>
+              </a:ext>
+            </a:extLst>
+          </p:cNvPr>
+          <p:cNvSpPr txBox="1"/>
+          <p:nvPr/>
+        </p:nvSpPr>
+        <p:spPr>
+          <a:xfrm>
+            <a:off x="1141409" y="3671936"/>
+            <a:ext cx="7042471" cy="369332"/>
+          </a:xfrm>
+          <a:prstGeom prst="rect">
+            <a:avLst/>
+          </a:prstGeom>
+          <a:noFill/>
+        </p:spPr>
+        <p:txBody>
+          <a:bodyPr wrap="square" rtlCol="0">
+            <a:spAutoFit/>
+          </a:bodyPr>
+          <a:lstStyle/>
+          <a:p>
+            <a:r>
+              <a:rPr lang="es-BO" dirty="0"/>
+              <a:t>Tabla Costos – antes y después de implantación</a:t>
+            </a:r>
+          </a:p>
+        </p:txBody>
+      </p:sp>
+      <p:graphicFrame>
+        <p:nvGraphicFramePr>
+          <p:cNvPr id="15" name="Table 14">
+            <a:extLst>
+              <a:ext uri="{FF2B5EF4-FFF2-40B4-BE49-F238E27FC236}">
+                <a16:creationId xmlns:a16="http://schemas.microsoft.com/office/drawing/2014/main" id="{6042F805-32AE-4AE8-B32B-26F56E537669}"/>
+              </a:ext>
+            </a:extLst>
+          </p:cNvPr>
+          <p:cNvGraphicFramePr>
+            <a:graphicFrameLocks noGrp="1"/>
+          </p:cNvGraphicFramePr>
+          <p:nvPr>
+            <p:extLst>
+              <p:ext uri="{D42A27DB-BD31-4B8C-83A1-F6EECF244321}">
+                <p14:modId xmlns:p14="http://schemas.microsoft.com/office/powerpoint/2010/main" val="2465829790"/>
+              </p:ext>
+            </p:extLst>
+          </p:nvPr>
+        </p:nvGraphicFramePr>
+        <p:xfrm>
+          <a:off x="1141407" y="4385548"/>
+          <a:ext cx="9906000" cy="1325574"/>
+        </p:xfrm>
+        <a:graphic>
+          <a:graphicData uri="http://schemas.openxmlformats.org/drawingml/2006/table">
+            <a:tbl>
+              <a:tblPr firstRow="1" firstCol="1" bandRow="1">
+                <a:tableStyleId>{5C22544A-7EE6-4342-B048-85BDC9FD1C3A}</a:tableStyleId>
+              </a:tblPr>
+              <a:tblGrid>
+                <a:gridCol w="4268355">
+                  <a:extLst>
+                    <a:ext uri="{9D8B030D-6E8A-4147-A177-3AD203B41FA5}">
+                      <a16:colId xmlns:a16="http://schemas.microsoft.com/office/drawing/2014/main" val="2637981249"/>
+                    </a:ext>
+                  </a:extLst>
+                </a:gridCol>
+                <a:gridCol w="1127529">
+                  <a:extLst>
+                    <a:ext uri="{9D8B030D-6E8A-4147-A177-3AD203B41FA5}">
+                      <a16:colId xmlns:a16="http://schemas.microsoft.com/office/drawing/2014/main" val="1636181306"/>
+                    </a:ext>
+                  </a:extLst>
+                </a:gridCol>
+                <a:gridCol w="1127529">
+                  <a:extLst>
+                    <a:ext uri="{9D8B030D-6E8A-4147-A177-3AD203B41FA5}">
+                      <a16:colId xmlns:a16="http://schemas.microsoft.com/office/drawing/2014/main" val="1022072391"/>
+                    </a:ext>
+                  </a:extLst>
+                </a:gridCol>
+                <a:gridCol w="1127529">
+                  <a:extLst>
+                    <a:ext uri="{9D8B030D-6E8A-4147-A177-3AD203B41FA5}">
+                      <a16:colId xmlns:a16="http://schemas.microsoft.com/office/drawing/2014/main" val="4168422986"/>
+                    </a:ext>
+                  </a:extLst>
+                </a:gridCol>
+                <a:gridCol w="1127529">
+                  <a:extLst>
+                    <a:ext uri="{9D8B030D-6E8A-4147-A177-3AD203B41FA5}">
+                      <a16:colId xmlns:a16="http://schemas.microsoft.com/office/drawing/2014/main" val="3834562556"/>
+                    </a:ext>
+                  </a:extLst>
+                </a:gridCol>
+                <a:gridCol w="1127529">
+                  <a:extLst>
+                    <a:ext uri="{9D8B030D-6E8A-4147-A177-3AD203B41FA5}">
+                      <a16:colId xmlns:a16="http://schemas.microsoft.com/office/drawing/2014/main" val="2330692891"/>
+                    </a:ext>
+                  </a:extLst>
+                </a:gridCol>
+              </a:tblGrid>
+              <a:tr h="450477">
+                <a:tc>
+                  <a:txBody>
+                    <a:bodyPr/>
+                    <a:lstStyle/>
+                    <a:p>
+                      <a:pPr>
+                        <a:spcAft>
+                          <a:spcPts val="0"/>
+                        </a:spcAft>
+                      </a:pPr>
+                      <a:r>
+                        <a:rPr lang="es-BO" sz="1800">
+                          <a:effectLst/>
+                        </a:rPr>
+                        <a:t>Tabla Costos</a:t>
+                      </a:r>
+                      <a:endParaRPr lang="en-GB" sz="1800">
+                        <a:effectLst/>
+                        <a:latin typeface="Times New Roman" panose="02020603050405020304" pitchFamily="18" charset="0"/>
+                        <a:ea typeface="Times New Roman" panose="02020603050405020304" pitchFamily="18" charset="0"/>
+                        <a:cs typeface="Times New Roman" panose="02020603050405020304" pitchFamily="18" charset="0"/>
+                      </a:endParaRPr>
+                    </a:p>
+                  </a:txBody>
+                  <a:tcPr marL="63500" marR="63500" marT="63500" marB="63500"/>
+                </a:tc>
+                <a:tc>
+                  <a:txBody>
+                    <a:bodyPr/>
+                    <a:lstStyle/>
+                    <a:p>
+                      <a:pPr>
+                        <a:spcAft>
+                          <a:spcPts val="0"/>
+                        </a:spcAft>
+                      </a:pPr>
+                      <a:r>
+                        <a:rPr lang="es-BO" sz="1800">
+                          <a:effectLst/>
+                        </a:rPr>
+                        <a:t>Año 1</a:t>
+                      </a:r>
+                      <a:endParaRPr lang="en-GB" sz="1800">
+                        <a:effectLst/>
+                        <a:latin typeface="Times New Roman" panose="02020603050405020304" pitchFamily="18" charset="0"/>
+                        <a:ea typeface="Times New Roman" panose="02020603050405020304" pitchFamily="18" charset="0"/>
+                        <a:cs typeface="Times New Roman" panose="02020603050405020304" pitchFamily="18" charset="0"/>
+                      </a:endParaRPr>
+                    </a:p>
+                  </a:txBody>
+                  <a:tcPr marL="63500" marR="63500" marT="63500" marB="63500"/>
+                </a:tc>
+                <a:tc>
+                  <a:txBody>
+                    <a:bodyPr/>
+                    <a:lstStyle/>
+                    <a:p>
+                      <a:pPr>
+                        <a:spcAft>
+                          <a:spcPts val="0"/>
+                        </a:spcAft>
+                      </a:pPr>
+                      <a:r>
+                        <a:rPr lang="es-BO" sz="1800">
+                          <a:effectLst/>
+                        </a:rPr>
+                        <a:t>Año 2</a:t>
+                      </a:r>
+                      <a:endParaRPr lang="en-GB" sz="1800">
+                        <a:effectLst/>
+                        <a:latin typeface="Times New Roman" panose="02020603050405020304" pitchFamily="18" charset="0"/>
+                        <a:ea typeface="Times New Roman" panose="02020603050405020304" pitchFamily="18" charset="0"/>
+                        <a:cs typeface="Times New Roman" panose="02020603050405020304" pitchFamily="18" charset="0"/>
+                      </a:endParaRPr>
+                    </a:p>
+                  </a:txBody>
+                  <a:tcPr marL="63500" marR="63500" marT="63500" marB="63500"/>
+                </a:tc>
+                <a:tc>
+                  <a:txBody>
+                    <a:bodyPr/>
+                    <a:lstStyle/>
+                    <a:p>
+                      <a:pPr>
+                        <a:spcAft>
+                          <a:spcPts val="0"/>
+                        </a:spcAft>
+                      </a:pPr>
+                      <a:r>
+                        <a:rPr lang="es-BO" sz="1800">
+                          <a:effectLst/>
+                        </a:rPr>
+                        <a:t>Año 3</a:t>
+                      </a:r>
+                      <a:endParaRPr lang="en-GB" sz="1800">
+                        <a:effectLst/>
+                        <a:latin typeface="Times New Roman" panose="02020603050405020304" pitchFamily="18" charset="0"/>
+                        <a:ea typeface="Times New Roman" panose="02020603050405020304" pitchFamily="18" charset="0"/>
+                        <a:cs typeface="Times New Roman" panose="02020603050405020304" pitchFamily="18" charset="0"/>
+                      </a:endParaRPr>
+                    </a:p>
+                  </a:txBody>
+                  <a:tcPr marL="63500" marR="63500" marT="63500" marB="63500"/>
+                </a:tc>
+                <a:tc>
+                  <a:txBody>
+                    <a:bodyPr/>
+                    <a:lstStyle/>
+                    <a:p>
+                      <a:pPr>
+                        <a:spcAft>
+                          <a:spcPts val="0"/>
+                        </a:spcAft>
+                      </a:pPr>
+                      <a:r>
+                        <a:rPr lang="es-BO" sz="1800">
+                          <a:effectLst/>
+                        </a:rPr>
+                        <a:t>Año 4</a:t>
+                      </a:r>
+                      <a:endParaRPr lang="en-GB" sz="1800">
+                        <a:effectLst/>
+                        <a:latin typeface="Times New Roman" panose="02020603050405020304" pitchFamily="18" charset="0"/>
+                        <a:ea typeface="Times New Roman" panose="02020603050405020304" pitchFamily="18" charset="0"/>
+                        <a:cs typeface="Times New Roman" panose="02020603050405020304" pitchFamily="18" charset="0"/>
+                      </a:endParaRPr>
+                    </a:p>
+                  </a:txBody>
+                  <a:tcPr marL="63500" marR="63500" marT="63500" marB="63500"/>
+                </a:tc>
+                <a:tc>
+                  <a:txBody>
+                    <a:bodyPr/>
+                    <a:lstStyle/>
+                    <a:p>
+                      <a:pPr>
+                        <a:spcAft>
+                          <a:spcPts val="0"/>
+                        </a:spcAft>
+                      </a:pPr>
+                      <a:r>
+                        <a:rPr lang="es-BO" sz="1800">
+                          <a:effectLst/>
+                        </a:rPr>
+                        <a:t>Año 5</a:t>
+                      </a:r>
+                      <a:endParaRPr lang="en-GB" sz="1800">
+                        <a:effectLst/>
+                        <a:latin typeface="Times New Roman" panose="02020603050405020304" pitchFamily="18" charset="0"/>
+                        <a:ea typeface="Times New Roman" panose="02020603050405020304" pitchFamily="18" charset="0"/>
+                        <a:cs typeface="Times New Roman" panose="02020603050405020304" pitchFamily="18" charset="0"/>
+                      </a:endParaRPr>
+                    </a:p>
+                  </a:txBody>
+                  <a:tcPr marL="63500" marR="63500" marT="63500" marB="63500"/>
+                </a:tc>
+                <a:extLst>
+                  <a:ext uri="{0D108BD9-81ED-4DB2-BD59-A6C34878D82A}">
+                    <a16:rowId xmlns:a16="http://schemas.microsoft.com/office/drawing/2014/main" val="2362477451"/>
+                  </a:ext>
+                </a:extLst>
+              </a:tr>
+              <a:tr h="0">
+                <a:tc>
+                  <a:txBody>
+                    <a:bodyPr/>
+                    <a:lstStyle/>
+                    <a:p>
+                      <a:pPr>
+                        <a:spcAft>
+                          <a:spcPts val="0"/>
+                        </a:spcAft>
+                      </a:pPr>
+                      <a:r>
+                        <a:rPr lang="es-BO" sz="1800">
+                          <a:effectLst/>
+                        </a:rPr>
+                        <a:t>Sin el Sistema</a:t>
+                      </a:r>
+                      <a:endParaRPr lang="en-GB" sz="1800">
+                        <a:effectLst/>
+                        <a:latin typeface="Times New Roman" panose="02020603050405020304" pitchFamily="18" charset="0"/>
+                        <a:ea typeface="Times New Roman" panose="02020603050405020304" pitchFamily="18" charset="0"/>
+                        <a:cs typeface="Times New Roman" panose="02020603050405020304" pitchFamily="18" charset="0"/>
+                      </a:endParaRPr>
+                    </a:p>
+                  </a:txBody>
+                  <a:tcPr marL="63500" marR="63500" marT="63500" marB="63500"/>
+                </a:tc>
+                <a:tc>
+                  <a:txBody>
+                    <a:bodyPr/>
+                    <a:lstStyle/>
+                    <a:p>
+                      <a:pPr>
+                        <a:spcAft>
+                          <a:spcPts val="0"/>
+                        </a:spcAft>
+                      </a:pPr>
+                      <a:r>
+                        <a:rPr lang="es-BO" sz="1800">
+                          <a:effectLst/>
+                        </a:rPr>
+                        <a:t>55000</a:t>
+                      </a:r>
+                      <a:endParaRPr lang="en-GB" sz="1800">
+                        <a:effectLst/>
+                        <a:latin typeface="Arial" panose="020B0604020202020204" pitchFamily="34" charset="0"/>
+                        <a:ea typeface="Times New Roman" panose="02020603050405020304" pitchFamily="18" charset="0"/>
+                        <a:cs typeface="Times New Roman" panose="02020603050405020304" pitchFamily="18" charset="0"/>
+                      </a:endParaRPr>
+                    </a:p>
+                  </a:txBody>
+                  <a:tcPr marL="63500" marR="63500" marT="63500" marB="63500"/>
+                </a:tc>
+                <a:tc>
+                  <a:txBody>
+                    <a:bodyPr/>
+                    <a:lstStyle/>
+                    <a:p>
+                      <a:pPr>
+                        <a:spcAft>
+                          <a:spcPts val="0"/>
+                        </a:spcAft>
+                      </a:pPr>
+                      <a:r>
+                        <a:rPr lang="es-BO" sz="1800">
+                          <a:effectLst/>
+                        </a:rPr>
+                        <a:t>60000</a:t>
+                      </a:r>
+                      <a:endParaRPr lang="en-GB" sz="1800">
+                        <a:effectLst/>
+                        <a:latin typeface="Arial" panose="020B0604020202020204" pitchFamily="34" charset="0"/>
+                        <a:ea typeface="Times New Roman" panose="02020603050405020304" pitchFamily="18" charset="0"/>
+                        <a:cs typeface="Times New Roman" panose="02020603050405020304" pitchFamily="18" charset="0"/>
+                      </a:endParaRPr>
+                    </a:p>
+                  </a:txBody>
+                  <a:tcPr marL="63500" marR="63500" marT="63500" marB="63500"/>
+                </a:tc>
+                <a:tc>
+                  <a:txBody>
+                    <a:bodyPr/>
+                    <a:lstStyle/>
+                    <a:p>
+                      <a:pPr>
+                        <a:spcAft>
+                          <a:spcPts val="0"/>
+                        </a:spcAft>
+                      </a:pPr>
+                      <a:r>
+                        <a:rPr lang="es-BO" sz="1800">
+                          <a:effectLst/>
+                        </a:rPr>
+                        <a:t>70000</a:t>
+                      </a:r>
+                      <a:endParaRPr lang="en-GB" sz="1800">
+                        <a:effectLst/>
+                        <a:latin typeface="Arial" panose="020B0604020202020204" pitchFamily="34" charset="0"/>
+                        <a:ea typeface="Times New Roman" panose="02020603050405020304" pitchFamily="18" charset="0"/>
+                        <a:cs typeface="Times New Roman" panose="02020603050405020304" pitchFamily="18" charset="0"/>
+                      </a:endParaRPr>
+                    </a:p>
+                  </a:txBody>
+                  <a:tcPr marL="63500" marR="63500" marT="63500" marB="63500"/>
+                </a:tc>
+                <a:tc>
+                  <a:txBody>
+                    <a:bodyPr/>
+                    <a:lstStyle/>
+                    <a:p>
+                      <a:pPr>
+                        <a:spcAft>
+                          <a:spcPts val="0"/>
+                        </a:spcAft>
+                      </a:pPr>
+                      <a:r>
+                        <a:rPr lang="es-BO" sz="1800">
+                          <a:effectLst/>
+                        </a:rPr>
+                        <a:t>63000</a:t>
+                      </a:r>
+                      <a:endParaRPr lang="en-GB" sz="1800">
+                        <a:effectLst/>
+                        <a:latin typeface="Arial" panose="020B0604020202020204" pitchFamily="34" charset="0"/>
+                        <a:ea typeface="Times New Roman" panose="02020603050405020304" pitchFamily="18" charset="0"/>
+                        <a:cs typeface="Times New Roman" panose="02020603050405020304" pitchFamily="18" charset="0"/>
+                      </a:endParaRPr>
+                    </a:p>
+                  </a:txBody>
+                  <a:tcPr marL="63500" marR="63500" marT="63500" marB="63500"/>
+                </a:tc>
+                <a:tc>
+                  <a:txBody>
+                    <a:bodyPr/>
+                    <a:lstStyle/>
+                    <a:p>
+                      <a:pPr>
+                        <a:spcAft>
+                          <a:spcPts val="0"/>
+                        </a:spcAft>
+                      </a:pPr>
+                      <a:r>
+                        <a:rPr lang="es-BO" sz="1800">
+                          <a:effectLst/>
+                        </a:rPr>
+                        <a:t>90000</a:t>
+                      </a:r>
+                      <a:endParaRPr lang="en-GB" sz="1800">
+                        <a:effectLst/>
+                        <a:latin typeface="Arial" panose="020B0604020202020204" pitchFamily="34" charset="0"/>
+                        <a:ea typeface="Times New Roman" panose="02020603050405020304" pitchFamily="18" charset="0"/>
+                        <a:cs typeface="Times New Roman" panose="02020603050405020304" pitchFamily="18" charset="0"/>
+                      </a:endParaRPr>
+                    </a:p>
+                  </a:txBody>
+                  <a:tcPr marL="63500" marR="63500" marT="63500" marB="63500"/>
+                </a:tc>
+                <a:extLst>
+                  <a:ext uri="{0D108BD9-81ED-4DB2-BD59-A6C34878D82A}">
+                    <a16:rowId xmlns:a16="http://schemas.microsoft.com/office/drawing/2014/main" val="1033955146"/>
+                  </a:ext>
+                </a:extLst>
+              </a:tr>
+              <a:tr h="473777">
+                <a:tc>
+                  <a:txBody>
+                    <a:bodyPr/>
+                    <a:lstStyle/>
+                    <a:p>
+                      <a:pPr>
+                        <a:spcAft>
+                          <a:spcPts val="0"/>
+                        </a:spcAft>
+                      </a:pPr>
+                      <a:r>
+                        <a:rPr lang="es-BO" sz="1800">
+                          <a:effectLst/>
+                        </a:rPr>
+                        <a:t>Con el sistema</a:t>
+                      </a:r>
+                      <a:endParaRPr lang="en-GB" sz="1800">
+                        <a:effectLst/>
+                        <a:latin typeface="Times New Roman" panose="02020603050405020304" pitchFamily="18" charset="0"/>
+                        <a:ea typeface="Times New Roman" panose="02020603050405020304" pitchFamily="18" charset="0"/>
+                        <a:cs typeface="Times New Roman" panose="02020603050405020304" pitchFamily="18" charset="0"/>
+                      </a:endParaRPr>
+                    </a:p>
+                  </a:txBody>
+                  <a:tcPr marL="63500" marR="63500" marT="63500" marB="63500"/>
+                </a:tc>
+                <a:tc>
+                  <a:txBody>
+                    <a:bodyPr/>
+                    <a:lstStyle/>
+                    <a:p>
+                      <a:pPr>
+                        <a:spcAft>
+                          <a:spcPts val="0"/>
+                        </a:spcAft>
+                      </a:pPr>
+                      <a:r>
+                        <a:rPr lang="es-BO" sz="1800">
+                          <a:effectLst/>
+                        </a:rPr>
+                        <a:t>63500</a:t>
+                      </a:r>
+                      <a:endParaRPr lang="en-GB" sz="1800">
+                        <a:effectLst/>
+                        <a:latin typeface="Arial" panose="020B0604020202020204" pitchFamily="34" charset="0"/>
+                        <a:ea typeface="Times New Roman" panose="02020603050405020304" pitchFamily="18" charset="0"/>
+                        <a:cs typeface="Times New Roman" panose="02020603050405020304" pitchFamily="18" charset="0"/>
+                      </a:endParaRPr>
+                    </a:p>
+                  </a:txBody>
+                  <a:tcPr marL="63500" marR="63500" marT="63500" marB="63500"/>
+                </a:tc>
+                <a:tc>
+                  <a:txBody>
+                    <a:bodyPr/>
+                    <a:lstStyle/>
+                    <a:p>
+                      <a:pPr>
+                        <a:spcAft>
+                          <a:spcPts val="0"/>
+                        </a:spcAft>
+                      </a:pPr>
+                      <a:r>
+                        <a:rPr lang="es-BO" sz="1800">
+                          <a:effectLst/>
+                        </a:rPr>
+                        <a:t>68500</a:t>
+                      </a:r>
+                      <a:endParaRPr lang="en-GB" sz="1800">
+                        <a:effectLst/>
+                        <a:latin typeface="Times New Roman" panose="02020603050405020304" pitchFamily="18" charset="0"/>
+                        <a:ea typeface="Times New Roman" panose="02020603050405020304" pitchFamily="18" charset="0"/>
+                        <a:cs typeface="Times New Roman" panose="02020603050405020304" pitchFamily="18" charset="0"/>
+                      </a:endParaRPr>
+                    </a:p>
+                  </a:txBody>
+                  <a:tcPr marL="63500" marR="63500" marT="63500" marB="63500"/>
+                </a:tc>
+                <a:tc>
+                  <a:txBody>
+                    <a:bodyPr/>
+                    <a:lstStyle/>
+                    <a:p>
+                      <a:pPr>
+                        <a:spcAft>
+                          <a:spcPts val="0"/>
+                        </a:spcAft>
+                      </a:pPr>
+                      <a:r>
+                        <a:rPr lang="es-BO" sz="1800">
+                          <a:effectLst/>
+                        </a:rPr>
+                        <a:t>78500</a:t>
+                      </a:r>
+                      <a:endParaRPr lang="en-GB" sz="1800">
+                        <a:effectLst/>
+                        <a:latin typeface="Times New Roman" panose="02020603050405020304" pitchFamily="18" charset="0"/>
+                        <a:ea typeface="Times New Roman" panose="02020603050405020304" pitchFamily="18" charset="0"/>
+                        <a:cs typeface="Times New Roman" panose="02020603050405020304" pitchFamily="18" charset="0"/>
+                      </a:endParaRPr>
+                    </a:p>
+                  </a:txBody>
+                  <a:tcPr marL="63500" marR="63500" marT="63500" marB="63500"/>
+                </a:tc>
+                <a:tc>
+                  <a:txBody>
+                    <a:bodyPr/>
+                    <a:lstStyle/>
+                    <a:p>
+                      <a:pPr>
+                        <a:spcAft>
+                          <a:spcPts val="0"/>
+                        </a:spcAft>
+                      </a:pPr>
+                      <a:r>
+                        <a:rPr lang="es-BO" sz="1800">
+                          <a:effectLst/>
+                        </a:rPr>
+                        <a:t>71500</a:t>
+                      </a:r>
+                      <a:endParaRPr lang="en-GB" sz="1800">
+                        <a:effectLst/>
+                        <a:latin typeface="Times New Roman" panose="02020603050405020304" pitchFamily="18" charset="0"/>
+                        <a:ea typeface="Times New Roman" panose="02020603050405020304" pitchFamily="18" charset="0"/>
+                        <a:cs typeface="Times New Roman" panose="02020603050405020304" pitchFamily="18" charset="0"/>
+                      </a:endParaRPr>
+                    </a:p>
+                  </a:txBody>
+                  <a:tcPr marL="63500" marR="63500" marT="63500" marB="63500"/>
+                </a:tc>
+                <a:tc>
+                  <a:txBody>
+                    <a:bodyPr/>
+                    <a:lstStyle/>
+                    <a:p>
+                      <a:pPr>
+                        <a:spcAft>
+                          <a:spcPts val="0"/>
+                        </a:spcAft>
+                      </a:pPr>
+                      <a:r>
+                        <a:rPr lang="es-BO" sz="1800" dirty="0">
+                          <a:effectLst/>
+                        </a:rPr>
+                        <a:t>98500</a:t>
+                      </a:r>
+                      <a:endParaRPr lang="en-GB" sz="1800" dirty="0">
+                        <a:effectLst/>
+                        <a:latin typeface="Times New Roman" panose="02020603050405020304" pitchFamily="18" charset="0"/>
+                        <a:ea typeface="Times New Roman" panose="02020603050405020304" pitchFamily="18" charset="0"/>
+                        <a:cs typeface="Times New Roman" panose="02020603050405020304" pitchFamily="18" charset="0"/>
+                      </a:endParaRPr>
+                    </a:p>
+                  </a:txBody>
+                  <a:tcPr marL="63500" marR="63500" marT="63500" marB="63500"/>
+                </a:tc>
+                <a:extLst>
+                  <a:ext uri="{0D108BD9-81ED-4DB2-BD59-A6C34878D82A}">
+                    <a16:rowId xmlns:a16="http://schemas.microsoft.com/office/drawing/2014/main" val="4079914599"/>
+                  </a:ext>
+                </a:extLst>
+              </a:tr>
+            </a:tbl>
+          </a:graphicData>
+        </a:graphic>
+      </p:graphicFrame>
+    </p:spTree>
+    <p:extLst>
+      <p:ext uri="{BB962C8B-B14F-4D97-AF65-F5344CB8AC3E}">
+        <p14:creationId xmlns:p14="http://schemas.microsoft.com/office/powerpoint/2010/main" val="1266468272"/>
+      </p:ext>
+    </p:extLst>
+  </p:cSld>
+  <p:clrMapOvr>
+    <a:masterClrMapping/>
+  </p:clrMapOvr>
+</p:sld>
+</file>
+
+<file path=ppt/slides/slide8.xml><?xml version="1.0" encoding="utf-8"?>
+<p:sld xmlns:a="http://schemas.openxmlformats.org/drawingml/2006/main" xmlns:r="http://schemas.openxmlformats.org/officeDocument/2006/relationships" xmlns:p="http://schemas.openxmlformats.org/presentationml/2006/main">
+  <p:cSld>
+    <p:spTree>
+      <p:nvGrpSpPr>
+        <p:cNvPr id="1" name=""/>
+        <p:cNvGrpSpPr/>
+        <p:nvPr/>
+      </p:nvGrpSpPr>
+      <p:grpSpPr>
+        <a:xfrm>
+          <a:off x="0" y="0"/>
+          <a:ext cx="0" cy="0"/>
+          <a:chOff x="0" y="0"/>
+          <a:chExt cx="0" cy="0"/>
+        </a:xfrm>
+      </p:grpSpPr>
+      <p:sp>
+        <p:nvSpPr>
+          <p:cNvPr id="2" name="Title 1">
+            <a:extLst>
+              <a:ext uri="{FF2B5EF4-FFF2-40B4-BE49-F238E27FC236}">
+                <a16:creationId xmlns:a16="http://schemas.microsoft.com/office/drawing/2014/main" id="{DD29E43A-F4A6-4BEA-8518-44F7FCA34617}"/>
+              </a:ext>
+            </a:extLst>
+          </p:cNvPr>
+          <p:cNvSpPr>
+            <a:spLocks noGrp="1"/>
+          </p:cNvSpPr>
+          <p:nvPr>
+            <p:ph type="title"/>
+          </p:nvPr>
+        </p:nvSpPr>
+        <p:spPr>
+          <a:xfrm>
+            <a:off x="1141413" y="618518"/>
+            <a:ext cx="9762807" cy="928898"/>
+          </a:xfrm>
+        </p:spPr>
+        <p:txBody>
+          <a:bodyPr/>
+          <a:lstStyle/>
+          <a:p>
+            <a:r>
+              <a:rPr lang="es-BO" dirty="0"/>
+              <a:t>Justificación Económica - Flujos</a:t>
+            </a:r>
+          </a:p>
+        </p:txBody>
+      </p:sp>
+      <p:sp>
+        <p:nvSpPr>
+          <p:cNvPr id="4" name="TextBox 3">
+            <a:extLst>
+              <a:ext uri="{FF2B5EF4-FFF2-40B4-BE49-F238E27FC236}">
+                <a16:creationId xmlns:a16="http://schemas.microsoft.com/office/drawing/2014/main" id="{BC59BD2D-5084-45BE-B9B9-C7122BB4EAE4}"/>
+              </a:ext>
+            </a:extLst>
+          </p:cNvPr>
+          <p:cNvSpPr txBox="1"/>
+          <p:nvPr/>
+        </p:nvSpPr>
+        <p:spPr>
+          <a:xfrm>
+            <a:off x="1141413" y="1645920"/>
+            <a:ext cx="5510847" cy="369332"/>
+          </a:xfrm>
+          <a:prstGeom prst="rect">
+            <a:avLst/>
+          </a:prstGeom>
+          <a:noFill/>
+        </p:spPr>
+        <p:txBody>
+          <a:bodyPr wrap="square" rtlCol="0">
+            <a:spAutoFit/>
+          </a:bodyPr>
+          <a:lstStyle/>
+          <a:p>
+            <a:r>
+              <a:rPr lang="es-BO" dirty="0"/>
+              <a:t>Flujo sin sistema</a:t>
+            </a:r>
+          </a:p>
+        </p:txBody>
+      </p:sp>
+      <p:graphicFrame>
+        <p:nvGraphicFramePr>
+          <p:cNvPr id="5" name="Table 4">
+            <a:extLst>
+              <a:ext uri="{FF2B5EF4-FFF2-40B4-BE49-F238E27FC236}">
+                <a16:creationId xmlns:a16="http://schemas.microsoft.com/office/drawing/2014/main" id="{A2227809-9DF7-41B1-B6DE-3EE981C08A35}"/>
+              </a:ext>
+            </a:extLst>
+          </p:cNvPr>
+          <p:cNvGraphicFramePr>
+            <a:graphicFrameLocks noGrp="1"/>
+          </p:cNvGraphicFramePr>
+          <p:nvPr>
+            <p:extLst>
+              <p:ext uri="{D42A27DB-BD31-4B8C-83A1-F6EECF244321}">
+                <p14:modId xmlns:p14="http://schemas.microsoft.com/office/powerpoint/2010/main" val="1006136754"/>
+              </p:ext>
+            </p:extLst>
+          </p:nvPr>
+        </p:nvGraphicFramePr>
+        <p:xfrm>
+          <a:off x="844233" y="2113757"/>
+          <a:ext cx="10608627" cy="1539620"/>
+        </p:xfrm>
+        <a:graphic>
+          <a:graphicData uri="http://schemas.openxmlformats.org/drawingml/2006/table">
+            <a:tbl>
+              <a:tblPr firstRow="1" firstCol="1" bandRow="1">
+                <a:tableStyleId>{5C22544A-7EE6-4342-B048-85BDC9FD1C3A}</a:tableStyleId>
+              </a:tblPr>
+              <a:tblGrid>
+                <a:gridCol w="3130101">
+                  <a:extLst>
+                    <a:ext uri="{9D8B030D-6E8A-4147-A177-3AD203B41FA5}">
+                      <a16:colId xmlns:a16="http://schemas.microsoft.com/office/drawing/2014/main" val="1338007472"/>
+                    </a:ext>
+                  </a:extLst>
+                </a:gridCol>
+                <a:gridCol w="1246421">
+                  <a:extLst>
+                    <a:ext uri="{9D8B030D-6E8A-4147-A177-3AD203B41FA5}">
+                      <a16:colId xmlns:a16="http://schemas.microsoft.com/office/drawing/2014/main" val="3564122793"/>
+                    </a:ext>
+                  </a:extLst>
+                </a:gridCol>
+                <a:gridCol w="1246421">
+                  <a:extLst>
+                    <a:ext uri="{9D8B030D-6E8A-4147-A177-3AD203B41FA5}">
+                      <a16:colId xmlns:a16="http://schemas.microsoft.com/office/drawing/2014/main" val="2829018304"/>
+                    </a:ext>
+                  </a:extLst>
+                </a:gridCol>
+                <a:gridCol w="1246421">
+                  <a:extLst>
+                    <a:ext uri="{9D8B030D-6E8A-4147-A177-3AD203B41FA5}">
+                      <a16:colId xmlns:a16="http://schemas.microsoft.com/office/drawing/2014/main" val="3274339961"/>
+                    </a:ext>
+                  </a:extLst>
+                </a:gridCol>
+                <a:gridCol w="1246421">
+                  <a:extLst>
+                    <a:ext uri="{9D8B030D-6E8A-4147-A177-3AD203B41FA5}">
+                      <a16:colId xmlns:a16="http://schemas.microsoft.com/office/drawing/2014/main" val="3450759859"/>
+                    </a:ext>
+                  </a:extLst>
+                </a:gridCol>
+                <a:gridCol w="1246421">
+                  <a:extLst>
+                    <a:ext uri="{9D8B030D-6E8A-4147-A177-3AD203B41FA5}">
+                      <a16:colId xmlns:a16="http://schemas.microsoft.com/office/drawing/2014/main" val="1324383403"/>
+                    </a:ext>
+                  </a:extLst>
+                </a:gridCol>
+                <a:gridCol w="1246421">
+                  <a:extLst>
+                    <a:ext uri="{9D8B030D-6E8A-4147-A177-3AD203B41FA5}">
+                      <a16:colId xmlns:a16="http://schemas.microsoft.com/office/drawing/2014/main" val="1488682632"/>
+                    </a:ext>
+                  </a:extLst>
+                </a:gridCol>
+              </a:tblGrid>
+              <a:tr h="392002">
+                <a:tc>
+                  <a:txBody>
+                    <a:bodyPr/>
+                    <a:lstStyle/>
+                    <a:p>
+                      <a:pPr algn="ctr">
+                        <a:spcAft>
+                          <a:spcPts val="0"/>
+                        </a:spcAft>
+                      </a:pPr>
+                      <a:r>
+                        <a:rPr lang="es-BO" sz="1800">
+                          <a:effectLst/>
+                        </a:rPr>
+                        <a:t>Concepto</a:t>
+                      </a:r>
+                      <a:endParaRPr lang="en-GB" sz="1800">
+                        <a:effectLst/>
+                        <a:latin typeface="Times New Roman" panose="02020603050405020304" pitchFamily="18" charset="0"/>
+                        <a:ea typeface="Times New Roman" panose="02020603050405020304" pitchFamily="18" charset="0"/>
+                        <a:cs typeface="Times New Roman" panose="02020603050405020304" pitchFamily="18" charset="0"/>
+                      </a:endParaRPr>
+                    </a:p>
+                  </a:txBody>
+                  <a:tcPr marL="63500" marR="63500" marT="63500" marB="63500"/>
+                </a:tc>
+                <a:tc>
+                  <a:txBody>
+                    <a:bodyPr/>
+                    <a:lstStyle/>
+                    <a:p>
+                      <a:pPr algn="ctr">
+                        <a:spcAft>
+                          <a:spcPts val="0"/>
+                        </a:spcAft>
+                      </a:pPr>
+                      <a:r>
+                        <a:rPr lang="es-BO" sz="1800">
+                          <a:effectLst/>
+                        </a:rPr>
+                        <a:t>Año 0</a:t>
+                      </a:r>
+                      <a:endParaRPr lang="en-GB" sz="1800">
+                        <a:effectLst/>
+                        <a:latin typeface="Times New Roman" panose="02020603050405020304" pitchFamily="18" charset="0"/>
+                        <a:ea typeface="Times New Roman" panose="02020603050405020304" pitchFamily="18" charset="0"/>
+                        <a:cs typeface="Times New Roman" panose="02020603050405020304" pitchFamily="18" charset="0"/>
+                      </a:endParaRPr>
+                    </a:p>
+                  </a:txBody>
+                  <a:tcPr marL="63500" marR="63500" marT="63500" marB="63500"/>
+                </a:tc>
+                <a:tc>
+                  <a:txBody>
+                    <a:bodyPr/>
+                    <a:lstStyle/>
+                    <a:p>
+                      <a:pPr algn="ctr">
+                        <a:spcAft>
+                          <a:spcPts val="0"/>
+                        </a:spcAft>
+                      </a:pPr>
+                      <a:r>
+                        <a:rPr lang="es-BO" sz="1800">
+                          <a:effectLst/>
+                        </a:rPr>
+                        <a:t>Año 1</a:t>
+                      </a:r>
+                      <a:endParaRPr lang="en-GB" sz="1800">
+                        <a:effectLst/>
+                        <a:latin typeface="Times New Roman" panose="02020603050405020304" pitchFamily="18" charset="0"/>
+                        <a:ea typeface="Times New Roman" panose="02020603050405020304" pitchFamily="18" charset="0"/>
+                        <a:cs typeface="Times New Roman" panose="02020603050405020304" pitchFamily="18" charset="0"/>
+                      </a:endParaRPr>
+                    </a:p>
+                  </a:txBody>
+                  <a:tcPr marL="63500" marR="63500" marT="63500" marB="63500"/>
+                </a:tc>
+                <a:tc>
+                  <a:txBody>
+                    <a:bodyPr/>
+                    <a:lstStyle/>
+                    <a:p>
+                      <a:pPr algn="ctr">
+                        <a:spcAft>
+                          <a:spcPts val="0"/>
+                        </a:spcAft>
+                      </a:pPr>
+                      <a:r>
+                        <a:rPr lang="es-BO" sz="1800">
+                          <a:effectLst/>
+                        </a:rPr>
+                        <a:t>Año 2</a:t>
+                      </a:r>
+                      <a:endParaRPr lang="en-GB" sz="1800">
+                        <a:effectLst/>
+                        <a:latin typeface="Times New Roman" panose="02020603050405020304" pitchFamily="18" charset="0"/>
+                        <a:ea typeface="Times New Roman" panose="02020603050405020304" pitchFamily="18" charset="0"/>
+                        <a:cs typeface="Times New Roman" panose="02020603050405020304" pitchFamily="18" charset="0"/>
+                      </a:endParaRPr>
+                    </a:p>
+                  </a:txBody>
+                  <a:tcPr marL="63500" marR="63500" marT="63500" marB="63500"/>
+                </a:tc>
+                <a:tc>
+                  <a:txBody>
+                    <a:bodyPr/>
+                    <a:lstStyle/>
+                    <a:p>
+                      <a:pPr algn="ctr">
+                        <a:spcAft>
+                          <a:spcPts val="0"/>
+                        </a:spcAft>
+                      </a:pPr>
+                      <a:r>
+                        <a:rPr lang="es-BO" sz="1800">
+                          <a:effectLst/>
+                        </a:rPr>
+                        <a:t>Año 3</a:t>
+                      </a:r>
+                      <a:endParaRPr lang="en-GB" sz="1800">
+                        <a:effectLst/>
+                        <a:latin typeface="Times New Roman" panose="02020603050405020304" pitchFamily="18" charset="0"/>
+                        <a:ea typeface="Times New Roman" panose="02020603050405020304" pitchFamily="18" charset="0"/>
+                        <a:cs typeface="Times New Roman" panose="02020603050405020304" pitchFamily="18" charset="0"/>
+                      </a:endParaRPr>
+                    </a:p>
+                  </a:txBody>
+                  <a:tcPr marL="63500" marR="63500" marT="63500" marB="63500"/>
+                </a:tc>
+                <a:tc>
+                  <a:txBody>
+                    <a:bodyPr/>
+                    <a:lstStyle/>
+                    <a:p>
+                      <a:pPr algn="ctr">
+                        <a:spcAft>
+                          <a:spcPts val="0"/>
+                        </a:spcAft>
+                      </a:pPr>
+                      <a:r>
+                        <a:rPr lang="es-BO" sz="1800">
+                          <a:effectLst/>
+                        </a:rPr>
+                        <a:t>Año 4</a:t>
+                      </a:r>
+                      <a:endParaRPr lang="en-GB" sz="1800">
+                        <a:effectLst/>
+                        <a:latin typeface="Times New Roman" panose="02020603050405020304" pitchFamily="18" charset="0"/>
+                        <a:ea typeface="Times New Roman" panose="02020603050405020304" pitchFamily="18" charset="0"/>
+                        <a:cs typeface="Times New Roman" panose="02020603050405020304" pitchFamily="18" charset="0"/>
+                      </a:endParaRPr>
+                    </a:p>
+                  </a:txBody>
+                  <a:tcPr marL="63500" marR="63500" marT="63500" marB="63500"/>
+                </a:tc>
+                <a:tc>
+                  <a:txBody>
+                    <a:bodyPr/>
+                    <a:lstStyle/>
+                    <a:p>
+                      <a:pPr algn="ctr">
+                        <a:spcAft>
+                          <a:spcPts val="0"/>
+                        </a:spcAft>
+                      </a:pPr>
+                      <a:r>
+                        <a:rPr lang="es-BO" sz="1800">
+                          <a:effectLst/>
+                        </a:rPr>
+                        <a:t>Año 5</a:t>
+                      </a:r>
+                      <a:endParaRPr lang="en-GB" sz="1800">
+                        <a:effectLst/>
+                        <a:latin typeface="Times New Roman" panose="02020603050405020304" pitchFamily="18" charset="0"/>
+                        <a:ea typeface="Times New Roman" panose="02020603050405020304" pitchFamily="18" charset="0"/>
+                        <a:cs typeface="Times New Roman" panose="02020603050405020304" pitchFamily="18" charset="0"/>
+                      </a:endParaRPr>
+                    </a:p>
+                  </a:txBody>
+                  <a:tcPr marL="63500" marR="63500" marT="63500" marB="63500"/>
+                </a:tc>
+                <a:extLst>
+                  <a:ext uri="{0D108BD9-81ED-4DB2-BD59-A6C34878D82A}">
+                    <a16:rowId xmlns:a16="http://schemas.microsoft.com/office/drawing/2014/main" val="1451393602"/>
+                  </a:ext>
+                </a:extLst>
+              </a:tr>
+              <a:tr h="392002">
+                <a:tc>
+                  <a:txBody>
+                    <a:bodyPr/>
+                    <a:lstStyle/>
+                    <a:p>
+                      <a:pPr algn="ctr">
+                        <a:spcAft>
+                          <a:spcPts val="0"/>
+                        </a:spcAft>
+                      </a:pPr>
+                      <a:r>
+                        <a:rPr lang="es-BO" sz="1800">
+                          <a:effectLst/>
+                        </a:rPr>
+                        <a:t>Flujo de Caja</a:t>
+                      </a:r>
+                      <a:endParaRPr lang="en-GB" sz="1800">
+                        <a:effectLst/>
+                        <a:latin typeface="Times New Roman" panose="02020603050405020304" pitchFamily="18" charset="0"/>
+                        <a:ea typeface="Times New Roman" panose="02020603050405020304" pitchFamily="18" charset="0"/>
+                        <a:cs typeface="Times New Roman" panose="02020603050405020304" pitchFamily="18" charset="0"/>
+                      </a:endParaRPr>
+                    </a:p>
+                  </a:txBody>
+                  <a:tcPr marL="63500" marR="63500" marT="63500" marB="63500"/>
+                </a:tc>
+                <a:tc>
+                  <a:txBody>
+                    <a:bodyPr/>
+                    <a:lstStyle/>
+                    <a:p>
+                      <a:pPr algn="ctr">
+                        <a:spcAft>
+                          <a:spcPts val="0"/>
+                        </a:spcAft>
+                      </a:pPr>
+                      <a:r>
+                        <a:rPr lang="es-BO" sz="1800">
+                          <a:effectLst/>
+                        </a:rPr>
+                        <a:t>0</a:t>
+                      </a:r>
+                      <a:endParaRPr lang="en-GB" sz="1800">
+                        <a:effectLst/>
+                        <a:latin typeface="Arial" panose="020B0604020202020204" pitchFamily="34" charset="0"/>
+                        <a:ea typeface="Times New Roman" panose="02020603050405020304" pitchFamily="18" charset="0"/>
+                        <a:cs typeface="Times New Roman" panose="02020603050405020304" pitchFamily="18" charset="0"/>
+                      </a:endParaRPr>
+                    </a:p>
+                  </a:txBody>
+                  <a:tcPr marL="63500" marR="63500" marT="63500" marB="63500"/>
+                </a:tc>
+                <a:tc>
+                  <a:txBody>
+                    <a:bodyPr/>
+                    <a:lstStyle/>
+                    <a:p>
+                      <a:pPr algn="ctr">
+                        <a:spcAft>
+                          <a:spcPts val="0"/>
+                        </a:spcAft>
+                      </a:pPr>
+                      <a:r>
+                        <a:rPr lang="es-BO" sz="1800">
+                          <a:effectLst/>
+                        </a:rPr>
+                        <a:t>26100</a:t>
+                      </a:r>
+                      <a:endParaRPr lang="en-GB" sz="1800">
+                        <a:effectLst/>
+                        <a:latin typeface="Times New Roman" panose="02020603050405020304" pitchFamily="18" charset="0"/>
+                        <a:ea typeface="Times New Roman" panose="02020603050405020304" pitchFamily="18" charset="0"/>
+                        <a:cs typeface="Times New Roman" panose="02020603050405020304" pitchFamily="18" charset="0"/>
+                      </a:endParaRPr>
+                    </a:p>
+                  </a:txBody>
+                  <a:tcPr marL="63500" marR="63500" marT="63500" marB="63500"/>
+                </a:tc>
+                <a:tc>
+                  <a:txBody>
+                    <a:bodyPr/>
+                    <a:lstStyle/>
+                    <a:p>
+                      <a:pPr algn="ctr">
+                        <a:spcAft>
+                          <a:spcPts val="0"/>
+                        </a:spcAft>
+                      </a:pPr>
+                      <a:r>
+                        <a:rPr lang="es-BO" sz="1800">
+                          <a:effectLst/>
+                        </a:rPr>
+                        <a:t>26100</a:t>
+                      </a:r>
+                      <a:endParaRPr lang="en-GB" sz="1800">
+                        <a:effectLst/>
+                        <a:latin typeface="Times New Roman" panose="02020603050405020304" pitchFamily="18" charset="0"/>
+                        <a:ea typeface="Times New Roman" panose="02020603050405020304" pitchFamily="18" charset="0"/>
+                        <a:cs typeface="Times New Roman" panose="02020603050405020304" pitchFamily="18" charset="0"/>
+                      </a:endParaRPr>
+                    </a:p>
+                  </a:txBody>
+                  <a:tcPr marL="63500" marR="63500" marT="63500" marB="63500"/>
+                </a:tc>
+                <a:tc>
+                  <a:txBody>
+                    <a:bodyPr/>
+                    <a:lstStyle/>
+                    <a:p>
+                      <a:pPr algn="ctr">
+                        <a:spcAft>
+                          <a:spcPts val="0"/>
+                        </a:spcAft>
+                      </a:pPr>
+                      <a:r>
+                        <a:rPr lang="es-BO" sz="1800">
+                          <a:effectLst/>
+                        </a:rPr>
+                        <a:t>13050</a:t>
+                      </a:r>
+                      <a:endParaRPr lang="en-GB" sz="1800">
+                        <a:effectLst/>
+                        <a:latin typeface="Times New Roman" panose="02020603050405020304" pitchFamily="18" charset="0"/>
+                        <a:ea typeface="Times New Roman" panose="02020603050405020304" pitchFamily="18" charset="0"/>
+                        <a:cs typeface="Times New Roman" panose="02020603050405020304" pitchFamily="18" charset="0"/>
+                      </a:endParaRPr>
+                    </a:p>
+                  </a:txBody>
+                  <a:tcPr marL="63500" marR="63500" marT="63500" marB="63500"/>
+                </a:tc>
+                <a:tc>
+                  <a:txBody>
+                    <a:bodyPr/>
+                    <a:lstStyle/>
+                    <a:p>
+                      <a:pPr algn="ctr">
+                        <a:spcAft>
+                          <a:spcPts val="0"/>
+                        </a:spcAft>
+                      </a:pPr>
+                      <a:r>
+                        <a:rPr lang="es-BO" sz="1800">
+                          <a:effectLst/>
+                        </a:rPr>
+                        <a:t>21750</a:t>
+                      </a:r>
+                      <a:endParaRPr lang="en-GB" sz="1800">
+                        <a:effectLst/>
+                        <a:latin typeface="Times New Roman" panose="02020603050405020304" pitchFamily="18" charset="0"/>
+                        <a:ea typeface="Times New Roman" panose="02020603050405020304" pitchFamily="18" charset="0"/>
+                        <a:cs typeface="Times New Roman" panose="02020603050405020304" pitchFamily="18" charset="0"/>
+                      </a:endParaRPr>
+                    </a:p>
+                  </a:txBody>
+                  <a:tcPr marL="63500" marR="63500" marT="63500" marB="63500"/>
+                </a:tc>
+                <a:tc>
+                  <a:txBody>
+                    <a:bodyPr/>
+                    <a:lstStyle/>
+                    <a:p>
+                      <a:pPr algn="ctr">
+                        <a:spcAft>
+                          <a:spcPts val="0"/>
+                        </a:spcAft>
+                      </a:pPr>
+                      <a:r>
+                        <a:rPr lang="es-BO" sz="1800">
+                          <a:effectLst/>
+                        </a:rPr>
+                        <a:t>26100</a:t>
+                      </a:r>
+                      <a:endParaRPr lang="en-GB" sz="1800">
+                        <a:effectLst/>
+                        <a:latin typeface="Times New Roman" panose="02020603050405020304" pitchFamily="18" charset="0"/>
+                        <a:ea typeface="Times New Roman" panose="02020603050405020304" pitchFamily="18" charset="0"/>
+                        <a:cs typeface="Times New Roman" panose="02020603050405020304" pitchFamily="18" charset="0"/>
+                      </a:endParaRPr>
+                    </a:p>
+                  </a:txBody>
+                  <a:tcPr marL="63500" marR="63500" marT="63500" marB="63500"/>
+                </a:tc>
+                <a:extLst>
+                  <a:ext uri="{0D108BD9-81ED-4DB2-BD59-A6C34878D82A}">
+                    <a16:rowId xmlns:a16="http://schemas.microsoft.com/office/drawing/2014/main" val="2228983704"/>
+                  </a:ext>
+                </a:extLst>
+              </a:tr>
+              <a:tr h="736980">
+                <a:tc>
+                  <a:txBody>
+                    <a:bodyPr/>
+                    <a:lstStyle/>
+                    <a:p>
+                      <a:pPr algn="ctr">
+                        <a:spcAft>
+                          <a:spcPts val="0"/>
+                        </a:spcAft>
+                      </a:pPr>
+                      <a:r>
+                        <a:rPr lang="es-BO" sz="1800" dirty="0">
+                          <a:effectLst/>
+                        </a:rPr>
+                        <a:t>Flujo neto Actualizado sin sistema</a:t>
+                      </a:r>
+                      <a:endParaRPr lang="en-GB" sz="1800" dirty="0">
+                        <a:effectLst/>
+                        <a:latin typeface="Times New Roman" panose="02020603050405020304" pitchFamily="18" charset="0"/>
+                        <a:ea typeface="Times New Roman" panose="02020603050405020304" pitchFamily="18" charset="0"/>
+                        <a:cs typeface="Times New Roman" panose="02020603050405020304" pitchFamily="18" charset="0"/>
+                      </a:endParaRPr>
+                    </a:p>
+                  </a:txBody>
+                  <a:tcPr marL="63500" marR="63500" marT="63500" marB="63500"/>
+                </a:tc>
+                <a:tc>
+                  <a:txBody>
+                    <a:bodyPr/>
+                    <a:lstStyle/>
+                    <a:p>
+                      <a:endParaRPr lang="en-GB" sz="1800" dirty="0">
+                        <a:effectLst/>
+                        <a:latin typeface="Times New Roman" panose="02020603050405020304" pitchFamily="18" charset="0"/>
+                      </a:endParaRPr>
+                    </a:p>
+                  </a:txBody>
+                  <a:tcPr marL="63500" marR="63500" marT="63500" marB="63500"/>
+                </a:tc>
+                <a:tc>
+                  <a:txBody>
+                    <a:bodyPr/>
+                    <a:lstStyle/>
+                    <a:p>
+                      <a:pPr algn="ctr">
+                        <a:spcAft>
+                          <a:spcPts val="0"/>
+                        </a:spcAft>
+                      </a:pPr>
+                      <a:r>
+                        <a:rPr lang="es-BO" sz="1800">
+                          <a:effectLst/>
+                        </a:rPr>
+                        <a:t>23303.57</a:t>
+                      </a:r>
+                      <a:endParaRPr lang="en-GB" sz="1800">
+                        <a:effectLst/>
+                        <a:latin typeface="Times New Roman" panose="02020603050405020304" pitchFamily="18" charset="0"/>
+                        <a:ea typeface="Times New Roman" panose="02020603050405020304" pitchFamily="18" charset="0"/>
+                        <a:cs typeface="Times New Roman" panose="02020603050405020304" pitchFamily="18" charset="0"/>
+                      </a:endParaRPr>
+                    </a:p>
+                  </a:txBody>
+                  <a:tcPr marL="63500" marR="63500" marT="63500" marB="63500"/>
+                </a:tc>
+                <a:tc>
+                  <a:txBody>
+                    <a:bodyPr/>
+                    <a:lstStyle/>
+                    <a:p>
+                      <a:pPr algn="ctr">
+                        <a:spcAft>
+                          <a:spcPts val="0"/>
+                        </a:spcAft>
+                      </a:pPr>
+                      <a:r>
+                        <a:rPr lang="es-BO" sz="1800">
+                          <a:effectLst/>
+                        </a:rPr>
+                        <a:t>20806.76</a:t>
+                      </a:r>
+                      <a:endParaRPr lang="en-GB" sz="1800">
+                        <a:effectLst/>
+                        <a:latin typeface="Times New Roman" panose="02020603050405020304" pitchFamily="18" charset="0"/>
+                        <a:ea typeface="Times New Roman" panose="02020603050405020304" pitchFamily="18" charset="0"/>
+                        <a:cs typeface="Times New Roman" panose="02020603050405020304" pitchFamily="18" charset="0"/>
+                      </a:endParaRPr>
+                    </a:p>
+                  </a:txBody>
+                  <a:tcPr marL="63500" marR="63500" marT="63500" marB="63500"/>
+                </a:tc>
+                <a:tc>
+                  <a:txBody>
+                    <a:bodyPr/>
+                    <a:lstStyle/>
+                    <a:p>
+                      <a:pPr algn="ctr">
+                        <a:spcAft>
+                          <a:spcPts val="0"/>
+                        </a:spcAft>
+                      </a:pPr>
+                      <a:r>
+                        <a:rPr lang="es-BO" sz="1800">
+                          <a:effectLst/>
+                        </a:rPr>
+                        <a:t>9288.73</a:t>
+                      </a:r>
+                      <a:endParaRPr lang="en-GB" sz="1800">
+                        <a:effectLst/>
+                        <a:latin typeface="Times New Roman" panose="02020603050405020304" pitchFamily="18" charset="0"/>
+                        <a:ea typeface="Times New Roman" panose="02020603050405020304" pitchFamily="18" charset="0"/>
+                        <a:cs typeface="Times New Roman" panose="02020603050405020304" pitchFamily="18" charset="0"/>
+                      </a:endParaRPr>
+                    </a:p>
+                  </a:txBody>
+                  <a:tcPr marL="63500" marR="63500" marT="63500" marB="63500"/>
+                </a:tc>
+                <a:tc>
+                  <a:txBody>
+                    <a:bodyPr/>
+                    <a:lstStyle/>
+                    <a:p>
+                      <a:pPr algn="ctr">
+                        <a:spcAft>
+                          <a:spcPts val="0"/>
+                        </a:spcAft>
+                      </a:pPr>
+                      <a:r>
+                        <a:rPr lang="es-BO" sz="1800">
+                          <a:effectLst/>
+                        </a:rPr>
+                        <a:t>13822.52</a:t>
+                      </a:r>
+                      <a:endParaRPr lang="en-GB" sz="1800">
+                        <a:effectLst/>
+                        <a:latin typeface="Times New Roman" panose="02020603050405020304" pitchFamily="18" charset="0"/>
+                        <a:ea typeface="Times New Roman" panose="02020603050405020304" pitchFamily="18" charset="0"/>
+                        <a:cs typeface="Times New Roman" panose="02020603050405020304" pitchFamily="18" charset="0"/>
+                      </a:endParaRPr>
+                    </a:p>
+                  </a:txBody>
+                  <a:tcPr marL="63500" marR="63500" marT="63500" marB="63500"/>
+                </a:tc>
+                <a:tc>
+                  <a:txBody>
+                    <a:bodyPr/>
+                    <a:lstStyle/>
+                    <a:p>
+                      <a:pPr algn="ctr">
+                        <a:spcAft>
+                          <a:spcPts val="0"/>
+                        </a:spcAft>
+                      </a:pPr>
+                      <a:r>
+                        <a:rPr lang="es-BO" sz="1800" dirty="0">
+                          <a:effectLst/>
+                        </a:rPr>
+                        <a:t>14809.84</a:t>
+                      </a:r>
+                      <a:endParaRPr lang="en-GB" sz="1800" dirty="0">
+                        <a:effectLst/>
+                        <a:latin typeface="Times New Roman" panose="02020603050405020304" pitchFamily="18" charset="0"/>
+                        <a:ea typeface="Times New Roman" panose="02020603050405020304" pitchFamily="18" charset="0"/>
+                        <a:cs typeface="Times New Roman" panose="02020603050405020304" pitchFamily="18" charset="0"/>
+                      </a:endParaRPr>
+                    </a:p>
+                  </a:txBody>
+                  <a:tcPr marL="63500" marR="63500" marT="63500" marB="63500"/>
+                </a:tc>
+                <a:extLst>
+                  <a:ext uri="{0D108BD9-81ED-4DB2-BD59-A6C34878D82A}">
+                    <a16:rowId xmlns:a16="http://schemas.microsoft.com/office/drawing/2014/main" val="893602167"/>
+                  </a:ext>
+                </a:extLst>
+              </a:tr>
+            </a:tbl>
+          </a:graphicData>
+        </a:graphic>
+      </p:graphicFrame>
+      <p:sp>
+        <p:nvSpPr>
+          <p:cNvPr id="6" name="TextBox 5">
+            <a:extLst>
+              <a:ext uri="{FF2B5EF4-FFF2-40B4-BE49-F238E27FC236}">
+                <a16:creationId xmlns:a16="http://schemas.microsoft.com/office/drawing/2014/main" id="{504A080C-E716-456C-80F8-50754B0886A1}"/>
+              </a:ext>
+            </a:extLst>
+          </p:cNvPr>
+          <p:cNvSpPr txBox="1"/>
+          <p:nvPr/>
+        </p:nvSpPr>
+        <p:spPr>
+          <a:xfrm>
+            <a:off x="1141412" y="4035052"/>
+            <a:ext cx="5510847" cy="369332"/>
+          </a:xfrm>
+          <a:prstGeom prst="rect">
+            <a:avLst/>
+          </a:prstGeom>
+          <a:noFill/>
+        </p:spPr>
+        <p:txBody>
+          <a:bodyPr wrap="square" rtlCol="0">
+            <a:spAutoFit/>
+          </a:bodyPr>
+          <a:lstStyle/>
+          <a:p>
+            <a:r>
+              <a:rPr lang="es-BO" dirty="0"/>
+              <a:t>Flujo con sistema</a:t>
+            </a:r>
+          </a:p>
+        </p:txBody>
+      </p:sp>
+      <p:graphicFrame>
+        <p:nvGraphicFramePr>
+          <p:cNvPr id="7" name="Table 6">
+            <a:extLst>
+              <a:ext uri="{FF2B5EF4-FFF2-40B4-BE49-F238E27FC236}">
+                <a16:creationId xmlns:a16="http://schemas.microsoft.com/office/drawing/2014/main" id="{82940F9E-EDCA-4E3E-B764-69124C7E40B0}"/>
+              </a:ext>
+            </a:extLst>
+          </p:cNvPr>
+          <p:cNvGraphicFramePr>
+            <a:graphicFrameLocks noGrp="1"/>
+          </p:cNvGraphicFramePr>
+          <p:nvPr>
+            <p:extLst>
+              <p:ext uri="{D42A27DB-BD31-4B8C-83A1-F6EECF244321}">
+                <p14:modId xmlns:p14="http://schemas.microsoft.com/office/powerpoint/2010/main" val="1538769120"/>
+              </p:ext>
+            </p:extLst>
+          </p:nvPr>
+        </p:nvGraphicFramePr>
+        <p:xfrm>
+          <a:off x="844233" y="4404384"/>
+          <a:ext cx="10608625" cy="1752600"/>
+        </p:xfrm>
+        <a:graphic>
+          <a:graphicData uri="http://schemas.openxmlformats.org/drawingml/2006/table">
+            <a:tbl>
+              <a:tblPr firstRow="1" firstCol="1" bandRow="1">
+                <a:tableStyleId>{5C22544A-7EE6-4342-B048-85BDC9FD1C3A}</a:tableStyleId>
+              </a:tblPr>
+              <a:tblGrid>
+                <a:gridCol w="1693227">
+                  <a:extLst>
+                    <a:ext uri="{9D8B030D-6E8A-4147-A177-3AD203B41FA5}">
+                      <a16:colId xmlns:a16="http://schemas.microsoft.com/office/drawing/2014/main" val="2246483955"/>
+                    </a:ext>
+                  </a:extLst>
+                </a:gridCol>
+                <a:gridCol w="1224574">
+                  <a:extLst>
+                    <a:ext uri="{9D8B030D-6E8A-4147-A177-3AD203B41FA5}">
+                      <a16:colId xmlns:a16="http://schemas.microsoft.com/office/drawing/2014/main" val="1384189062"/>
+                    </a:ext>
+                  </a:extLst>
+                </a:gridCol>
+                <a:gridCol w="1503396">
+                  <a:extLst>
+                    <a:ext uri="{9D8B030D-6E8A-4147-A177-3AD203B41FA5}">
+                      <a16:colId xmlns:a16="http://schemas.microsoft.com/office/drawing/2014/main" val="3490896548"/>
+                    </a:ext>
+                  </a:extLst>
+                </a:gridCol>
+                <a:gridCol w="1546857">
+                  <a:extLst>
+                    <a:ext uri="{9D8B030D-6E8A-4147-A177-3AD203B41FA5}">
+                      <a16:colId xmlns:a16="http://schemas.microsoft.com/office/drawing/2014/main" val="3655347671"/>
+                    </a:ext>
+                  </a:extLst>
+                </a:gridCol>
+                <a:gridCol w="1546857">
+                  <a:extLst>
+                    <a:ext uri="{9D8B030D-6E8A-4147-A177-3AD203B41FA5}">
+                      <a16:colId xmlns:a16="http://schemas.microsoft.com/office/drawing/2014/main" val="3542767048"/>
+                    </a:ext>
+                  </a:extLst>
+                </a:gridCol>
+                <a:gridCol w="1546857">
+                  <a:extLst>
+                    <a:ext uri="{9D8B030D-6E8A-4147-A177-3AD203B41FA5}">
+                      <a16:colId xmlns:a16="http://schemas.microsoft.com/office/drawing/2014/main" val="2166152340"/>
+                    </a:ext>
+                  </a:extLst>
+                </a:gridCol>
+                <a:gridCol w="1546857">
+                  <a:extLst>
+                    <a:ext uri="{9D8B030D-6E8A-4147-A177-3AD203B41FA5}">
+                      <a16:colId xmlns:a16="http://schemas.microsoft.com/office/drawing/2014/main" val="1831475280"/>
+                    </a:ext>
+                  </a:extLst>
+                </a:gridCol>
+              </a:tblGrid>
+              <a:tr h="376627">
+                <a:tc>
+                  <a:txBody>
+                    <a:bodyPr/>
+                    <a:lstStyle/>
+                    <a:p>
+                      <a:pPr algn="ctr">
+                        <a:spcAft>
+                          <a:spcPts val="0"/>
+                        </a:spcAft>
+                      </a:pPr>
+                      <a:r>
+                        <a:rPr lang="es-BO" sz="1800">
+                          <a:effectLst/>
+                        </a:rPr>
+                        <a:t>Concepto</a:t>
+                      </a:r>
+                      <a:endParaRPr lang="en-GB" sz="1800">
+                        <a:effectLst/>
+                        <a:latin typeface="Times New Roman" panose="02020603050405020304" pitchFamily="18" charset="0"/>
+                        <a:ea typeface="Times New Roman" panose="02020603050405020304" pitchFamily="18" charset="0"/>
+                        <a:cs typeface="Times New Roman" panose="02020603050405020304" pitchFamily="18" charset="0"/>
+                      </a:endParaRPr>
+                    </a:p>
+                  </a:txBody>
+                  <a:tcPr marL="63500" marR="63500" marT="63500" marB="63500"/>
+                </a:tc>
+                <a:tc>
+                  <a:txBody>
+                    <a:bodyPr/>
+                    <a:lstStyle/>
+                    <a:p>
+                      <a:pPr algn="ctr">
+                        <a:spcAft>
+                          <a:spcPts val="0"/>
+                        </a:spcAft>
+                      </a:pPr>
+                      <a:r>
+                        <a:rPr lang="es-BO" sz="1800">
+                          <a:effectLst/>
+                        </a:rPr>
+                        <a:t>Año 0</a:t>
+                      </a:r>
+                      <a:endParaRPr lang="en-GB" sz="1800">
+                        <a:effectLst/>
+                        <a:latin typeface="Times New Roman" panose="02020603050405020304" pitchFamily="18" charset="0"/>
+                        <a:ea typeface="Times New Roman" panose="02020603050405020304" pitchFamily="18" charset="0"/>
+                        <a:cs typeface="Times New Roman" panose="02020603050405020304" pitchFamily="18" charset="0"/>
+                      </a:endParaRPr>
+                    </a:p>
+                  </a:txBody>
+                  <a:tcPr marL="63500" marR="63500" marT="63500" marB="63500"/>
+                </a:tc>
+                <a:tc>
+                  <a:txBody>
+                    <a:bodyPr/>
+                    <a:lstStyle/>
+                    <a:p>
+                      <a:pPr algn="ctr">
+                        <a:spcAft>
+                          <a:spcPts val="0"/>
+                        </a:spcAft>
+                      </a:pPr>
+                      <a:r>
+                        <a:rPr lang="es-BO" sz="1800">
+                          <a:effectLst/>
+                        </a:rPr>
+                        <a:t>Año 1</a:t>
+                      </a:r>
+                      <a:endParaRPr lang="en-GB" sz="1800">
+                        <a:effectLst/>
+                        <a:latin typeface="Times New Roman" panose="02020603050405020304" pitchFamily="18" charset="0"/>
+                        <a:ea typeface="Times New Roman" panose="02020603050405020304" pitchFamily="18" charset="0"/>
+                        <a:cs typeface="Times New Roman" panose="02020603050405020304" pitchFamily="18" charset="0"/>
+                      </a:endParaRPr>
+                    </a:p>
+                  </a:txBody>
+                  <a:tcPr marL="63500" marR="63500" marT="63500" marB="63500"/>
+                </a:tc>
+                <a:tc>
+                  <a:txBody>
+                    <a:bodyPr/>
+                    <a:lstStyle/>
+                    <a:p>
+                      <a:pPr algn="ctr">
+                        <a:spcAft>
+                          <a:spcPts val="0"/>
+                        </a:spcAft>
+                      </a:pPr>
+                      <a:r>
+                        <a:rPr lang="es-BO" sz="1800">
+                          <a:effectLst/>
+                        </a:rPr>
+                        <a:t>Año 2</a:t>
+                      </a:r>
+                      <a:endParaRPr lang="en-GB" sz="1800">
+                        <a:effectLst/>
+                        <a:latin typeface="Times New Roman" panose="02020603050405020304" pitchFamily="18" charset="0"/>
+                        <a:ea typeface="Times New Roman" panose="02020603050405020304" pitchFamily="18" charset="0"/>
+                        <a:cs typeface="Times New Roman" panose="02020603050405020304" pitchFamily="18" charset="0"/>
+                      </a:endParaRPr>
+                    </a:p>
+                  </a:txBody>
+                  <a:tcPr marL="63500" marR="63500" marT="63500" marB="63500"/>
+                </a:tc>
+                <a:tc>
+                  <a:txBody>
+                    <a:bodyPr/>
+                    <a:lstStyle/>
+                    <a:p>
+                      <a:pPr algn="ctr">
+                        <a:spcAft>
+                          <a:spcPts val="0"/>
+                        </a:spcAft>
+                      </a:pPr>
+                      <a:r>
+                        <a:rPr lang="es-BO" sz="1800">
+                          <a:effectLst/>
+                        </a:rPr>
+                        <a:t>Año 3</a:t>
+                      </a:r>
+                      <a:endParaRPr lang="en-GB" sz="1800">
+                        <a:effectLst/>
+                        <a:latin typeface="Times New Roman" panose="02020603050405020304" pitchFamily="18" charset="0"/>
+                        <a:ea typeface="Times New Roman" panose="02020603050405020304" pitchFamily="18" charset="0"/>
+                        <a:cs typeface="Times New Roman" panose="02020603050405020304" pitchFamily="18" charset="0"/>
+                      </a:endParaRPr>
+                    </a:p>
+                  </a:txBody>
+                  <a:tcPr marL="63500" marR="63500" marT="63500" marB="63500"/>
+                </a:tc>
+                <a:tc>
+                  <a:txBody>
+                    <a:bodyPr/>
+                    <a:lstStyle/>
+                    <a:p>
+                      <a:pPr algn="ctr">
+                        <a:spcAft>
+                          <a:spcPts val="0"/>
+                        </a:spcAft>
+                      </a:pPr>
+                      <a:r>
+                        <a:rPr lang="es-BO" sz="1800">
+                          <a:effectLst/>
+                        </a:rPr>
+                        <a:t>Año 4</a:t>
+                      </a:r>
+                      <a:endParaRPr lang="en-GB" sz="1800">
+                        <a:effectLst/>
+                        <a:latin typeface="Times New Roman" panose="02020603050405020304" pitchFamily="18" charset="0"/>
+                        <a:ea typeface="Times New Roman" panose="02020603050405020304" pitchFamily="18" charset="0"/>
+                        <a:cs typeface="Times New Roman" panose="02020603050405020304" pitchFamily="18" charset="0"/>
+                      </a:endParaRPr>
+                    </a:p>
+                  </a:txBody>
+                  <a:tcPr marL="63500" marR="63500" marT="63500" marB="63500"/>
+                </a:tc>
+                <a:tc>
+                  <a:txBody>
+                    <a:bodyPr/>
+                    <a:lstStyle/>
+                    <a:p>
+                      <a:pPr algn="ctr">
+                        <a:spcAft>
+                          <a:spcPts val="0"/>
+                        </a:spcAft>
+                      </a:pPr>
+                      <a:r>
+                        <a:rPr lang="es-BO" sz="1800">
+                          <a:effectLst/>
+                        </a:rPr>
+                        <a:t>Año 5</a:t>
+                      </a:r>
+                      <a:endParaRPr lang="en-GB" sz="1800">
+                        <a:effectLst/>
+                        <a:latin typeface="Times New Roman" panose="02020603050405020304" pitchFamily="18" charset="0"/>
+                        <a:ea typeface="Times New Roman" panose="02020603050405020304" pitchFamily="18" charset="0"/>
+                        <a:cs typeface="Times New Roman" panose="02020603050405020304" pitchFamily="18" charset="0"/>
+                      </a:endParaRPr>
+                    </a:p>
+                  </a:txBody>
+                  <a:tcPr marL="63500" marR="63500" marT="63500" marB="63500"/>
+                </a:tc>
+                <a:extLst>
+                  <a:ext uri="{0D108BD9-81ED-4DB2-BD59-A6C34878D82A}">
+                    <a16:rowId xmlns:a16="http://schemas.microsoft.com/office/drawing/2014/main" val="3605327557"/>
+                  </a:ext>
+                </a:extLst>
+              </a:tr>
+              <a:tr h="376627">
+                <a:tc>
+                  <a:txBody>
+                    <a:bodyPr/>
+                    <a:lstStyle/>
+                    <a:p>
+                      <a:pPr algn="ctr">
+                        <a:spcAft>
+                          <a:spcPts val="0"/>
+                        </a:spcAft>
+                      </a:pPr>
+                      <a:r>
+                        <a:rPr lang="es-BO" sz="1800">
+                          <a:effectLst/>
+                        </a:rPr>
+                        <a:t>Flujo de Caja</a:t>
+                      </a:r>
+                      <a:endParaRPr lang="en-GB" sz="1800">
+                        <a:effectLst/>
+                        <a:latin typeface="Times New Roman" panose="02020603050405020304" pitchFamily="18" charset="0"/>
+                        <a:ea typeface="Times New Roman" panose="02020603050405020304" pitchFamily="18" charset="0"/>
+                        <a:cs typeface="Times New Roman" panose="02020603050405020304" pitchFamily="18" charset="0"/>
+                      </a:endParaRPr>
+                    </a:p>
+                  </a:txBody>
+                  <a:tcPr marL="63500" marR="63500" marT="63500" marB="63500"/>
+                </a:tc>
+                <a:tc>
+                  <a:txBody>
+                    <a:bodyPr/>
+                    <a:lstStyle/>
+                    <a:p>
+                      <a:pPr algn="ctr">
+                        <a:spcAft>
+                          <a:spcPts val="0"/>
+                        </a:spcAft>
+                      </a:pPr>
+                      <a:r>
+                        <a:rPr lang="es-BO" sz="1800">
+                          <a:effectLst/>
+                        </a:rPr>
+                        <a:t>-22440</a:t>
+                      </a:r>
+                      <a:endParaRPr lang="en-GB" sz="1800">
+                        <a:effectLst/>
+                        <a:latin typeface="Arial" panose="020B0604020202020204" pitchFamily="34" charset="0"/>
+                        <a:ea typeface="Times New Roman" panose="02020603050405020304" pitchFamily="18" charset="0"/>
+                        <a:cs typeface="Times New Roman" panose="02020603050405020304" pitchFamily="18" charset="0"/>
+                      </a:endParaRPr>
+                    </a:p>
+                  </a:txBody>
+                  <a:tcPr marL="63500" marR="63500" marT="63500" marB="63500"/>
+                </a:tc>
+                <a:tc>
+                  <a:txBody>
+                    <a:bodyPr/>
+                    <a:lstStyle/>
+                    <a:p>
+                      <a:pPr algn="ctr">
+                        <a:spcAft>
+                          <a:spcPts val="0"/>
+                        </a:spcAft>
+                      </a:pPr>
+                      <a:r>
+                        <a:rPr lang="es-BO" sz="1800">
+                          <a:effectLst/>
+                        </a:rPr>
+                        <a:t>62413</a:t>
+                      </a:r>
+                      <a:endParaRPr lang="en-GB" sz="1800">
+                        <a:effectLst/>
+                        <a:latin typeface="Times New Roman" panose="02020603050405020304" pitchFamily="18" charset="0"/>
+                        <a:ea typeface="Times New Roman" panose="02020603050405020304" pitchFamily="18" charset="0"/>
+                        <a:cs typeface="Times New Roman" panose="02020603050405020304" pitchFamily="18" charset="0"/>
+                      </a:endParaRPr>
+                    </a:p>
+                  </a:txBody>
+                  <a:tcPr marL="63500" marR="63500" marT="63500" marB="63500"/>
+                </a:tc>
+                <a:tc>
+                  <a:txBody>
+                    <a:bodyPr/>
+                    <a:lstStyle/>
+                    <a:p>
+                      <a:pPr algn="ctr">
+                        <a:spcAft>
+                          <a:spcPts val="0"/>
+                        </a:spcAft>
+                      </a:pPr>
+                      <a:r>
+                        <a:rPr lang="es-BO" sz="1800">
+                          <a:effectLst/>
+                        </a:rPr>
+                        <a:t>62413</a:t>
+                      </a:r>
+                      <a:endParaRPr lang="en-GB" sz="1800">
+                        <a:effectLst/>
+                        <a:latin typeface="Times New Roman" panose="02020603050405020304" pitchFamily="18" charset="0"/>
+                        <a:ea typeface="Times New Roman" panose="02020603050405020304" pitchFamily="18" charset="0"/>
+                        <a:cs typeface="Times New Roman" panose="02020603050405020304" pitchFamily="18" charset="0"/>
+                      </a:endParaRPr>
+                    </a:p>
+                  </a:txBody>
+                  <a:tcPr marL="63500" marR="63500" marT="63500" marB="63500"/>
+                </a:tc>
+                <a:tc>
+                  <a:txBody>
+                    <a:bodyPr/>
+                    <a:lstStyle/>
+                    <a:p>
+                      <a:pPr algn="ctr">
+                        <a:spcAft>
+                          <a:spcPts val="0"/>
+                        </a:spcAft>
+                      </a:pPr>
+                      <a:r>
+                        <a:rPr lang="es-BO" sz="1800">
+                          <a:effectLst/>
+                        </a:rPr>
+                        <a:t>49363</a:t>
+                      </a:r>
+                      <a:endParaRPr lang="en-GB" sz="1800">
+                        <a:effectLst/>
+                        <a:latin typeface="Times New Roman" panose="02020603050405020304" pitchFamily="18" charset="0"/>
+                        <a:ea typeface="Times New Roman" panose="02020603050405020304" pitchFamily="18" charset="0"/>
+                        <a:cs typeface="Times New Roman" panose="02020603050405020304" pitchFamily="18" charset="0"/>
+                      </a:endParaRPr>
+                    </a:p>
+                  </a:txBody>
+                  <a:tcPr marL="63500" marR="63500" marT="63500" marB="63500"/>
+                </a:tc>
+                <a:tc>
+                  <a:txBody>
+                    <a:bodyPr/>
+                    <a:lstStyle/>
+                    <a:p>
+                      <a:pPr algn="ctr">
+                        <a:spcAft>
+                          <a:spcPts val="0"/>
+                        </a:spcAft>
+                      </a:pPr>
+                      <a:r>
+                        <a:rPr lang="es-BO" sz="1800">
+                          <a:effectLst/>
+                        </a:rPr>
+                        <a:t>58063</a:t>
+                      </a:r>
+                      <a:endParaRPr lang="en-GB" sz="1800">
+                        <a:effectLst/>
+                        <a:latin typeface="Times New Roman" panose="02020603050405020304" pitchFamily="18" charset="0"/>
+                        <a:ea typeface="Times New Roman" panose="02020603050405020304" pitchFamily="18" charset="0"/>
+                        <a:cs typeface="Times New Roman" panose="02020603050405020304" pitchFamily="18" charset="0"/>
+                      </a:endParaRPr>
+                    </a:p>
+                  </a:txBody>
+                  <a:tcPr marL="63500" marR="63500" marT="63500" marB="63500"/>
+                </a:tc>
+                <a:tc>
+                  <a:txBody>
+                    <a:bodyPr/>
+                    <a:lstStyle/>
+                    <a:p>
+                      <a:pPr algn="ctr">
+                        <a:spcAft>
+                          <a:spcPts val="0"/>
+                        </a:spcAft>
+                      </a:pPr>
+                      <a:r>
+                        <a:rPr lang="es-BO" sz="1800">
+                          <a:effectLst/>
+                        </a:rPr>
+                        <a:t>62413</a:t>
+                      </a:r>
+                      <a:endParaRPr lang="en-GB" sz="1800">
+                        <a:effectLst/>
+                        <a:latin typeface="Times New Roman" panose="02020603050405020304" pitchFamily="18" charset="0"/>
+                        <a:ea typeface="Times New Roman" panose="02020603050405020304" pitchFamily="18" charset="0"/>
+                        <a:cs typeface="Times New Roman" panose="02020603050405020304" pitchFamily="18" charset="0"/>
+                      </a:endParaRPr>
+                    </a:p>
+                  </a:txBody>
+                  <a:tcPr marL="63500" marR="63500" marT="63500" marB="63500"/>
+                </a:tc>
+                <a:extLst>
+                  <a:ext uri="{0D108BD9-81ED-4DB2-BD59-A6C34878D82A}">
+                    <a16:rowId xmlns:a16="http://schemas.microsoft.com/office/drawing/2014/main" val="359343555"/>
+                  </a:ext>
+                </a:extLst>
+              </a:tr>
+              <a:tr h="786365">
+                <a:tc>
+                  <a:txBody>
+                    <a:bodyPr/>
+                    <a:lstStyle/>
+                    <a:p>
+                      <a:pPr algn="ctr">
+                        <a:spcAft>
+                          <a:spcPts val="0"/>
+                        </a:spcAft>
+                      </a:pPr>
+                      <a:r>
+                        <a:rPr lang="es-BO" sz="1800">
+                          <a:effectLst/>
+                        </a:rPr>
+                        <a:t>Flujo neto Actualizado sin sistema</a:t>
+                      </a:r>
+                      <a:endParaRPr lang="en-GB" sz="1800">
+                        <a:effectLst/>
+                        <a:latin typeface="Times New Roman" panose="02020603050405020304" pitchFamily="18" charset="0"/>
+                        <a:ea typeface="Times New Roman" panose="02020603050405020304" pitchFamily="18" charset="0"/>
+                        <a:cs typeface="Times New Roman" panose="02020603050405020304" pitchFamily="18" charset="0"/>
+                      </a:endParaRPr>
+                    </a:p>
+                  </a:txBody>
+                  <a:tcPr marL="63500" marR="63500" marT="63500" marB="63500"/>
+                </a:tc>
+                <a:tc>
+                  <a:txBody>
+                    <a:bodyPr/>
+                    <a:lstStyle/>
+                    <a:p>
+                      <a:pPr algn="ctr">
+                        <a:spcAft>
+                          <a:spcPts val="0"/>
+                        </a:spcAft>
+                      </a:pPr>
+                      <a:r>
+                        <a:rPr lang="es-BO" sz="1800">
+                          <a:effectLst/>
+                        </a:rPr>
+                        <a:t>-22440</a:t>
+                      </a:r>
+                      <a:endParaRPr lang="en-GB" sz="1800">
+                        <a:effectLst/>
+                        <a:latin typeface="Arial" panose="020B0604020202020204" pitchFamily="34" charset="0"/>
+                        <a:ea typeface="Times New Roman" panose="02020603050405020304" pitchFamily="18" charset="0"/>
+                        <a:cs typeface="Times New Roman" panose="02020603050405020304" pitchFamily="18" charset="0"/>
+                      </a:endParaRPr>
+                    </a:p>
+                  </a:txBody>
+                  <a:tcPr marL="63500" marR="63500" marT="63500" marB="63500"/>
+                </a:tc>
+                <a:tc>
+                  <a:txBody>
+                    <a:bodyPr/>
+                    <a:lstStyle/>
+                    <a:p>
+                      <a:pPr algn="ctr">
+                        <a:spcAft>
+                          <a:spcPts val="0"/>
+                        </a:spcAft>
+                      </a:pPr>
+                      <a:r>
+                        <a:rPr lang="es-BO" sz="1800">
+                          <a:effectLst/>
+                        </a:rPr>
+                        <a:t>55725.89</a:t>
+                      </a:r>
+                      <a:endParaRPr lang="en-GB" sz="1800">
+                        <a:effectLst/>
+                        <a:latin typeface="Times New Roman" panose="02020603050405020304" pitchFamily="18" charset="0"/>
+                        <a:ea typeface="Times New Roman" panose="02020603050405020304" pitchFamily="18" charset="0"/>
+                        <a:cs typeface="Times New Roman" panose="02020603050405020304" pitchFamily="18" charset="0"/>
+                      </a:endParaRPr>
+                    </a:p>
+                  </a:txBody>
+                  <a:tcPr marL="63500" marR="63500" marT="63500" marB="63500"/>
+                </a:tc>
+                <a:tc>
+                  <a:txBody>
+                    <a:bodyPr/>
+                    <a:lstStyle/>
+                    <a:p>
+                      <a:pPr algn="ctr">
+                        <a:spcAft>
+                          <a:spcPts val="0"/>
+                        </a:spcAft>
+                      </a:pPr>
+                      <a:r>
+                        <a:rPr lang="es-BO" sz="1800">
+                          <a:effectLst/>
+                        </a:rPr>
+                        <a:t>49755.26</a:t>
+                      </a:r>
+                      <a:endParaRPr lang="en-GB" sz="1800">
+                        <a:effectLst/>
+                        <a:latin typeface="Times New Roman" panose="02020603050405020304" pitchFamily="18" charset="0"/>
+                        <a:ea typeface="Times New Roman" panose="02020603050405020304" pitchFamily="18" charset="0"/>
+                        <a:cs typeface="Times New Roman" panose="02020603050405020304" pitchFamily="18" charset="0"/>
+                      </a:endParaRPr>
+                    </a:p>
+                  </a:txBody>
+                  <a:tcPr marL="63500" marR="63500" marT="63500" marB="63500"/>
+                </a:tc>
+                <a:tc>
+                  <a:txBody>
+                    <a:bodyPr/>
+                    <a:lstStyle/>
+                    <a:p>
+                      <a:pPr algn="ctr">
+                        <a:spcAft>
+                          <a:spcPts val="0"/>
+                        </a:spcAft>
+                      </a:pPr>
+                      <a:r>
+                        <a:rPr lang="es-BO" sz="1800">
+                          <a:effectLst/>
+                        </a:rPr>
+                        <a:t>35135.61</a:t>
+                      </a:r>
+                      <a:endParaRPr lang="en-GB" sz="1800">
+                        <a:effectLst/>
+                        <a:latin typeface="Times New Roman" panose="02020603050405020304" pitchFamily="18" charset="0"/>
+                        <a:ea typeface="Times New Roman" panose="02020603050405020304" pitchFamily="18" charset="0"/>
+                        <a:cs typeface="Times New Roman" panose="02020603050405020304" pitchFamily="18" charset="0"/>
+                      </a:endParaRPr>
+                    </a:p>
+                  </a:txBody>
+                  <a:tcPr marL="63500" marR="63500" marT="63500" marB="63500"/>
+                </a:tc>
+                <a:tc>
+                  <a:txBody>
+                    <a:bodyPr/>
+                    <a:lstStyle/>
+                    <a:p>
+                      <a:pPr algn="ctr">
+                        <a:spcAft>
+                          <a:spcPts val="0"/>
+                        </a:spcAft>
+                      </a:pPr>
+                      <a:r>
+                        <a:rPr lang="es-BO" sz="1800">
+                          <a:effectLst/>
+                        </a:rPr>
+                        <a:t>36900.09</a:t>
+                      </a:r>
+                      <a:endParaRPr lang="en-GB" sz="1800">
+                        <a:effectLst/>
+                        <a:latin typeface="Times New Roman" panose="02020603050405020304" pitchFamily="18" charset="0"/>
+                        <a:ea typeface="Times New Roman" panose="02020603050405020304" pitchFamily="18" charset="0"/>
+                        <a:cs typeface="Times New Roman" panose="02020603050405020304" pitchFamily="18" charset="0"/>
+                      </a:endParaRPr>
+                    </a:p>
+                  </a:txBody>
+                  <a:tcPr marL="63500" marR="63500" marT="63500" marB="63500"/>
+                </a:tc>
+                <a:tc>
+                  <a:txBody>
+                    <a:bodyPr/>
+                    <a:lstStyle/>
+                    <a:p>
+                      <a:pPr algn="ctr">
+                        <a:spcAft>
+                          <a:spcPts val="0"/>
+                        </a:spcAft>
+                      </a:pPr>
+                      <a:r>
+                        <a:rPr lang="es-BO" sz="1800" dirty="0">
+                          <a:effectLst/>
+                        </a:rPr>
+                        <a:t>35414.81</a:t>
+                      </a:r>
+                      <a:endParaRPr lang="en-GB" sz="1800" dirty="0">
+                        <a:effectLst/>
+                        <a:latin typeface="Times New Roman" panose="02020603050405020304" pitchFamily="18" charset="0"/>
+                        <a:ea typeface="Times New Roman" panose="02020603050405020304" pitchFamily="18" charset="0"/>
+                        <a:cs typeface="Times New Roman" panose="02020603050405020304" pitchFamily="18" charset="0"/>
+                      </a:endParaRPr>
+                    </a:p>
+                  </a:txBody>
+                  <a:tcPr marL="63500" marR="63500" marT="63500" marB="63500"/>
+                </a:tc>
+                <a:extLst>
+                  <a:ext uri="{0D108BD9-81ED-4DB2-BD59-A6C34878D82A}">
+                    <a16:rowId xmlns:a16="http://schemas.microsoft.com/office/drawing/2014/main" val="1836434203"/>
+                  </a:ext>
+                </a:extLst>
+              </a:tr>
+            </a:tbl>
+          </a:graphicData>
+        </a:graphic>
+      </p:graphicFrame>
+    </p:spTree>
+    <p:extLst>
+      <p:ext uri="{BB962C8B-B14F-4D97-AF65-F5344CB8AC3E}">
+        <p14:creationId xmlns:p14="http://schemas.microsoft.com/office/powerpoint/2010/main" val="166181961"/>
+      </p:ext>
+    </p:extLst>
+  </p:cSld>
+  <p:clrMapOvr>
+    <a:masterClrMapping/>
+  </p:clrMapOvr>
+</p:sld>
+</file>
+
+<file path=ppt/slides/slide9.xml><?xml version="1.0" encoding="utf-8"?>
+<p:sld xmlns:a="http://schemas.openxmlformats.org/drawingml/2006/main" xmlns:r="http://schemas.openxmlformats.org/officeDocument/2006/relationships" xmlns:p="http://schemas.openxmlformats.org/presentationml/2006/main">
+  <p:cSld>
+    <p:spTree>
+      <p:nvGrpSpPr>
+        <p:cNvPr id="1" name=""/>
+        <p:cNvGrpSpPr/>
+        <p:nvPr/>
+      </p:nvGrpSpPr>
+      <p:grpSpPr>
+        <a:xfrm>
+          <a:off x="0" y="0"/>
+          <a:ext cx="0" cy="0"/>
+          <a:chOff x="0" y="0"/>
+          <a:chExt cx="0" cy="0"/>
+        </a:xfrm>
+      </p:grpSpPr>
+      <p:sp>
+        <p:nvSpPr>
+          <p:cNvPr id="2" name="Title 1">
+            <a:extLst>
+              <a:ext uri="{FF2B5EF4-FFF2-40B4-BE49-F238E27FC236}">
+                <a16:creationId xmlns:a16="http://schemas.microsoft.com/office/drawing/2014/main" id="{9791C5B4-E119-4216-8288-650483E7205A}"/>
+              </a:ext>
+            </a:extLst>
+          </p:cNvPr>
+          <p:cNvSpPr>
+            <a:spLocks noGrp="1"/>
+          </p:cNvSpPr>
+          <p:nvPr>
+            <p:ph type="title"/>
+          </p:nvPr>
+        </p:nvSpPr>
+        <p:spPr/>
+        <p:txBody>
+          <a:bodyPr/>
+          <a:lstStyle/>
+          <a:p>
+            <a:r>
+              <a:rPr lang="es-BO" dirty="0"/>
+              <a:t>Justificación Económica - Indicadores</a:t>
+            </a:r>
+          </a:p>
+        </p:txBody>
+      </p:sp>
+      <p:graphicFrame>
+        <p:nvGraphicFramePr>
+          <p:cNvPr id="4" name="Content Placeholder 3">
+            <a:extLst>
+              <a:ext uri="{FF2B5EF4-FFF2-40B4-BE49-F238E27FC236}">
+                <a16:creationId xmlns:a16="http://schemas.microsoft.com/office/drawing/2014/main" id="{25B37B28-91BA-4AC2-A76E-C8FA94C02631}"/>
+              </a:ext>
+            </a:extLst>
+          </p:cNvPr>
+          <p:cNvGraphicFramePr>
+            <a:graphicFrameLocks noGrp="1"/>
+          </p:cNvGraphicFramePr>
+          <p:nvPr>
+            <p:ph idx="1"/>
+            <p:extLst>
+              <p:ext uri="{D42A27DB-BD31-4B8C-83A1-F6EECF244321}">
+                <p14:modId xmlns:p14="http://schemas.microsoft.com/office/powerpoint/2010/main" val="3195256466"/>
+              </p:ext>
+            </p:extLst>
+          </p:nvPr>
+        </p:nvGraphicFramePr>
+        <p:xfrm>
+          <a:off x="1324293" y="2714308"/>
+          <a:ext cx="9906000" cy="2365215"/>
+        </p:xfrm>
+        <a:graphic>
+          <a:graphicData uri="http://schemas.openxmlformats.org/drawingml/2006/table">
+            <a:tbl>
+              <a:tblPr firstRow="1" firstCol="1" bandRow="1">
+                <a:tableStyleId>{5C22544A-7EE6-4342-B048-85BDC9FD1C3A}</a:tableStyleId>
+              </a:tblPr>
+              <a:tblGrid>
+                <a:gridCol w="1527505">
+                  <a:extLst>
+                    <a:ext uri="{9D8B030D-6E8A-4147-A177-3AD203B41FA5}">
+                      <a16:colId xmlns:a16="http://schemas.microsoft.com/office/drawing/2014/main" val="2254816476"/>
+                    </a:ext>
+                  </a:extLst>
+                </a:gridCol>
+                <a:gridCol w="4190238">
+                  <a:extLst>
+                    <a:ext uri="{9D8B030D-6E8A-4147-A177-3AD203B41FA5}">
+                      <a16:colId xmlns:a16="http://schemas.microsoft.com/office/drawing/2014/main" val="2126656040"/>
+                    </a:ext>
+                  </a:extLst>
+                </a:gridCol>
+                <a:gridCol w="4188257">
+                  <a:extLst>
+                    <a:ext uri="{9D8B030D-6E8A-4147-A177-3AD203B41FA5}">
+                      <a16:colId xmlns:a16="http://schemas.microsoft.com/office/drawing/2014/main" val="3719316096"/>
+                    </a:ext>
+                  </a:extLst>
+                </a:gridCol>
+              </a:tblGrid>
+              <a:tr h="788405">
+                <a:tc>
+                  <a:txBody>
+                    <a:bodyPr/>
+                    <a:lstStyle/>
+                    <a:p>
+                      <a:pPr algn="just">
+                        <a:spcAft>
+                          <a:spcPts val="0"/>
+                        </a:spcAft>
+                      </a:pPr>
+                      <a:r>
+                        <a:rPr lang="es-BO" sz="1800">
+                          <a:effectLst/>
+                        </a:rPr>
+                        <a:t> </a:t>
+                      </a:r>
+                      <a:endParaRPr lang="en-GB" sz="1800">
+                        <a:effectLst/>
+                        <a:latin typeface="Times New Roman" panose="02020603050405020304" pitchFamily="18" charset="0"/>
+                        <a:ea typeface="Times New Roman" panose="02020603050405020304" pitchFamily="18" charset="0"/>
+                        <a:cs typeface="Times New Roman" panose="02020603050405020304" pitchFamily="18" charset="0"/>
+                      </a:endParaRPr>
+                    </a:p>
+                  </a:txBody>
+                  <a:tcPr marL="63500" marR="63500" marT="63500" marB="63500"/>
+                </a:tc>
+                <a:tc>
+                  <a:txBody>
+                    <a:bodyPr/>
+                    <a:lstStyle/>
+                    <a:p>
+                      <a:pPr algn="just">
+                        <a:spcAft>
+                          <a:spcPts val="0"/>
+                        </a:spcAft>
+                      </a:pPr>
+                      <a:r>
+                        <a:rPr lang="es-BO" sz="1800">
+                          <a:effectLst/>
+                        </a:rPr>
+                        <a:t>Sin proyecto</a:t>
+                      </a:r>
+                      <a:endParaRPr lang="en-GB" sz="1800">
+                        <a:effectLst/>
+                        <a:latin typeface="Times New Roman" panose="02020603050405020304" pitchFamily="18" charset="0"/>
+                        <a:ea typeface="Times New Roman" panose="02020603050405020304" pitchFamily="18" charset="0"/>
+                        <a:cs typeface="Times New Roman" panose="02020603050405020304" pitchFamily="18" charset="0"/>
+                      </a:endParaRPr>
+                    </a:p>
+                  </a:txBody>
+                  <a:tcPr marL="63500" marR="63500" marT="63500" marB="63500"/>
+                </a:tc>
+                <a:tc>
+                  <a:txBody>
+                    <a:bodyPr/>
+                    <a:lstStyle/>
+                    <a:p>
+                      <a:pPr algn="just">
+                        <a:spcAft>
+                          <a:spcPts val="0"/>
+                        </a:spcAft>
+                      </a:pPr>
+                      <a:r>
+                        <a:rPr lang="es-BO" sz="1800">
+                          <a:effectLst/>
+                        </a:rPr>
+                        <a:t>Con proyecto</a:t>
+                      </a:r>
+                      <a:endParaRPr lang="en-GB" sz="1800">
+                        <a:effectLst/>
+                        <a:latin typeface="Times New Roman" panose="02020603050405020304" pitchFamily="18" charset="0"/>
+                        <a:ea typeface="Times New Roman" panose="02020603050405020304" pitchFamily="18" charset="0"/>
+                        <a:cs typeface="Times New Roman" panose="02020603050405020304" pitchFamily="18" charset="0"/>
+                      </a:endParaRPr>
+                    </a:p>
+                  </a:txBody>
+                  <a:tcPr marL="9525" marR="9525" marT="9525" marB="9525"/>
+                </a:tc>
+                <a:extLst>
+                  <a:ext uri="{0D108BD9-81ED-4DB2-BD59-A6C34878D82A}">
+                    <a16:rowId xmlns:a16="http://schemas.microsoft.com/office/drawing/2014/main" val="509528969"/>
+                  </a:ext>
+                </a:extLst>
+              </a:tr>
+              <a:tr h="788405">
+                <a:tc>
+                  <a:txBody>
+                    <a:bodyPr/>
+                    <a:lstStyle/>
+                    <a:p>
+                      <a:pPr algn="just">
+                        <a:spcAft>
+                          <a:spcPts val="0"/>
+                        </a:spcAft>
+                      </a:pPr>
+                      <a:r>
+                        <a:rPr lang="es-BO" sz="1800">
+                          <a:effectLst/>
+                        </a:rPr>
+                        <a:t>VAN</a:t>
+                      </a:r>
+                      <a:endParaRPr lang="en-GB" sz="1800">
+                        <a:effectLst/>
+                        <a:latin typeface="Times New Roman" panose="02020603050405020304" pitchFamily="18" charset="0"/>
+                        <a:ea typeface="Times New Roman" panose="02020603050405020304" pitchFamily="18" charset="0"/>
+                        <a:cs typeface="Times New Roman" panose="02020603050405020304" pitchFamily="18" charset="0"/>
+                      </a:endParaRPr>
+                    </a:p>
+                  </a:txBody>
+                  <a:tcPr marL="63500" marR="63500" marT="63500" marB="63500"/>
+                </a:tc>
+                <a:tc>
+                  <a:txBody>
+                    <a:bodyPr/>
+                    <a:lstStyle/>
+                    <a:p>
+                      <a:pPr algn="just">
+                        <a:spcAft>
+                          <a:spcPts val="0"/>
+                        </a:spcAft>
+                      </a:pPr>
+                      <a:r>
+                        <a:rPr lang="es-BO" sz="1800">
+                          <a:effectLst/>
+                        </a:rPr>
+                        <a:t>81667.59 </a:t>
+                      </a:r>
+                      <a:endParaRPr lang="en-GB" sz="1800">
+                        <a:effectLst/>
+                        <a:latin typeface="Times New Roman" panose="02020603050405020304" pitchFamily="18" charset="0"/>
+                        <a:ea typeface="Times New Roman" panose="02020603050405020304" pitchFamily="18" charset="0"/>
+                        <a:cs typeface="Times New Roman" panose="02020603050405020304" pitchFamily="18" charset="0"/>
+                      </a:endParaRPr>
+                    </a:p>
+                  </a:txBody>
+                  <a:tcPr marL="63500" marR="63500" marT="63500" marB="63500"/>
+                </a:tc>
+                <a:tc>
+                  <a:txBody>
+                    <a:bodyPr/>
+                    <a:lstStyle/>
+                    <a:p>
+                      <a:pPr algn="just">
+                        <a:spcAft>
+                          <a:spcPts val="0"/>
+                        </a:spcAft>
+                      </a:pPr>
+                      <a:r>
+                        <a:rPr lang="en-US" sz="1800">
+                          <a:effectLst/>
+                        </a:rPr>
+                        <a:t>135526.13</a:t>
+                      </a:r>
+                      <a:endParaRPr lang="en-GB" sz="1800">
+                        <a:effectLst/>
+                        <a:latin typeface="Times New Roman" panose="02020603050405020304" pitchFamily="18" charset="0"/>
+                        <a:ea typeface="Times New Roman" panose="02020603050405020304" pitchFamily="18" charset="0"/>
+                        <a:cs typeface="Times New Roman" panose="02020603050405020304" pitchFamily="18" charset="0"/>
+                      </a:endParaRPr>
+                    </a:p>
+                  </a:txBody>
+                  <a:tcPr marL="9525" marR="9525" marT="9525" marB="9525"/>
+                </a:tc>
+                <a:extLst>
+                  <a:ext uri="{0D108BD9-81ED-4DB2-BD59-A6C34878D82A}">
+                    <a16:rowId xmlns:a16="http://schemas.microsoft.com/office/drawing/2014/main" val="3178929654"/>
+                  </a:ext>
+                </a:extLst>
+              </a:tr>
+              <a:tr h="788405">
+                <a:tc>
+                  <a:txBody>
+                    <a:bodyPr/>
+                    <a:lstStyle/>
+                    <a:p>
+                      <a:pPr algn="just">
+                        <a:spcAft>
+                          <a:spcPts val="0"/>
+                        </a:spcAft>
+                      </a:pPr>
+                      <a:r>
+                        <a:rPr lang="es-BO" sz="1800">
+                          <a:effectLst/>
+                        </a:rPr>
+                        <a:t>TIR</a:t>
+                      </a:r>
+                      <a:endParaRPr lang="en-GB" sz="1800">
+                        <a:effectLst/>
+                        <a:latin typeface="Times New Roman" panose="02020603050405020304" pitchFamily="18" charset="0"/>
+                        <a:ea typeface="Times New Roman" panose="02020603050405020304" pitchFamily="18" charset="0"/>
+                        <a:cs typeface="Times New Roman" panose="02020603050405020304" pitchFamily="18" charset="0"/>
+                      </a:endParaRPr>
+                    </a:p>
+                  </a:txBody>
+                  <a:tcPr marL="63500" marR="63500" marT="63500" marB="63500"/>
+                </a:tc>
+                <a:tc>
+                  <a:txBody>
+                    <a:bodyPr/>
+                    <a:lstStyle/>
+                    <a:p>
+                      <a:pPr algn="just">
+                        <a:spcAft>
+                          <a:spcPts val="0"/>
+                        </a:spcAft>
+                      </a:pPr>
+                      <a:r>
+                        <a:rPr lang="es-BO" sz="1800">
+                          <a:effectLst/>
+                        </a:rPr>
+                        <a:t>Valor inferior a la taza</a:t>
+                      </a:r>
+                      <a:endParaRPr lang="en-GB" sz="1800">
+                        <a:effectLst/>
+                        <a:latin typeface="Times New Roman" panose="02020603050405020304" pitchFamily="18" charset="0"/>
+                        <a:ea typeface="Times New Roman" panose="02020603050405020304" pitchFamily="18" charset="0"/>
+                        <a:cs typeface="Times New Roman" panose="02020603050405020304" pitchFamily="18" charset="0"/>
+                      </a:endParaRPr>
+                    </a:p>
+                  </a:txBody>
+                  <a:tcPr marL="63500" marR="63500" marT="63500" marB="63500"/>
+                </a:tc>
+                <a:tc>
+                  <a:txBody>
+                    <a:bodyPr/>
+                    <a:lstStyle/>
+                    <a:p>
+                      <a:pPr algn="just">
+                        <a:spcAft>
+                          <a:spcPts val="0"/>
+                        </a:spcAft>
+                      </a:pPr>
+                      <a:r>
+                        <a:rPr lang="en-US" sz="1800" dirty="0">
+                          <a:effectLst/>
+                        </a:rPr>
+                        <a:t>234.32% viable</a:t>
+                      </a:r>
+                      <a:endParaRPr lang="en-GB" sz="1800" dirty="0">
+                        <a:effectLst/>
+                        <a:latin typeface="Times New Roman" panose="02020603050405020304" pitchFamily="18" charset="0"/>
+                        <a:ea typeface="Times New Roman" panose="02020603050405020304" pitchFamily="18" charset="0"/>
+                        <a:cs typeface="Times New Roman" panose="02020603050405020304" pitchFamily="18" charset="0"/>
+                      </a:endParaRPr>
+                    </a:p>
+                  </a:txBody>
+                  <a:tcPr marL="9525" marR="9525" marT="9525" marB="9525"/>
+                </a:tc>
+                <a:extLst>
+                  <a:ext uri="{0D108BD9-81ED-4DB2-BD59-A6C34878D82A}">
+                    <a16:rowId xmlns:a16="http://schemas.microsoft.com/office/drawing/2014/main" val="1294663346"/>
+                  </a:ext>
+                </a:extLst>
+              </a:tr>
+            </a:tbl>
+          </a:graphicData>
+        </a:graphic>
+      </p:graphicFrame>
+    </p:spTree>
+    <p:extLst>
+      <p:ext uri="{BB962C8B-B14F-4D97-AF65-F5344CB8AC3E}">
+        <p14:creationId xmlns:p14="http://schemas.microsoft.com/office/powerpoint/2010/main" val="3372030052"/>
       </p:ext>
     </p:extLst>
   </p:cSld>
